--- a/prezentare.pptx
+++ b/prezentare.pptx
@@ -5,23 +5,24 @@
     <p:sldMasterId id="2147483660" r:id="rId4"/>
   </p:sldMasterIdLst>
   <p:notesMasterIdLst>
-    <p:notesMasterId r:id="rId16"/>
+    <p:notesMasterId r:id="rId17"/>
   </p:notesMasterIdLst>
   <p:handoutMasterIdLst>
-    <p:handoutMasterId r:id="rId17"/>
+    <p:handoutMasterId r:id="rId18"/>
   </p:handoutMasterIdLst>
   <p:sldIdLst>
     <p:sldId id="257" r:id="rId5"/>
     <p:sldId id="268" r:id="rId6"/>
-    <p:sldId id="267" r:id="rId7"/>
-    <p:sldId id="269" r:id="rId8"/>
-    <p:sldId id="270" r:id="rId9"/>
-    <p:sldId id="259" r:id="rId10"/>
-    <p:sldId id="261" r:id="rId11"/>
+    <p:sldId id="272" r:id="rId7"/>
+    <p:sldId id="270" r:id="rId8"/>
+    <p:sldId id="259" r:id="rId9"/>
+    <p:sldId id="261" r:id="rId10"/>
+    <p:sldId id="273" r:id="rId11"/>
     <p:sldId id="262" r:id="rId12"/>
-    <p:sldId id="263" r:id="rId13"/>
-    <p:sldId id="271" r:id="rId14"/>
-    <p:sldId id="265" r:id="rId15"/>
+    <p:sldId id="274" r:id="rId13"/>
+    <p:sldId id="275" r:id="rId14"/>
+    <p:sldId id="271" r:id="rId15"/>
+    <p:sldId id="265" r:id="rId16"/>
   </p:sldIdLst>
   <p:sldSz cx="12188825" cy="6858000"/>
   <p:notesSz cx="6858000" cy="9144000"/>
@@ -153,932 +154,8 @@
 </p:presentation>
 </file>
 
-<file path=ppt/charts/chart1.xml><?xml version="1.0" encoding="utf-8"?>
-<c:chartSpace xmlns:c="http://schemas.openxmlformats.org/drawingml/2006/chart" xmlns:a="http://schemas.openxmlformats.org/drawingml/2006/main" xmlns:r="http://schemas.openxmlformats.org/officeDocument/2006/relationships" xmlns:c16r2="http://schemas.microsoft.com/office/drawing/2015/06/chart">
-  <c:date1904 val="0"/>
-  <c:lang val="en-US"/>
-  <c:roundedCorners val="0"/>
-  <mc:AlternateContent xmlns:mc="http://schemas.openxmlformats.org/markup-compatibility/2006">
-    <mc:Choice xmlns:c14="http://schemas.microsoft.com/office/drawing/2007/8/2/chart" Requires="c14">
-      <c14:style val="102"/>
-    </mc:Choice>
-    <mc:Fallback>
-      <c:style val="2"/>
-    </mc:Fallback>
-  </mc:AlternateContent>
-  <c:chart>
-    <c:autoTitleDeleted val="0"/>
-    <c:plotArea>
-      <c:layout/>
-      <c:barChart>
-        <c:barDir val="col"/>
-        <c:grouping val="clustered"/>
-        <c:varyColors val="0"/>
-        <c:ser>
-          <c:idx val="0"/>
-          <c:order val="0"/>
-          <c:tx>
-            <c:strRef>
-              <c:f>Sheet1!$B$1</c:f>
-              <c:strCache>
-                <c:ptCount val="1"/>
-                <c:pt idx="0">
-                  <c:v>Series 1</c:v>
-                </c:pt>
-              </c:strCache>
-            </c:strRef>
-          </c:tx>
-          <c:spPr>
-            <a:noFill/>
-            <a:ln w="25400" cap="flat" cmpd="sng" algn="ctr">
-              <a:solidFill>
-                <a:schemeClr val="accent1"/>
-              </a:solidFill>
-              <a:miter lim="800000"/>
-            </a:ln>
-            <a:effectLst/>
-          </c:spPr>
-          <c:invertIfNegative val="0"/>
-          <c:cat>
-            <c:strRef>
-              <c:f>Sheet1!$A$2:$A$5</c:f>
-              <c:strCache>
-                <c:ptCount val="4"/>
-                <c:pt idx="0">
-                  <c:v>Category 1</c:v>
-                </c:pt>
-                <c:pt idx="1">
-                  <c:v>Category 2</c:v>
-                </c:pt>
-                <c:pt idx="2">
-                  <c:v>Category 3</c:v>
-                </c:pt>
-                <c:pt idx="3">
-                  <c:v>Category 4</c:v>
-                </c:pt>
-              </c:strCache>
-            </c:strRef>
-          </c:cat>
-          <c:val>
-            <c:numRef>
-              <c:f>Sheet1!$B$2:$B$5</c:f>
-              <c:numCache>
-                <c:formatCode>General</c:formatCode>
-                <c:ptCount val="4"/>
-                <c:pt idx="0">
-                  <c:v>4.3</c:v>
-                </c:pt>
-                <c:pt idx="1">
-                  <c:v>2.5</c:v>
-                </c:pt>
-                <c:pt idx="2">
-                  <c:v>3.5</c:v>
-                </c:pt>
-                <c:pt idx="3">
-                  <c:v>4.5</c:v>
-                </c:pt>
-              </c:numCache>
-            </c:numRef>
-          </c:val>
-          <c:extLst>
-            <c:ext xmlns:c16="http://schemas.microsoft.com/office/drawing/2014/chart" uri="{C3380CC4-5D6E-409C-BE32-E72D297353CC}">
-              <c16:uniqueId val="{00000000-5E92-4051-99BC-2623F45BF7E0}"/>
-            </c:ext>
-          </c:extLst>
-        </c:ser>
-        <c:ser>
-          <c:idx val="1"/>
-          <c:order val="1"/>
-          <c:tx>
-            <c:strRef>
-              <c:f>Sheet1!$C$1</c:f>
-              <c:strCache>
-                <c:ptCount val="1"/>
-                <c:pt idx="0">
-                  <c:v>Series 2</c:v>
-                </c:pt>
-              </c:strCache>
-            </c:strRef>
-          </c:tx>
-          <c:spPr>
-            <a:noFill/>
-            <a:ln w="25400" cap="flat" cmpd="sng" algn="ctr">
-              <a:solidFill>
-                <a:schemeClr val="accent2"/>
-              </a:solidFill>
-              <a:miter lim="800000"/>
-            </a:ln>
-            <a:effectLst/>
-          </c:spPr>
-          <c:invertIfNegative val="0"/>
-          <c:cat>
-            <c:strRef>
-              <c:f>Sheet1!$A$2:$A$5</c:f>
-              <c:strCache>
-                <c:ptCount val="4"/>
-                <c:pt idx="0">
-                  <c:v>Category 1</c:v>
-                </c:pt>
-                <c:pt idx="1">
-                  <c:v>Category 2</c:v>
-                </c:pt>
-                <c:pt idx="2">
-                  <c:v>Category 3</c:v>
-                </c:pt>
-                <c:pt idx="3">
-                  <c:v>Category 4</c:v>
-                </c:pt>
-              </c:strCache>
-            </c:strRef>
-          </c:cat>
-          <c:val>
-            <c:numRef>
-              <c:f>Sheet1!$C$2:$C$5</c:f>
-              <c:numCache>
-                <c:formatCode>General</c:formatCode>
-                <c:ptCount val="4"/>
-                <c:pt idx="0">
-                  <c:v>2.4</c:v>
-                </c:pt>
-                <c:pt idx="1">
-                  <c:v>4.4000000000000004</c:v>
-                </c:pt>
-                <c:pt idx="2">
-                  <c:v>1.8</c:v>
-                </c:pt>
-                <c:pt idx="3">
-                  <c:v>2.8</c:v>
-                </c:pt>
-              </c:numCache>
-            </c:numRef>
-          </c:val>
-          <c:extLst>
-            <c:ext xmlns:c16="http://schemas.microsoft.com/office/drawing/2014/chart" uri="{C3380CC4-5D6E-409C-BE32-E72D297353CC}">
-              <c16:uniqueId val="{00000001-5E92-4051-99BC-2623F45BF7E0}"/>
-            </c:ext>
-          </c:extLst>
-        </c:ser>
-        <c:ser>
-          <c:idx val="2"/>
-          <c:order val="2"/>
-          <c:tx>
-            <c:strRef>
-              <c:f>Sheet1!$D$1</c:f>
-              <c:strCache>
-                <c:ptCount val="1"/>
-                <c:pt idx="0">
-                  <c:v>Series 3</c:v>
-                </c:pt>
-              </c:strCache>
-            </c:strRef>
-          </c:tx>
-          <c:spPr>
-            <a:noFill/>
-            <a:ln w="25400" cap="flat" cmpd="sng" algn="ctr">
-              <a:solidFill>
-                <a:schemeClr val="accent3"/>
-              </a:solidFill>
-              <a:miter lim="800000"/>
-            </a:ln>
-            <a:effectLst/>
-          </c:spPr>
-          <c:invertIfNegative val="0"/>
-          <c:cat>
-            <c:strRef>
-              <c:f>Sheet1!$A$2:$A$5</c:f>
-              <c:strCache>
-                <c:ptCount val="4"/>
-                <c:pt idx="0">
-                  <c:v>Category 1</c:v>
-                </c:pt>
-                <c:pt idx="1">
-                  <c:v>Category 2</c:v>
-                </c:pt>
-                <c:pt idx="2">
-                  <c:v>Category 3</c:v>
-                </c:pt>
-                <c:pt idx="3">
-                  <c:v>Category 4</c:v>
-                </c:pt>
-              </c:strCache>
-            </c:strRef>
-          </c:cat>
-          <c:val>
-            <c:numRef>
-              <c:f>Sheet1!$D$2:$D$5</c:f>
-              <c:numCache>
-                <c:formatCode>General</c:formatCode>
-                <c:ptCount val="4"/>
-                <c:pt idx="0">
-                  <c:v>2</c:v>
-                </c:pt>
-                <c:pt idx="1">
-                  <c:v>2</c:v>
-                </c:pt>
-                <c:pt idx="2">
-                  <c:v>3</c:v>
-                </c:pt>
-                <c:pt idx="3">
-                  <c:v>5</c:v>
-                </c:pt>
-              </c:numCache>
-            </c:numRef>
-          </c:val>
-          <c:extLst>
-            <c:ext xmlns:c16="http://schemas.microsoft.com/office/drawing/2014/chart" uri="{C3380CC4-5D6E-409C-BE32-E72D297353CC}">
-              <c16:uniqueId val="{00000002-5E92-4051-99BC-2623F45BF7E0}"/>
-            </c:ext>
-          </c:extLst>
-        </c:ser>
-        <c:dLbls>
-          <c:showLegendKey val="0"/>
-          <c:showVal val="0"/>
-          <c:showCatName val="0"/>
-          <c:showSerName val="0"/>
-          <c:showPercent val="0"/>
-          <c:showBubbleSize val="0"/>
-        </c:dLbls>
-        <c:gapWidth val="164"/>
-        <c:overlap val="-35"/>
-        <c:axId val="632163384"/>
-        <c:axId val="632166128"/>
-      </c:barChart>
-      <c:catAx>
-        <c:axId val="632163384"/>
-        <c:scaling>
-          <c:orientation val="minMax"/>
-        </c:scaling>
-        <c:delete val="0"/>
-        <c:axPos val="b"/>
-        <c:numFmt formatCode="General" sourceLinked="0"/>
-        <c:majorTickMark val="none"/>
-        <c:minorTickMark val="none"/>
-        <c:tickLblPos val="nextTo"/>
-        <c:spPr>
-          <a:noFill/>
-          <a:ln>
-            <a:noFill/>
-          </a:ln>
-          <a:effectLst/>
-        </c:spPr>
-        <c:txPr>
-          <a:bodyPr rot="-60000000" spcFirstLastPara="1" vertOverflow="ellipsis" vert="horz" wrap="square" anchor="ctr" anchorCtr="1"/>
-          <a:lstStyle/>
-          <a:p>
-            <a:pPr>
-              <a:defRPr sz="1197" b="0" i="0" u="none" strike="noStrike" kern="1200" baseline="0">
-                <a:solidFill>
-                  <a:schemeClr val="tx1">
-                    <a:lumMod val="50000"/>
-                    <a:lumOff val="50000"/>
-                  </a:schemeClr>
-                </a:solidFill>
-                <a:latin typeface="+mn-lt"/>
-                <a:ea typeface="+mn-ea"/>
-                <a:cs typeface="+mn-cs"/>
-              </a:defRPr>
-            </a:pPr>
-            <a:endParaRPr lang="en-US"/>
-          </a:p>
-        </c:txPr>
-        <c:crossAx val="632166128"/>
-        <c:crosses val="autoZero"/>
-        <c:auto val="1"/>
-        <c:lblAlgn val="ctr"/>
-        <c:lblOffset val="100"/>
-        <c:noMultiLvlLbl val="0"/>
-      </c:catAx>
-      <c:valAx>
-        <c:axId val="632166128"/>
-        <c:scaling>
-          <c:orientation val="minMax"/>
-        </c:scaling>
-        <c:delete val="0"/>
-        <c:axPos val="l"/>
-        <c:numFmt formatCode="General" sourceLinked="1"/>
-        <c:majorTickMark val="none"/>
-        <c:minorTickMark val="none"/>
-        <c:tickLblPos val="nextTo"/>
-        <c:spPr>
-          <a:noFill/>
-          <a:ln>
-            <a:noFill/>
-          </a:ln>
-          <a:effectLst/>
-        </c:spPr>
-        <c:txPr>
-          <a:bodyPr rot="-60000000" spcFirstLastPara="1" vertOverflow="ellipsis" vert="horz" wrap="square" anchor="ctr" anchorCtr="1"/>
-          <a:lstStyle/>
-          <a:p>
-            <a:pPr>
-              <a:defRPr sz="1197" b="0" i="0" u="none" strike="noStrike" kern="1200" baseline="0">
-                <a:solidFill>
-                  <a:schemeClr val="tx1">
-                    <a:lumMod val="50000"/>
-                    <a:lumOff val="50000"/>
-                  </a:schemeClr>
-                </a:solidFill>
-                <a:latin typeface="+mn-lt"/>
-                <a:ea typeface="+mn-ea"/>
-                <a:cs typeface="+mn-cs"/>
-              </a:defRPr>
-            </a:pPr>
-            <a:endParaRPr lang="en-US"/>
-          </a:p>
-        </c:txPr>
-        <c:crossAx val="632163384"/>
-        <c:crosses val="autoZero"/>
-        <c:crossBetween val="between"/>
-      </c:valAx>
-      <c:spPr>
-        <a:noFill/>
-        <a:ln>
-          <a:noFill/>
-        </a:ln>
-        <a:effectLst/>
-      </c:spPr>
-    </c:plotArea>
-    <c:legend>
-      <c:legendPos val="t"/>
-      <c:overlay val="0"/>
-      <c:spPr>
-        <a:noFill/>
-        <a:ln>
-          <a:noFill/>
-        </a:ln>
-        <a:effectLst/>
-      </c:spPr>
-      <c:txPr>
-        <a:bodyPr rot="0" spcFirstLastPara="1" vertOverflow="ellipsis" vert="horz" wrap="square" anchor="ctr" anchorCtr="1"/>
-        <a:lstStyle/>
-        <a:p>
-          <a:pPr>
-            <a:defRPr sz="1197" b="0" i="0" u="none" strike="noStrike" kern="1200" baseline="0">
-              <a:solidFill>
-                <a:schemeClr val="tx1">
-                  <a:lumMod val="50000"/>
-                  <a:lumOff val="50000"/>
-                </a:schemeClr>
-              </a:solidFill>
-              <a:latin typeface="+mn-lt"/>
-              <a:ea typeface="+mn-ea"/>
-              <a:cs typeface="+mn-cs"/>
-            </a:defRPr>
-          </a:pPr>
-          <a:endParaRPr lang="en-US"/>
-        </a:p>
-      </c:txPr>
-    </c:legend>
-    <c:plotVisOnly val="1"/>
-    <c:dispBlanksAs val="gap"/>
-    <c:showDLblsOverMax val="0"/>
-  </c:chart>
-  <c:spPr>
-    <a:noFill/>
-    <a:ln>
-      <a:noFill/>
-    </a:ln>
-    <a:effectLst/>
-  </c:spPr>
-  <c:txPr>
-    <a:bodyPr/>
-    <a:lstStyle/>
-    <a:p>
-      <a:pPr>
-        <a:defRPr/>
-      </a:pPr>
-      <a:endParaRPr lang="en-US"/>
-    </a:p>
-  </c:txPr>
-  <c:externalData r:id="rId3">
-    <c:autoUpdate val="0"/>
-  </c:externalData>
-</c:chartSpace>
-</file>
-
-<file path=ppt/charts/colors1.xml><?xml version="1.0" encoding="utf-8"?>
-<cs:colorStyle xmlns:cs="http://schemas.microsoft.com/office/drawing/2012/chartStyle" xmlns:a="http://schemas.openxmlformats.org/drawingml/2006/main" meth="cycle" id="10">
-  <a:schemeClr val="accent1"/>
-  <a:schemeClr val="accent2"/>
-  <a:schemeClr val="accent3"/>
-  <a:schemeClr val="accent4"/>
-  <a:schemeClr val="accent5"/>
-  <a:schemeClr val="accent6"/>
-  <cs:variation/>
-  <cs:variation>
-    <a:lumMod val="60000"/>
-  </cs:variation>
-  <cs:variation>
-    <a:lumMod val="80000"/>
-    <a:lumOff val="20000"/>
-  </cs:variation>
-  <cs:variation>
-    <a:lumMod val="80000"/>
-  </cs:variation>
-  <cs:variation>
-    <a:lumMod val="60000"/>
-    <a:lumOff val="40000"/>
-  </cs:variation>
-  <cs:variation>
-    <a:lumMod val="50000"/>
-  </cs:variation>
-  <cs:variation>
-    <a:lumMod val="70000"/>
-    <a:lumOff val="30000"/>
-  </cs:variation>
-  <cs:variation>
-    <a:lumMod val="70000"/>
-  </cs:variation>
-  <cs:variation>
-    <a:lumMod val="50000"/>
-    <a:lumOff val="50000"/>
-  </cs:variation>
-</cs:colorStyle>
-</file>
-
-<file path=ppt/charts/style1.xml><?xml version="1.0" encoding="utf-8"?>
-<cs:chartStyle xmlns:cs="http://schemas.microsoft.com/office/drawing/2012/chartStyle" xmlns:a="http://schemas.openxmlformats.org/drawingml/2006/main" id="211">
-  <cs:axisTitle>
-    <cs:lnRef idx="0"/>
-    <cs:fillRef idx="0"/>
-    <cs:effectRef idx="0"/>
-    <cs:fontRef idx="minor">
-      <a:schemeClr val="tx1">
-        <a:lumMod val="50000"/>
-        <a:lumOff val="50000"/>
-      </a:schemeClr>
-    </cs:fontRef>
-    <cs:defRPr sz="1197" kern="1200"/>
-  </cs:axisTitle>
-  <cs:categoryAxis>
-    <cs:lnRef idx="0"/>
-    <cs:fillRef idx="0"/>
-    <cs:effectRef idx="0"/>
-    <cs:fontRef idx="minor">
-      <a:schemeClr val="tx1">
-        <a:lumMod val="50000"/>
-        <a:lumOff val="50000"/>
-      </a:schemeClr>
-    </cs:fontRef>
-    <cs:defRPr sz="1197" kern="1200"/>
-  </cs:categoryAxis>
-  <cs:chartArea mods="allowNoFillOverride allowNoLineOverride">
-    <cs:lnRef idx="0"/>
-    <cs:fillRef idx="0"/>
-    <cs:effectRef idx="0"/>
-    <cs:fontRef idx="minor">
-      <a:schemeClr val="dk1"/>
-    </cs:fontRef>
-    <cs:spPr>
-      <a:solidFill>
-        <a:schemeClr val="bg1"/>
-      </a:solidFill>
-      <a:ln w="9525" cap="flat" cmpd="sng" algn="ctr">
-        <a:solidFill>
-          <a:schemeClr val="tx1">
-            <a:lumMod val="15000"/>
-            <a:lumOff val="85000"/>
-          </a:schemeClr>
-        </a:solidFill>
-        <a:round/>
-      </a:ln>
-    </cs:spPr>
-    <cs:defRPr sz="1197" kern="1200"/>
-  </cs:chartArea>
-  <cs:dataLabel>
-    <cs:lnRef idx="0"/>
-    <cs:fillRef idx="0"/>
-    <cs:effectRef idx="0"/>
-    <cs:fontRef idx="minor">
-      <a:schemeClr val="tx1">
-        <a:lumMod val="65000"/>
-        <a:lumOff val="35000"/>
-      </a:schemeClr>
-    </cs:fontRef>
-    <cs:defRPr sz="1197" kern="1200"/>
-  </cs:dataLabel>
-  <cs:dataLabelCallout>
-    <cs:lnRef idx="0"/>
-    <cs:fillRef idx="0"/>
-    <cs:effectRef idx="0"/>
-    <cs:fontRef idx="minor">
-      <a:schemeClr val="bg1"/>
-    </cs:fontRef>
-    <cs:spPr>
-      <a:solidFill>
-        <a:schemeClr val="tx1">
-          <a:lumMod val="35000"/>
-          <a:lumOff val="65000"/>
-        </a:schemeClr>
-      </a:solidFill>
-    </cs:spPr>
-    <cs:defRPr sz="1197"/>
-  </cs:dataLabelCallout>
-  <cs:dataPoint>
-    <cs:lnRef idx="0">
-      <cs:styleClr val="auto"/>
-    </cs:lnRef>
-    <cs:fillRef idx="0"/>
-    <cs:effectRef idx="0"/>
-    <cs:fontRef idx="minor">
-      <a:schemeClr val="dk1"/>
-    </cs:fontRef>
-    <cs:spPr>
-      <a:noFill/>
-      <a:ln w="25400" cap="flat" cmpd="sng" algn="ctr">
-        <a:solidFill>
-          <a:schemeClr val="phClr"/>
-        </a:solidFill>
-        <a:miter lim="800000"/>
-      </a:ln>
-    </cs:spPr>
-  </cs:dataPoint>
-  <cs:dataPoint3D>
-    <cs:lnRef idx="0">
-      <cs:styleClr val="auto"/>
-    </cs:lnRef>
-    <cs:fillRef idx="0">
-      <cs:styleClr val="auto"/>
-    </cs:fillRef>
-    <cs:effectRef idx="0"/>
-    <cs:fontRef idx="minor">
-      <a:schemeClr val="dk1"/>
-    </cs:fontRef>
-    <cs:spPr>
-      <a:ln w="19050" cap="flat" cmpd="sng" algn="ctr">
-        <a:solidFill>
-          <a:schemeClr val="phClr"/>
-        </a:solidFill>
-        <a:miter lim="800000"/>
-      </a:ln>
-    </cs:spPr>
-  </cs:dataPoint3D>
-  <cs:dataPointLine>
-    <cs:lnRef idx="0">
-      <cs:styleClr val="auto"/>
-    </cs:lnRef>
-    <cs:fillRef idx="0"/>
-    <cs:effectRef idx="0"/>
-    <cs:fontRef idx="minor">
-      <a:schemeClr val="dk1"/>
-    </cs:fontRef>
-    <cs:spPr>
-      <a:ln w="28575" cap="rnd">
-        <a:solidFill>
-          <a:schemeClr val="phClr"/>
-        </a:solidFill>
-        <a:round/>
-      </a:ln>
-    </cs:spPr>
-  </cs:dataPointLine>
-  <cs:dataPointMarker>
-    <cs:lnRef idx="0">
-      <cs:styleClr val="auto"/>
-    </cs:lnRef>
-    <cs:fillRef idx="0">
-      <cs:styleClr val="auto"/>
-    </cs:fillRef>
-    <cs:effectRef idx="0"/>
-    <cs:fontRef idx="minor">
-      <a:schemeClr val="dk1"/>
-    </cs:fontRef>
-    <cs:spPr>
-      <a:ln w="19050" cap="rnd">
-        <a:solidFill>
-          <a:schemeClr val="phClr"/>
-        </a:solidFill>
-        <a:round/>
-      </a:ln>
-    </cs:spPr>
-  </cs:dataPointMarker>
-  <cs:dataPointMarkerLayout symbol="circle" size="6"/>
-  <cs:dataPointWireframe>
-    <cs:lnRef idx="0">
-      <cs:styleClr val="auto"/>
-    </cs:lnRef>
-    <cs:fillRef idx="1"/>
-    <cs:effectRef idx="0"/>
-    <cs:fontRef idx="minor">
-      <a:schemeClr val="tx1"/>
-    </cs:fontRef>
-    <cs:spPr>
-      <a:ln w="9525">
-        <a:solidFill>
-          <a:schemeClr val="phClr"/>
-        </a:solidFill>
-      </a:ln>
-    </cs:spPr>
-  </cs:dataPointWireframe>
-  <cs:dataTable>
-    <cs:lnRef idx="0"/>
-    <cs:fillRef idx="0"/>
-    <cs:effectRef idx="0"/>
-    <cs:fontRef idx="minor">
-      <a:schemeClr val="tx1">
-        <a:lumMod val="50000"/>
-        <a:lumOff val="50000"/>
-      </a:schemeClr>
-    </cs:fontRef>
-    <cs:spPr>
-      <a:ln w="9525">
-        <a:solidFill>
-          <a:schemeClr val="tx1">
-            <a:lumMod val="15000"/>
-            <a:lumOff val="85000"/>
-          </a:schemeClr>
-        </a:solidFill>
-      </a:ln>
-    </cs:spPr>
-    <cs:defRPr sz="1197" kern="1200"/>
-  </cs:dataTable>
-  <cs:downBar>
-    <cs:lnRef idx="0"/>
-    <cs:fillRef idx="0"/>
-    <cs:effectRef idx="0"/>
-    <cs:fontRef idx="minor">
-      <a:schemeClr val="dk1"/>
-    </cs:fontRef>
-    <cs:spPr>
-      <a:solidFill>
-        <a:schemeClr val="dk1">
-          <a:lumMod val="75000"/>
-          <a:lumOff val="25000"/>
-        </a:schemeClr>
-      </a:solidFill>
-      <a:ln w="9525" cap="flat" cmpd="sng" algn="ctr">
-        <a:solidFill>
-          <a:schemeClr val="tx1">
-            <a:lumMod val="50000"/>
-            <a:lumOff val="50000"/>
-          </a:schemeClr>
-        </a:solidFill>
-        <a:round/>
-      </a:ln>
-    </cs:spPr>
-  </cs:downBar>
-  <cs:dropLine>
-    <cs:lnRef idx="0"/>
-    <cs:fillRef idx="0"/>
-    <cs:effectRef idx="0"/>
-    <cs:fontRef idx="minor">
-      <a:schemeClr val="dk1"/>
-    </cs:fontRef>
-    <cs:spPr>
-      <a:ln w="9525" cap="flat" cmpd="sng" algn="ctr">
-        <a:solidFill>
-          <a:schemeClr val="tx1">
-            <a:lumMod val="35000"/>
-            <a:lumOff val="65000"/>
-          </a:schemeClr>
-        </a:solidFill>
-        <a:round/>
-      </a:ln>
-    </cs:spPr>
-  </cs:dropLine>
-  <cs:errorBar>
-    <cs:lnRef idx="0"/>
-    <cs:fillRef idx="0"/>
-    <cs:effectRef idx="0"/>
-    <cs:fontRef idx="minor">
-      <a:schemeClr val="dk1"/>
-    </cs:fontRef>
-    <cs:spPr>
-      <a:ln w="9525" cap="flat" cmpd="sng" algn="ctr">
-        <a:solidFill>
-          <a:schemeClr val="tx1">
-            <a:lumMod val="50000"/>
-            <a:lumOff val="50000"/>
-          </a:schemeClr>
-        </a:solidFill>
-        <a:round/>
-      </a:ln>
-    </cs:spPr>
-  </cs:errorBar>
-  <cs:floor>
-    <cs:lnRef idx="0"/>
-    <cs:fillRef idx="0"/>
-    <cs:effectRef idx="0"/>
-    <cs:fontRef idx="minor">
-      <a:schemeClr val="dk1"/>
-    </cs:fontRef>
-  </cs:floor>
-  <cs:gridlineMajor>
-    <cs:lnRef idx="0"/>
-    <cs:fillRef idx="0"/>
-    <cs:effectRef idx="0"/>
-    <cs:fontRef idx="minor">
-      <a:schemeClr val="dk1"/>
-    </cs:fontRef>
-    <cs:spPr>
-      <a:ln w="9525">
-        <a:solidFill>
-          <a:schemeClr val="tx1">
-            <a:lumMod val="15000"/>
-            <a:lumOff val="85000"/>
-          </a:schemeClr>
-        </a:solidFill>
-      </a:ln>
-    </cs:spPr>
-  </cs:gridlineMajor>
-  <cs:gridlineMinor>
-    <cs:lnRef idx="0"/>
-    <cs:fillRef idx="0"/>
-    <cs:effectRef idx="0"/>
-    <cs:fontRef idx="minor">
-      <a:schemeClr val="dk1"/>
-    </cs:fontRef>
-    <cs:spPr>
-      <a:ln w="9525">
-        <a:solidFill>
-          <a:schemeClr val="tx1">
-            <a:lumMod val="5000"/>
-            <a:lumOff val="95000"/>
-          </a:schemeClr>
-        </a:solidFill>
-      </a:ln>
-    </cs:spPr>
-  </cs:gridlineMinor>
-  <cs:hiLoLine>
-    <cs:lnRef idx="0"/>
-    <cs:fillRef idx="0"/>
-    <cs:effectRef idx="0"/>
-    <cs:fontRef idx="minor">
-      <a:schemeClr val="dk1"/>
-    </cs:fontRef>
-    <cs:spPr>
-      <a:ln w="9525" cap="flat" cmpd="sng" algn="ctr">
-        <a:solidFill>
-          <a:schemeClr val="tx1">
-            <a:lumMod val="35000"/>
-            <a:lumOff val="65000"/>
-          </a:schemeClr>
-        </a:solidFill>
-        <a:round/>
-      </a:ln>
-    </cs:spPr>
-  </cs:hiLoLine>
-  <cs:leaderLine>
-    <cs:lnRef idx="0"/>
-    <cs:fillRef idx="0"/>
-    <cs:effectRef idx="0"/>
-    <cs:fontRef idx="minor">
-      <a:schemeClr val="dk1"/>
-    </cs:fontRef>
-    <cs:spPr>
-      <a:ln w="9525" cap="flat" cmpd="sng" algn="ctr">
-        <a:solidFill>
-          <a:schemeClr val="tx1">
-            <a:lumMod val="35000"/>
-            <a:lumOff val="65000"/>
-          </a:schemeClr>
-        </a:solidFill>
-        <a:round/>
-      </a:ln>
-    </cs:spPr>
-  </cs:leaderLine>
-  <cs:legend>
-    <cs:lnRef idx="0"/>
-    <cs:fillRef idx="0"/>
-    <cs:effectRef idx="0"/>
-    <cs:fontRef idx="minor">
-      <a:schemeClr val="tx1">
-        <a:lumMod val="50000"/>
-        <a:lumOff val="50000"/>
-      </a:schemeClr>
-    </cs:fontRef>
-    <cs:defRPr sz="1197" kern="1200"/>
-  </cs:legend>
-  <cs:plotArea mods="allowNoFillOverride allowNoLineOverride">
-    <cs:lnRef idx="0"/>
-    <cs:fillRef idx="0"/>
-    <cs:effectRef idx="0"/>
-    <cs:fontRef idx="minor">
-      <a:schemeClr val="dk1"/>
-    </cs:fontRef>
-  </cs:plotArea>
-  <cs:plotArea3D mods="allowNoFillOverride allowNoLineOverride">
-    <cs:lnRef idx="0"/>
-    <cs:fillRef idx="0"/>
-    <cs:effectRef idx="0"/>
-    <cs:fontRef idx="minor">
-      <a:schemeClr val="dk1"/>
-    </cs:fontRef>
-  </cs:plotArea3D>
-  <cs:seriesAxis>
-    <cs:lnRef idx="0"/>
-    <cs:fillRef idx="0"/>
-    <cs:effectRef idx="0"/>
-    <cs:fontRef idx="minor">
-      <a:schemeClr val="tx1">
-        <a:lumMod val="50000"/>
-        <a:lumOff val="50000"/>
-      </a:schemeClr>
-    </cs:fontRef>
-    <cs:defRPr sz="1197" kern="1200"/>
-  </cs:seriesAxis>
-  <cs:seriesLine>
-    <cs:lnRef idx="0"/>
-    <cs:fillRef idx="0"/>
-    <cs:effectRef idx="0"/>
-    <cs:fontRef idx="minor">
-      <a:schemeClr val="dk1"/>
-    </cs:fontRef>
-    <cs:spPr>
-      <a:ln w="9525" cap="flat" cmpd="sng" algn="ctr">
-        <a:solidFill>
-          <a:schemeClr val="tx1">
-            <a:lumMod val="35000"/>
-            <a:lumOff val="65000"/>
-          </a:schemeClr>
-        </a:solidFill>
-        <a:round/>
-      </a:ln>
-    </cs:spPr>
-  </cs:seriesLine>
-  <cs:title>
-    <cs:lnRef idx="0"/>
-    <cs:fillRef idx="0"/>
-    <cs:effectRef idx="0"/>
-    <cs:fontRef idx="minor">
-      <a:schemeClr val="tx1">
-        <a:lumMod val="65000"/>
-        <a:lumOff val="35000"/>
-      </a:schemeClr>
-    </cs:fontRef>
-    <cs:defRPr sz="2200" b="0" kern="1200" cap="none" spc="50" baseline="0"/>
-  </cs:title>
-  <cs:trendline>
-    <cs:lnRef idx="0">
-      <cs:styleClr val="auto"/>
-    </cs:lnRef>
-    <cs:fillRef idx="0"/>
-    <cs:effectRef idx="0"/>
-    <cs:fontRef idx="minor">
-      <a:schemeClr val="dk1"/>
-    </cs:fontRef>
-    <cs:spPr>
-      <a:ln w="19050" cap="rnd">
-        <a:solidFill>
-          <a:schemeClr val="phClr"/>
-        </a:solidFill>
-      </a:ln>
-    </cs:spPr>
-  </cs:trendline>
-  <cs:trendlineLabel>
-    <cs:lnRef idx="0"/>
-    <cs:fillRef idx="0"/>
-    <cs:effectRef idx="0"/>
-    <cs:fontRef idx="minor">
-      <a:schemeClr val="tx1">
-        <a:lumMod val="50000"/>
-        <a:lumOff val="50000"/>
-      </a:schemeClr>
-    </cs:fontRef>
-    <cs:defRPr sz="1197" kern="1200"/>
-  </cs:trendlineLabel>
-  <cs:upBar>
-    <cs:lnRef idx="0"/>
-    <cs:fillRef idx="0"/>
-    <cs:effectRef idx="0"/>
-    <cs:fontRef idx="minor">
-      <a:schemeClr val="dk1"/>
-    </cs:fontRef>
-    <cs:spPr>
-      <a:solidFill>
-        <a:schemeClr val="lt1"/>
-      </a:solidFill>
-      <a:ln w="9525" cap="flat" cmpd="sng" algn="ctr">
-        <a:solidFill>
-          <a:schemeClr val="tx1">
-            <a:lumMod val="50000"/>
-            <a:lumOff val="50000"/>
-          </a:schemeClr>
-        </a:solidFill>
-        <a:round/>
-      </a:ln>
-    </cs:spPr>
-  </cs:upBar>
-  <cs:valueAxis>
-    <cs:lnRef idx="0"/>
-    <cs:fillRef idx="0"/>
-    <cs:effectRef idx="0"/>
-    <cs:fontRef idx="minor">
-      <a:schemeClr val="tx1">
-        <a:lumMod val="50000"/>
-        <a:lumOff val="50000"/>
-      </a:schemeClr>
-    </cs:fontRef>
-    <cs:defRPr sz="1197" kern="1200"/>
-  </cs:valueAxis>
-  <cs:wall>
-    <cs:lnRef idx="0"/>
-    <cs:fillRef idx="0"/>
-    <cs:effectRef idx="0"/>
-    <cs:fontRef idx="minor">
-      <a:schemeClr val="dk1"/>
-    </cs:fontRef>
-  </cs:wall>
-</cs:chartStyle>
+<file path=ppt/revisionInfo.xml><?xml version="1.0" encoding="utf-8"?>
+<p1510:revInfo xmlns:a="http://schemas.openxmlformats.org/drawingml/2006/main" xmlns:r="http://schemas.openxmlformats.org/officeDocument/2006/relationships" xmlns:p1510="http://schemas.microsoft.com/office/powerpoint/2015/10/main"/>
 </file>
 
 <file path=ppt/diagrams/colors1.xml><?xml version="1.0" encoding="utf-8"?>
@@ -2014,43 +1091,22 @@
         </a:p>
       </dgm:t>
     </dgm:pt>
-    <dgm:pt modelId="{095A5E99-E976-4550-8F80-53CC813F2F5A}">
-      <dgm:prSet phldrT="[Text]"/>
-      <dgm:spPr>
-        <a:gradFill rotWithShape="0">
-          <a:gsLst>
-            <a:gs pos="0">
-              <a:srgbClr val="703000"/>
-            </a:gs>
-            <a:gs pos="50000">
-              <a:srgbClr val="A44A00"/>
-            </a:gs>
-            <a:gs pos="70000">
-              <a:srgbClr val="BC5500"/>
-            </a:gs>
-            <a:gs pos="100000">
-              <a:srgbClr val="F26D00"/>
-            </a:gs>
-          </a:gsLst>
-        </a:gradFill>
-      </dgm:spPr>
+    <dgm:pt modelId="{0A3488D4-3E9D-4761-A4D1-752BB46679C8}">
+      <dgm:prSet/>
+      <dgm:spPr/>
       <dgm:t>
         <a:bodyPr/>
         <a:lstStyle/>
         <a:p>
           <a:r>
-            <a:rPr lang="en-US" dirty="0"/>
-            <a:t>Task 1</a:t>
+            <a:rPr lang="ro-RO" dirty="0"/>
+            <a:t>Înregistrarea daunelor</a:t>
           </a:r>
+          <a:endParaRPr lang="en-US" dirty="0"/>
         </a:p>
       </dgm:t>
-      <dgm:extLst>
-        <a:ext uri="{E40237B7-FDA0-4F09-8148-C483321AD2D9}">
-          <dgm14:cNvPr xmlns:dgm14="http://schemas.microsoft.com/office/drawing/2010/diagram" id="0" name="" descr="Staggered process showing 3 tasks arranged one below the other and two downward pointing arrows are used to indicate progression from first task to second task and second task to third task."/>
-        </a:ext>
-      </dgm:extLst>
     </dgm:pt>
-    <dgm:pt modelId="{03339A0D-5DC0-4B29-8353-C5AEBFD4DE86}" type="parTrans" cxnId="{D1A4D8E6-F04E-4AB1-8D0C-63DC7AB1E81F}">
+    <dgm:pt modelId="{782E8E11-4ED7-462A-A52B-B69F8F824F9F}" type="parTrans" cxnId="{8EF1814A-E04D-4485-A408-76C9AF23019A}">
       <dgm:prSet/>
       <dgm:spPr/>
       <dgm:t>
@@ -2061,7 +1117,7 @@
         </a:p>
       </dgm:t>
     </dgm:pt>
-    <dgm:pt modelId="{8877691F-1B60-4485-9174-DDEC7EE68B70}" type="sibTrans" cxnId="{D1A4D8E6-F04E-4AB1-8D0C-63DC7AB1E81F}">
+    <dgm:pt modelId="{7669BFD0-9A04-4E0D-8496-CEF69FFE1893}" type="sibTrans" cxnId="{8EF1814A-E04D-4485-A408-76C9AF23019A}">
       <dgm:prSet/>
       <dgm:spPr/>
       <dgm:t>
@@ -2072,21 +1128,22 @@
         </a:p>
       </dgm:t>
     </dgm:pt>
-    <dgm:pt modelId="{8EC937D8-BD76-4A12-A3E5-900D5C1E2E05}">
-      <dgm:prSet phldrT="[Text]"/>
+    <dgm:pt modelId="{6E0E6AEF-4D04-4695-8D78-8A82A5C706A3}">
+      <dgm:prSet/>
       <dgm:spPr/>
       <dgm:t>
         <a:bodyPr/>
         <a:lstStyle/>
         <a:p>
           <a:r>
-            <a:rPr lang="en-US" dirty="0"/>
-            <a:t>Task 2</a:t>
+            <a:rPr lang="ro-RO" dirty="0"/>
+            <a:t>Introducere datelor vânzărilor săptămânale</a:t>
           </a:r>
+          <a:endParaRPr lang="en-US" dirty="0"/>
         </a:p>
       </dgm:t>
     </dgm:pt>
-    <dgm:pt modelId="{8265EE85-9851-494E-A6D3-1CDACE947DF3}" type="parTrans" cxnId="{43DC8383-AEE5-490C-A8E5-1F216F2B8FE6}">
+    <dgm:pt modelId="{867BD52D-1770-4C86-B88B-9741E92EAB5E}" type="parTrans" cxnId="{A5855722-108B-4CFE-8BA7-D99FCDA5C1F0}">
       <dgm:prSet/>
       <dgm:spPr/>
       <dgm:t>
@@ -2097,7 +1154,7 @@
         </a:p>
       </dgm:t>
     </dgm:pt>
-    <dgm:pt modelId="{B3EFD4A5-9FA1-4ABE-B722-05162509509B}" type="sibTrans" cxnId="{43DC8383-AEE5-490C-A8E5-1F216F2B8FE6}">
+    <dgm:pt modelId="{AAB3E914-6B86-4B09-A9F4-61D28CE47E06}" type="sibTrans" cxnId="{A5855722-108B-4CFE-8BA7-D99FCDA5C1F0}">
       <dgm:prSet/>
       <dgm:spPr/>
       <dgm:t>
@@ -2108,51 +1165,22 @@
         </a:p>
       </dgm:t>
     </dgm:pt>
-    <dgm:pt modelId="{7133ECF5-4190-4604-AA2F-03C9A0A9210F}">
-      <dgm:prSet phldrT="[Text]"/>
-      <dgm:spPr>
-        <a:gradFill rotWithShape="0">
-          <a:gsLst>
-            <a:gs pos="0">
-              <a:srgbClr val="394404"/>
-            </a:gs>
-            <a:gs pos="50000">
-              <a:srgbClr val="5F6F0F"/>
-            </a:gs>
-            <a:gs pos="70000">
-              <a:srgbClr val="65741A"/>
-            </a:gs>
-            <a:gs pos="100000">
-              <a:schemeClr val="accent4">
-                <a:hueOff val="0"/>
-                <a:satOff val="0"/>
-                <a:lumOff val="0"/>
-                <a:alphaOff val="0"/>
-                <a:tint val="100000"/>
-                <a:shade val="100000"/>
-                <a:satMod val="155000"/>
-              </a:schemeClr>
-            </a:gs>
-          </a:gsLst>
-        </a:gradFill>
-      </dgm:spPr>
+    <dgm:pt modelId="{8D10FD42-5413-43D5-8153-D51A430477AE}">
+      <dgm:prSet/>
+      <dgm:spPr/>
       <dgm:t>
         <a:bodyPr/>
         <a:lstStyle/>
         <a:p>
           <a:r>
-            <a:rPr lang="en-US" dirty="0"/>
-            <a:t>Task 3</a:t>
+            <a:rPr lang="ro-RO" dirty="0"/>
+            <a:t>Sistemul de decizii</a:t>
           </a:r>
+          <a:endParaRPr lang="en-US" dirty="0"/>
         </a:p>
       </dgm:t>
-      <dgm:extLst>
-        <a:ext uri="{E40237B7-FDA0-4F09-8148-C483321AD2D9}">
-          <dgm14:cNvPr xmlns:dgm14="http://schemas.microsoft.com/office/drawing/2010/diagram" id="0" name="" descr="Staggered process showing 3 tasks arranged one below the other and two downward pointing arrows are used to indicate progression from first task to second task and second task to third task."/>
-        </a:ext>
-      </dgm:extLst>
     </dgm:pt>
-    <dgm:pt modelId="{7D1B29D7-21DD-436A-8F7C-E87DE53C1431}" type="parTrans" cxnId="{011A9761-E983-4C7D-AB1D-2038261D8FF8}">
+    <dgm:pt modelId="{E1331C89-BBE9-4E2C-ABC5-A368238FBDBB}" type="parTrans" cxnId="{0FF49D9C-B877-4DED-8FD3-7DFCE078A82E}">
       <dgm:prSet/>
       <dgm:spPr/>
       <dgm:t>
@@ -2163,7 +1191,44 @@
         </a:p>
       </dgm:t>
     </dgm:pt>
-    <dgm:pt modelId="{46037378-034A-4662-877A-B53E1DA069A3}" type="sibTrans" cxnId="{011A9761-E983-4C7D-AB1D-2038261D8FF8}">
+    <dgm:pt modelId="{F062CAC0-93BB-4EBC-9485-93AD648937A7}" type="sibTrans" cxnId="{0FF49D9C-B877-4DED-8FD3-7DFCE078A82E}">
+      <dgm:prSet/>
+      <dgm:spPr/>
+      <dgm:t>
+        <a:bodyPr/>
+        <a:lstStyle/>
+        <a:p>
+          <a:endParaRPr lang="en-US"/>
+        </a:p>
+      </dgm:t>
+    </dgm:pt>
+    <dgm:pt modelId="{BA30B1A9-225F-4254-8032-8CB3790C2EB5}">
+      <dgm:prSet/>
+      <dgm:spPr/>
+      <dgm:t>
+        <a:bodyPr/>
+        <a:lstStyle/>
+        <a:p>
+          <a:r>
+            <a:rPr lang="ro-RO" dirty="0"/>
+            <a:t>Sistemul de rapoarte</a:t>
+          </a:r>
+          <a:endParaRPr lang="en-US" dirty="0"/>
+        </a:p>
+      </dgm:t>
+    </dgm:pt>
+    <dgm:pt modelId="{1742D0AC-5C5A-4C76-BB89-D1024CAD6F8D}" type="parTrans" cxnId="{38B9D60A-F63C-42B8-9053-1C48891E88A4}">
+      <dgm:prSet/>
+      <dgm:spPr/>
+      <dgm:t>
+        <a:bodyPr/>
+        <a:lstStyle/>
+        <a:p>
+          <a:endParaRPr lang="en-US"/>
+        </a:p>
+      </dgm:t>
+    </dgm:pt>
+    <dgm:pt modelId="{F0F26A8A-B2BF-48A6-9A7A-77E3881E482D}" type="sibTrans" cxnId="{38B9D60A-F63C-42B8-9053-1C48891E88A4}">
       <dgm:prSet/>
       <dgm:spPr/>
       <dgm:t>
@@ -2190,64 +1255,88 @@
       </dgm:prSet>
       <dgm:spPr/>
     </dgm:pt>
-    <dgm:pt modelId="{124EF20B-D98C-45B2-BB13-7B93B5373CEB}" type="pres">
-      <dgm:prSet presAssocID="{CD7942A0-B7D2-4B14-8FEA-55FC702F5BE7}" presName="ThreeNodes_1" presStyleLbl="node1" presStyleIdx="0" presStyleCnt="3">
+    <dgm:pt modelId="{7A882E3F-8EB0-4513-9522-3ADC532756EE}" type="pres">
+      <dgm:prSet presAssocID="{CD7942A0-B7D2-4B14-8FEA-55FC702F5BE7}" presName="FourNodes_1" presStyleLbl="node1" presStyleIdx="0" presStyleCnt="4" custLinFactNeighborX="-1829" custLinFactNeighborY="0">
         <dgm:presLayoutVars>
           <dgm:bulletEnabled val="1"/>
         </dgm:presLayoutVars>
       </dgm:prSet>
       <dgm:spPr/>
     </dgm:pt>
-    <dgm:pt modelId="{CA544AF7-F7B2-4CA5-9251-B4CDB8D06634}" type="pres">
-      <dgm:prSet presAssocID="{CD7942A0-B7D2-4B14-8FEA-55FC702F5BE7}" presName="ThreeNodes_2" presStyleLbl="node1" presStyleIdx="1" presStyleCnt="3">
+    <dgm:pt modelId="{5E11936C-7A4E-4389-8BBC-4A0820CB77F1}" type="pres">
+      <dgm:prSet presAssocID="{CD7942A0-B7D2-4B14-8FEA-55FC702F5BE7}" presName="FourNodes_2" presStyleLbl="node1" presStyleIdx="1" presStyleCnt="4">
         <dgm:presLayoutVars>
           <dgm:bulletEnabled val="1"/>
         </dgm:presLayoutVars>
       </dgm:prSet>
       <dgm:spPr/>
     </dgm:pt>
-    <dgm:pt modelId="{2AE92D3F-F0FA-45DD-BB60-4C6FBC6BC016}" type="pres">
-      <dgm:prSet presAssocID="{CD7942A0-B7D2-4B14-8FEA-55FC702F5BE7}" presName="ThreeNodes_3" presStyleLbl="node1" presStyleIdx="2" presStyleCnt="3">
+    <dgm:pt modelId="{248AA019-FC31-4114-853D-DFAED67D85BE}" type="pres">
+      <dgm:prSet presAssocID="{CD7942A0-B7D2-4B14-8FEA-55FC702F5BE7}" presName="FourNodes_3" presStyleLbl="node1" presStyleIdx="2" presStyleCnt="4">
         <dgm:presLayoutVars>
           <dgm:bulletEnabled val="1"/>
         </dgm:presLayoutVars>
       </dgm:prSet>
       <dgm:spPr/>
     </dgm:pt>
-    <dgm:pt modelId="{9CA877D8-99F8-40A0-89E9-59A61C9A70F4}" type="pres">
-      <dgm:prSet presAssocID="{CD7942A0-B7D2-4B14-8FEA-55FC702F5BE7}" presName="ThreeConn_1-2" presStyleLbl="fgAccFollowNode1" presStyleIdx="0" presStyleCnt="2">
+    <dgm:pt modelId="{20BC0AFC-A16D-4072-AB51-8DBE09584E07}" type="pres">
+      <dgm:prSet presAssocID="{CD7942A0-B7D2-4B14-8FEA-55FC702F5BE7}" presName="FourNodes_4" presStyleLbl="node1" presStyleIdx="3" presStyleCnt="4">
         <dgm:presLayoutVars>
           <dgm:bulletEnabled val="1"/>
         </dgm:presLayoutVars>
       </dgm:prSet>
       <dgm:spPr/>
     </dgm:pt>
-    <dgm:pt modelId="{62643EF2-016C-41F1-8CBC-398422A85727}" type="pres">
-      <dgm:prSet presAssocID="{CD7942A0-B7D2-4B14-8FEA-55FC702F5BE7}" presName="ThreeConn_2-3" presStyleLbl="fgAccFollowNode1" presStyleIdx="1" presStyleCnt="2">
+    <dgm:pt modelId="{3F08D9B6-33D1-4948-8D1F-8B12DE1AE209}" type="pres">
+      <dgm:prSet presAssocID="{CD7942A0-B7D2-4B14-8FEA-55FC702F5BE7}" presName="FourConn_1-2" presStyleLbl="fgAccFollowNode1" presStyleIdx="0" presStyleCnt="3">
         <dgm:presLayoutVars>
           <dgm:bulletEnabled val="1"/>
         </dgm:presLayoutVars>
       </dgm:prSet>
       <dgm:spPr/>
     </dgm:pt>
-    <dgm:pt modelId="{7A2F6994-DA87-4497-BFC7-DD9D6EC5315F}" type="pres">
-      <dgm:prSet presAssocID="{CD7942A0-B7D2-4B14-8FEA-55FC702F5BE7}" presName="ThreeNodes_1_text" presStyleLbl="node1" presStyleIdx="2" presStyleCnt="3">
+    <dgm:pt modelId="{6FAB0AD4-78A0-4E62-A8CB-954D84B38231}" type="pres">
+      <dgm:prSet presAssocID="{CD7942A0-B7D2-4B14-8FEA-55FC702F5BE7}" presName="FourConn_2-3" presStyleLbl="fgAccFollowNode1" presStyleIdx="1" presStyleCnt="3">
         <dgm:presLayoutVars>
           <dgm:bulletEnabled val="1"/>
         </dgm:presLayoutVars>
       </dgm:prSet>
       <dgm:spPr/>
     </dgm:pt>
-    <dgm:pt modelId="{916C48CB-E452-4B79-A9B9-4C9A90B47960}" type="pres">
-      <dgm:prSet presAssocID="{CD7942A0-B7D2-4B14-8FEA-55FC702F5BE7}" presName="ThreeNodes_2_text" presStyleLbl="node1" presStyleIdx="2" presStyleCnt="3">
+    <dgm:pt modelId="{A7CE164E-B37D-4118-A29C-292AD9092E09}" type="pres">
+      <dgm:prSet presAssocID="{CD7942A0-B7D2-4B14-8FEA-55FC702F5BE7}" presName="FourConn_3-4" presStyleLbl="fgAccFollowNode1" presStyleIdx="2" presStyleCnt="3">
         <dgm:presLayoutVars>
           <dgm:bulletEnabled val="1"/>
         </dgm:presLayoutVars>
       </dgm:prSet>
       <dgm:spPr/>
     </dgm:pt>
-    <dgm:pt modelId="{A31D264E-E285-4E5C-8EB7-762CD501BE72}" type="pres">
-      <dgm:prSet presAssocID="{CD7942A0-B7D2-4B14-8FEA-55FC702F5BE7}" presName="ThreeNodes_3_text" presStyleLbl="node1" presStyleIdx="2" presStyleCnt="3">
+    <dgm:pt modelId="{DA82DB5A-A073-4019-8440-733DF9129207}" type="pres">
+      <dgm:prSet presAssocID="{CD7942A0-B7D2-4B14-8FEA-55FC702F5BE7}" presName="FourNodes_1_text" presStyleLbl="node1" presStyleIdx="3" presStyleCnt="4">
+        <dgm:presLayoutVars>
+          <dgm:bulletEnabled val="1"/>
+        </dgm:presLayoutVars>
+      </dgm:prSet>
+      <dgm:spPr/>
+    </dgm:pt>
+    <dgm:pt modelId="{93A94E5B-F121-4627-BC6D-310FD1D165FD}" type="pres">
+      <dgm:prSet presAssocID="{CD7942A0-B7D2-4B14-8FEA-55FC702F5BE7}" presName="FourNodes_2_text" presStyleLbl="node1" presStyleIdx="3" presStyleCnt="4">
+        <dgm:presLayoutVars>
+          <dgm:bulletEnabled val="1"/>
+        </dgm:presLayoutVars>
+      </dgm:prSet>
+      <dgm:spPr/>
+    </dgm:pt>
+    <dgm:pt modelId="{1FE5D99C-711B-465C-B186-D0D097952178}" type="pres">
+      <dgm:prSet presAssocID="{CD7942A0-B7D2-4B14-8FEA-55FC702F5BE7}" presName="FourNodes_3_text" presStyleLbl="node1" presStyleIdx="3" presStyleCnt="4">
+        <dgm:presLayoutVars>
+          <dgm:bulletEnabled val="1"/>
+        </dgm:presLayoutVars>
+      </dgm:prSet>
+      <dgm:spPr/>
+    </dgm:pt>
+    <dgm:pt modelId="{7ACE2E26-5172-4132-8F1B-5661C473B15B}" type="pres">
+      <dgm:prSet presAssocID="{CD7942A0-B7D2-4B14-8FEA-55FC702F5BE7}" presName="FourNodes_4_text" presStyleLbl="node1" presStyleIdx="3" presStyleCnt="4">
         <dgm:presLayoutVars>
           <dgm:bulletEnabled val="1"/>
         </dgm:presLayoutVars>
@@ -2256,27 +1345,34 @@
     </dgm:pt>
   </dgm:ptLst>
   <dgm:cxnLst>
-    <dgm:cxn modelId="{5A89A138-BC1A-490F-935E-2EC3F74E8E18}" type="presOf" srcId="{7133ECF5-4190-4604-AA2F-03C9A0A9210F}" destId="{2AE92D3F-F0FA-45DD-BB60-4C6FBC6BC016}" srcOrd="0" destOrd="0" presId="urn:microsoft.com/office/officeart/2005/8/layout/vProcess5"/>
-    <dgm:cxn modelId="{011A9761-E983-4C7D-AB1D-2038261D8FF8}" srcId="{CD7942A0-B7D2-4B14-8FEA-55FC702F5BE7}" destId="{7133ECF5-4190-4604-AA2F-03C9A0A9210F}" srcOrd="2" destOrd="0" parTransId="{7D1B29D7-21DD-436A-8F7C-E87DE53C1431}" sibTransId="{46037378-034A-4662-877A-B53E1DA069A3}"/>
-    <dgm:cxn modelId="{8A063A46-8F8D-405A-B2D6-6495FA638F46}" type="presOf" srcId="{8EC937D8-BD76-4A12-A3E5-900D5C1E2E05}" destId="{CA544AF7-F7B2-4CA5-9251-B4CDB8D06634}" srcOrd="0" destOrd="0" presId="urn:microsoft.com/office/officeart/2005/8/layout/vProcess5"/>
-    <dgm:cxn modelId="{A071614A-8A85-47B2-A113-0652CAB9B428}" type="presOf" srcId="{095A5E99-E976-4550-8F80-53CC813F2F5A}" destId="{124EF20B-D98C-45B2-BB13-7B93B5373CEB}" srcOrd="0" destOrd="0" presId="urn:microsoft.com/office/officeart/2005/8/layout/vProcess5"/>
-    <dgm:cxn modelId="{43DC8383-AEE5-490C-A8E5-1F216F2B8FE6}" srcId="{CD7942A0-B7D2-4B14-8FEA-55FC702F5BE7}" destId="{8EC937D8-BD76-4A12-A3E5-900D5C1E2E05}" srcOrd="1" destOrd="0" parTransId="{8265EE85-9851-494E-A6D3-1CDACE947DF3}" sibTransId="{B3EFD4A5-9FA1-4ABE-B722-05162509509B}"/>
-    <dgm:cxn modelId="{03E7038C-2CC0-496B-88A0-60396CDC31E4}" type="presOf" srcId="{7133ECF5-4190-4604-AA2F-03C9A0A9210F}" destId="{A31D264E-E285-4E5C-8EB7-762CD501BE72}" srcOrd="1" destOrd="0" presId="urn:microsoft.com/office/officeart/2005/8/layout/vProcess5"/>
+    <dgm:cxn modelId="{E3060103-7DC2-4F67-8A86-540857CA3A07}" type="presOf" srcId="{6E0E6AEF-4D04-4695-8D78-8A82A5C706A3}" destId="{93A94E5B-F121-4627-BC6D-310FD1D165FD}" srcOrd="1" destOrd="0" presId="urn:microsoft.com/office/officeart/2005/8/layout/vProcess5"/>
+    <dgm:cxn modelId="{38B9D60A-F63C-42B8-9053-1C48891E88A4}" srcId="{CD7942A0-B7D2-4B14-8FEA-55FC702F5BE7}" destId="{BA30B1A9-225F-4254-8032-8CB3790C2EB5}" srcOrd="3" destOrd="0" parTransId="{1742D0AC-5C5A-4C76-BB89-D1024CAD6F8D}" sibTransId="{F0F26A8A-B2BF-48A6-9A7A-77E3881E482D}"/>
+    <dgm:cxn modelId="{A5855722-108B-4CFE-8BA7-D99FCDA5C1F0}" srcId="{CD7942A0-B7D2-4B14-8FEA-55FC702F5BE7}" destId="{6E0E6AEF-4D04-4695-8D78-8A82A5C706A3}" srcOrd="1" destOrd="0" parTransId="{867BD52D-1770-4C86-B88B-9741E92EAB5E}" sibTransId="{AAB3E914-6B86-4B09-A9F4-61D28CE47E06}"/>
+    <dgm:cxn modelId="{2E90544A-71FC-4A76-B798-A78C2B661D5F}" type="presOf" srcId="{8D10FD42-5413-43D5-8153-D51A430477AE}" destId="{248AA019-FC31-4114-853D-DFAED67D85BE}" srcOrd="0" destOrd="0" presId="urn:microsoft.com/office/officeart/2005/8/layout/vProcess5"/>
+    <dgm:cxn modelId="{8EF1814A-E04D-4485-A408-76C9AF23019A}" srcId="{CD7942A0-B7D2-4B14-8FEA-55FC702F5BE7}" destId="{0A3488D4-3E9D-4761-A4D1-752BB46679C8}" srcOrd="0" destOrd="0" parTransId="{782E8E11-4ED7-462A-A52B-B69F8F824F9F}" sibTransId="{7669BFD0-9A04-4E0D-8496-CEF69FFE1893}"/>
+    <dgm:cxn modelId="{34E57E6E-7A44-4C42-AADC-BC29FC9A85F3}" type="presOf" srcId="{7669BFD0-9A04-4E0D-8496-CEF69FFE1893}" destId="{3F08D9B6-33D1-4948-8D1F-8B12DE1AE209}" srcOrd="0" destOrd="0" presId="urn:microsoft.com/office/officeart/2005/8/layout/vProcess5"/>
+    <dgm:cxn modelId="{D0DFA54E-A30F-4555-B6DD-63864DBF181F}" type="presOf" srcId="{8D10FD42-5413-43D5-8153-D51A430477AE}" destId="{1FE5D99C-711B-465C-B186-D0D097952178}" srcOrd="1" destOrd="0" presId="urn:microsoft.com/office/officeart/2005/8/layout/vProcess5"/>
+    <dgm:cxn modelId="{C107C475-901A-43E8-AB98-A9251D038FA3}" type="presOf" srcId="{6E0E6AEF-4D04-4695-8D78-8A82A5C706A3}" destId="{5E11936C-7A4E-4389-8BBC-4A0820CB77F1}" srcOrd="0" destOrd="0" presId="urn:microsoft.com/office/officeart/2005/8/layout/vProcess5"/>
     <dgm:cxn modelId="{C2D0E194-BD14-4AD2-9E3A-CE984C34B6CD}" type="presOf" srcId="{CD7942A0-B7D2-4B14-8FEA-55FC702F5BE7}" destId="{1D84D8B6-AB32-4491-B5D2-EFE3D7668B88}" srcOrd="0" destOrd="0" presId="urn:microsoft.com/office/officeart/2005/8/layout/vProcess5"/>
-    <dgm:cxn modelId="{BB374C9D-646D-46E6-89B4-117F0E21BA34}" type="presOf" srcId="{8EC937D8-BD76-4A12-A3E5-900D5C1E2E05}" destId="{916C48CB-E452-4B79-A9B9-4C9A90B47960}" srcOrd="1" destOrd="0" presId="urn:microsoft.com/office/officeart/2005/8/layout/vProcess5"/>
-    <dgm:cxn modelId="{12FC7FDE-4033-4970-A683-61DE6FA84E89}" type="presOf" srcId="{8877691F-1B60-4485-9174-DDEC7EE68B70}" destId="{9CA877D8-99F8-40A0-89E9-59A61C9A70F4}" srcOrd="0" destOrd="0" presId="urn:microsoft.com/office/officeart/2005/8/layout/vProcess5"/>
-    <dgm:cxn modelId="{D1A4D8E6-F04E-4AB1-8D0C-63DC7AB1E81F}" srcId="{CD7942A0-B7D2-4B14-8FEA-55FC702F5BE7}" destId="{095A5E99-E976-4550-8F80-53CC813F2F5A}" srcOrd="0" destOrd="0" parTransId="{03339A0D-5DC0-4B29-8353-C5AEBFD4DE86}" sibTransId="{8877691F-1B60-4485-9174-DDEC7EE68B70}"/>
-    <dgm:cxn modelId="{7C007CEB-6418-4EA7-9CB6-5B93D0C655E6}" type="presOf" srcId="{095A5E99-E976-4550-8F80-53CC813F2F5A}" destId="{7A2F6994-DA87-4497-BFC7-DD9D6EC5315F}" srcOrd="1" destOrd="0" presId="urn:microsoft.com/office/officeart/2005/8/layout/vProcess5"/>
-    <dgm:cxn modelId="{6CF7D6F9-A5F2-48E3-AF5C-A2074559AE21}" type="presOf" srcId="{B3EFD4A5-9FA1-4ABE-B722-05162509509B}" destId="{62643EF2-016C-41F1-8CBC-398422A85727}" srcOrd="0" destOrd="0" presId="urn:microsoft.com/office/officeart/2005/8/layout/vProcess5"/>
+    <dgm:cxn modelId="{2192F194-3997-460F-A908-5174C0D378CD}" type="presOf" srcId="{0A3488D4-3E9D-4761-A4D1-752BB46679C8}" destId="{7A882E3F-8EB0-4513-9522-3ADC532756EE}" srcOrd="0" destOrd="0" presId="urn:microsoft.com/office/officeart/2005/8/layout/vProcess5"/>
+    <dgm:cxn modelId="{0FF49D9C-B877-4DED-8FD3-7DFCE078A82E}" srcId="{CD7942A0-B7D2-4B14-8FEA-55FC702F5BE7}" destId="{8D10FD42-5413-43D5-8153-D51A430477AE}" srcOrd="2" destOrd="0" parTransId="{E1331C89-BBE9-4E2C-ABC5-A368238FBDBB}" sibTransId="{F062CAC0-93BB-4EBC-9485-93AD648937A7}"/>
+    <dgm:cxn modelId="{7641BEA0-B44E-4E4D-957E-F1C027E33D5D}" type="presOf" srcId="{AAB3E914-6B86-4B09-A9F4-61D28CE47E06}" destId="{6FAB0AD4-78A0-4E62-A8CB-954D84B38231}" srcOrd="0" destOrd="0" presId="urn:microsoft.com/office/officeart/2005/8/layout/vProcess5"/>
+    <dgm:cxn modelId="{8B2C0CBA-D22B-4932-A1E7-960E7971C12A}" type="presOf" srcId="{F062CAC0-93BB-4EBC-9485-93AD648937A7}" destId="{A7CE164E-B37D-4118-A29C-292AD9092E09}" srcOrd="0" destOrd="0" presId="urn:microsoft.com/office/officeart/2005/8/layout/vProcess5"/>
+    <dgm:cxn modelId="{4A5915BC-7525-4AC5-83E2-39349729198D}" type="presOf" srcId="{BA30B1A9-225F-4254-8032-8CB3790C2EB5}" destId="{20BC0AFC-A16D-4072-AB51-8DBE09584E07}" srcOrd="0" destOrd="0" presId="urn:microsoft.com/office/officeart/2005/8/layout/vProcess5"/>
+    <dgm:cxn modelId="{3E4D0EBF-384A-4E3B-9C95-B3F9611FC6FE}" type="presOf" srcId="{0A3488D4-3E9D-4761-A4D1-752BB46679C8}" destId="{DA82DB5A-A073-4019-8440-733DF9129207}" srcOrd="1" destOrd="0" presId="urn:microsoft.com/office/officeart/2005/8/layout/vProcess5"/>
+    <dgm:cxn modelId="{A1C4D7C4-C230-47AE-AED6-BBBE9334CFB1}" type="presOf" srcId="{BA30B1A9-225F-4254-8032-8CB3790C2EB5}" destId="{7ACE2E26-5172-4132-8F1B-5661C473B15B}" srcOrd="1" destOrd="0" presId="urn:microsoft.com/office/officeart/2005/8/layout/vProcess5"/>
     <dgm:cxn modelId="{768DB908-A4BF-48A6-A740-5DD0CBAFBB11}" type="presParOf" srcId="{1D84D8B6-AB32-4491-B5D2-EFE3D7668B88}" destId="{3E0E8213-E460-4EB7-9A92-C2B1CC553F0D}" srcOrd="0" destOrd="0" presId="urn:microsoft.com/office/officeart/2005/8/layout/vProcess5"/>
-    <dgm:cxn modelId="{A8B17D3B-E670-4FE0-A845-244C702B8151}" type="presParOf" srcId="{1D84D8B6-AB32-4491-B5D2-EFE3D7668B88}" destId="{124EF20B-D98C-45B2-BB13-7B93B5373CEB}" srcOrd="1" destOrd="0" presId="urn:microsoft.com/office/officeart/2005/8/layout/vProcess5"/>
-    <dgm:cxn modelId="{1E8E2D8B-A980-4080-A16E-1F74528DE4D0}" type="presParOf" srcId="{1D84D8B6-AB32-4491-B5D2-EFE3D7668B88}" destId="{CA544AF7-F7B2-4CA5-9251-B4CDB8D06634}" srcOrd="2" destOrd="0" presId="urn:microsoft.com/office/officeart/2005/8/layout/vProcess5"/>
-    <dgm:cxn modelId="{7992440C-9F36-432D-90EE-E2A708CEB38B}" type="presParOf" srcId="{1D84D8B6-AB32-4491-B5D2-EFE3D7668B88}" destId="{2AE92D3F-F0FA-45DD-BB60-4C6FBC6BC016}" srcOrd="3" destOrd="0" presId="urn:microsoft.com/office/officeart/2005/8/layout/vProcess5"/>
-    <dgm:cxn modelId="{DBE883B8-7D13-43BA-A456-8DBB93D30C93}" type="presParOf" srcId="{1D84D8B6-AB32-4491-B5D2-EFE3D7668B88}" destId="{9CA877D8-99F8-40A0-89E9-59A61C9A70F4}" srcOrd="4" destOrd="0" presId="urn:microsoft.com/office/officeart/2005/8/layout/vProcess5"/>
-    <dgm:cxn modelId="{A3B9E6ED-FFD0-430E-B609-EBE8E75E7C44}" type="presParOf" srcId="{1D84D8B6-AB32-4491-B5D2-EFE3D7668B88}" destId="{62643EF2-016C-41F1-8CBC-398422A85727}" srcOrd="5" destOrd="0" presId="urn:microsoft.com/office/officeart/2005/8/layout/vProcess5"/>
-    <dgm:cxn modelId="{278FE748-9C54-4E36-9203-E948DB63C99A}" type="presParOf" srcId="{1D84D8B6-AB32-4491-B5D2-EFE3D7668B88}" destId="{7A2F6994-DA87-4497-BFC7-DD9D6EC5315F}" srcOrd="6" destOrd="0" presId="urn:microsoft.com/office/officeart/2005/8/layout/vProcess5"/>
-    <dgm:cxn modelId="{E81279B5-23BF-4F73-A353-8831FC04E9BC}" type="presParOf" srcId="{1D84D8B6-AB32-4491-B5D2-EFE3D7668B88}" destId="{916C48CB-E452-4B79-A9B9-4C9A90B47960}" srcOrd="7" destOrd="0" presId="urn:microsoft.com/office/officeart/2005/8/layout/vProcess5"/>
-    <dgm:cxn modelId="{16289EC3-0C51-4B32-B6CC-FE8F7F6F6C76}" type="presParOf" srcId="{1D84D8B6-AB32-4491-B5D2-EFE3D7668B88}" destId="{A31D264E-E285-4E5C-8EB7-762CD501BE72}" srcOrd="8" destOrd="0" presId="urn:microsoft.com/office/officeart/2005/8/layout/vProcess5"/>
+    <dgm:cxn modelId="{12E64680-472D-47E5-98F1-B3D6EEF2C2CC}" type="presParOf" srcId="{1D84D8B6-AB32-4491-B5D2-EFE3D7668B88}" destId="{7A882E3F-8EB0-4513-9522-3ADC532756EE}" srcOrd="1" destOrd="0" presId="urn:microsoft.com/office/officeart/2005/8/layout/vProcess5"/>
+    <dgm:cxn modelId="{99CCC6C6-6890-42F4-8154-69B2C73A3F51}" type="presParOf" srcId="{1D84D8B6-AB32-4491-B5D2-EFE3D7668B88}" destId="{5E11936C-7A4E-4389-8BBC-4A0820CB77F1}" srcOrd="2" destOrd="0" presId="urn:microsoft.com/office/officeart/2005/8/layout/vProcess5"/>
+    <dgm:cxn modelId="{248CBE29-6825-4A28-B63B-F36A261FDFC7}" type="presParOf" srcId="{1D84D8B6-AB32-4491-B5D2-EFE3D7668B88}" destId="{248AA019-FC31-4114-853D-DFAED67D85BE}" srcOrd="3" destOrd="0" presId="urn:microsoft.com/office/officeart/2005/8/layout/vProcess5"/>
+    <dgm:cxn modelId="{642825BA-46CA-4666-8E5D-E867D2AD5E65}" type="presParOf" srcId="{1D84D8B6-AB32-4491-B5D2-EFE3D7668B88}" destId="{20BC0AFC-A16D-4072-AB51-8DBE09584E07}" srcOrd="4" destOrd="0" presId="urn:microsoft.com/office/officeart/2005/8/layout/vProcess5"/>
+    <dgm:cxn modelId="{654D2BF0-BDB4-456D-BAEE-1A8B4AC38EC5}" type="presParOf" srcId="{1D84D8B6-AB32-4491-B5D2-EFE3D7668B88}" destId="{3F08D9B6-33D1-4948-8D1F-8B12DE1AE209}" srcOrd="5" destOrd="0" presId="urn:microsoft.com/office/officeart/2005/8/layout/vProcess5"/>
+    <dgm:cxn modelId="{6CE88026-53C7-4F73-BBE4-136E4684D618}" type="presParOf" srcId="{1D84D8B6-AB32-4491-B5D2-EFE3D7668B88}" destId="{6FAB0AD4-78A0-4E62-A8CB-954D84B38231}" srcOrd="6" destOrd="0" presId="urn:microsoft.com/office/officeart/2005/8/layout/vProcess5"/>
+    <dgm:cxn modelId="{10511534-6BAA-4759-A522-9621DABBFE59}" type="presParOf" srcId="{1D84D8B6-AB32-4491-B5D2-EFE3D7668B88}" destId="{A7CE164E-B37D-4118-A29C-292AD9092E09}" srcOrd="7" destOrd="0" presId="urn:microsoft.com/office/officeart/2005/8/layout/vProcess5"/>
+    <dgm:cxn modelId="{4A3CD778-E16B-4673-BECC-8CC1CB080BDE}" type="presParOf" srcId="{1D84D8B6-AB32-4491-B5D2-EFE3D7668B88}" destId="{DA82DB5A-A073-4019-8440-733DF9129207}" srcOrd="8" destOrd="0" presId="urn:microsoft.com/office/officeart/2005/8/layout/vProcess5"/>
+    <dgm:cxn modelId="{73CC1369-8258-4289-98BC-32339903CFE6}" type="presParOf" srcId="{1D84D8B6-AB32-4491-B5D2-EFE3D7668B88}" destId="{93A94E5B-F121-4627-BC6D-310FD1D165FD}" srcOrd="9" destOrd="0" presId="urn:microsoft.com/office/officeart/2005/8/layout/vProcess5"/>
+    <dgm:cxn modelId="{A29FB8F8-DFC5-479E-AE2F-9B46094A043E}" type="presParOf" srcId="{1D84D8B6-AB32-4491-B5D2-EFE3D7668B88}" destId="{1FE5D99C-711B-465C-B186-D0D097952178}" srcOrd="10" destOrd="0" presId="urn:microsoft.com/office/officeart/2005/8/layout/vProcess5"/>
+    <dgm:cxn modelId="{B1EEB693-EFAD-45E7-A038-333760FAC8DA}" type="presParOf" srcId="{1D84D8B6-AB32-4491-B5D2-EFE3D7668B88}" destId="{7ACE2E26-5172-4132-8F1B-5661C473B15B}" srcOrd="11" destOrd="0" presId="urn:microsoft.com/office/officeart/2005/8/layout/vProcess5"/>
   </dgm:cxnLst>
   <dgm:bg/>
   <dgm:whole/>
@@ -2296,7 +1392,7 @@
       <dsp:cNvGrpSpPr/>
     </dsp:nvGrpSpPr>
     <dsp:grpSpPr/>
-    <dsp:sp modelId="{124EF20B-D98C-45B2-BB13-7B93B5373CEB}">
+    <dsp:sp modelId="{7A882E3F-8EB0-4513-9522-3ADC532756EE}">
       <dsp:nvSpPr>
         <dsp:cNvPr id="0" name=""/>
         <dsp:cNvSpPr/>
@@ -2304,7 +1400,7 @@
       <dsp:spPr>
         <a:xfrm>
           <a:off x="0" y="0"/>
-          <a:ext cx="4316650" cy="1339691"/>
+          <a:ext cx="4165362" cy="1028192"/>
         </a:xfrm>
         <a:prstGeom prst="roundRect">
           <a:avLst>
@@ -2314,16 +1410,46 @@
         <a:gradFill rotWithShape="0">
           <a:gsLst>
             <a:gs pos="0">
-              <a:srgbClr val="703000"/>
+              <a:schemeClr val="accent2">
+                <a:hueOff val="0"/>
+                <a:satOff val="0"/>
+                <a:lumOff val="0"/>
+                <a:alphaOff val="0"/>
+                <a:shade val="15000"/>
+                <a:satMod val="180000"/>
+              </a:schemeClr>
             </a:gs>
             <a:gs pos="50000">
-              <a:srgbClr val="A44A00"/>
+              <a:schemeClr val="accent2">
+                <a:hueOff val="0"/>
+                <a:satOff val="0"/>
+                <a:lumOff val="0"/>
+                <a:alphaOff val="0"/>
+                <a:shade val="45000"/>
+                <a:satMod val="170000"/>
+              </a:schemeClr>
             </a:gs>
             <a:gs pos="70000">
-              <a:srgbClr val="BC5500"/>
+              <a:schemeClr val="accent2">
+                <a:hueOff val="0"/>
+                <a:satOff val="0"/>
+                <a:lumOff val="0"/>
+                <a:alphaOff val="0"/>
+                <a:tint val="99000"/>
+                <a:shade val="65000"/>
+                <a:satMod val="155000"/>
+              </a:schemeClr>
             </a:gs>
             <a:gs pos="100000">
-              <a:srgbClr val="F26D00"/>
+              <a:schemeClr val="accent2">
+                <a:hueOff val="0"/>
+                <a:satOff val="0"/>
+                <a:lumOff val="0"/>
+                <a:alphaOff val="0"/>
+                <a:tint val="100000"/>
+                <a:shade val="100000"/>
+                <a:satMod val="155000"/>
+              </a:schemeClr>
             </a:gs>
           </a:gsLst>
           <a:lin ang="16200000" scaled="0"/>
@@ -2354,12 +1480,12 @@
         </a:fontRef>
       </dsp:style>
       <dsp:txBody>
-        <a:bodyPr spcFirstLastPara="0" vert="horz" wrap="square" lIns="220980" tIns="220980" rIns="220980" bIns="220980" numCol="1" spcCol="1270" anchor="ctr" anchorCtr="0">
+        <a:bodyPr spcFirstLastPara="0" vert="horz" wrap="square" lIns="91440" tIns="91440" rIns="91440" bIns="91440" numCol="1" spcCol="1270" anchor="ctr" anchorCtr="0">
           <a:noAutofit/>
         </a:bodyPr>
         <a:lstStyle/>
         <a:p>
-          <a:pPr marL="0" lvl="0" indent="0" algn="l" defTabSz="2578100">
+          <a:pPr marL="0" lvl="0" indent="0" algn="l" defTabSz="1066800">
             <a:lnSpc>
               <a:spcPct val="90000"/>
             </a:lnSpc>
@@ -2372,25 +1498,26 @@
             <a:buNone/>
           </a:pPr>
           <a:r>
-            <a:rPr lang="en-US" sz="5800" kern="1200" dirty="0"/>
-            <a:t>Task 1</a:t>
+            <a:rPr lang="ro-RO" sz="2400" kern="1200" dirty="0"/>
+            <a:t>Înregistrarea daunelor</a:t>
           </a:r>
+          <a:endParaRPr lang="en-US" sz="2400" kern="1200" dirty="0"/>
         </a:p>
       </dsp:txBody>
       <dsp:txXfrm>
-        <a:off x="39238" y="39238"/>
-        <a:ext cx="2871019" cy="1261215"/>
+        <a:off x="30115" y="30115"/>
+        <a:ext cx="2968980" cy="967962"/>
       </dsp:txXfrm>
     </dsp:sp>
-    <dsp:sp modelId="{CA544AF7-F7B2-4CA5-9251-B4CDB8D06634}">
+    <dsp:sp modelId="{5E11936C-7A4E-4389-8BBC-4A0820CB77F1}">
       <dsp:nvSpPr>
         <dsp:cNvPr id="0" name=""/>
         <dsp:cNvSpPr/>
       </dsp:nvSpPr>
       <dsp:spPr>
         <a:xfrm>
-          <a:off x="380880" y="1562972"/>
-          <a:ext cx="4316650" cy="1339691"/>
+          <a:off x="348849" y="1215136"/>
+          <a:ext cx="4165362" cy="1028192"/>
         </a:xfrm>
         <a:prstGeom prst="roundRect">
           <a:avLst>
@@ -2470,12 +1597,12 @@
         </a:fontRef>
       </dsp:style>
       <dsp:txBody>
-        <a:bodyPr spcFirstLastPara="0" vert="horz" wrap="square" lIns="220980" tIns="220980" rIns="220980" bIns="220980" numCol="1" spcCol="1270" anchor="ctr" anchorCtr="0">
+        <a:bodyPr spcFirstLastPara="0" vert="horz" wrap="square" lIns="91440" tIns="91440" rIns="91440" bIns="91440" numCol="1" spcCol="1270" anchor="ctr" anchorCtr="0">
           <a:noAutofit/>
         </a:bodyPr>
         <a:lstStyle/>
         <a:p>
-          <a:pPr marL="0" lvl="0" indent="0" algn="l" defTabSz="2578100">
+          <a:pPr marL="0" lvl="0" indent="0" algn="l" defTabSz="1066800">
             <a:lnSpc>
               <a:spcPct val="90000"/>
             </a:lnSpc>
@@ -2488,25 +1615,26 @@
             <a:buNone/>
           </a:pPr>
           <a:r>
-            <a:rPr lang="en-US" sz="5800" kern="1200" dirty="0"/>
-            <a:t>Task 2</a:t>
+            <a:rPr lang="ro-RO" sz="2400" kern="1200" dirty="0"/>
+            <a:t>Introducere datelor vânzărilor săptămânale</a:t>
           </a:r>
+          <a:endParaRPr lang="en-US" sz="2400" kern="1200" dirty="0"/>
         </a:p>
       </dsp:txBody>
       <dsp:txXfrm>
-        <a:off x="420118" y="1602210"/>
-        <a:ext cx="2986494" cy="1261215"/>
+        <a:off x="378964" y="1245251"/>
+        <a:ext cx="3087958" cy="967962"/>
       </dsp:txXfrm>
     </dsp:sp>
-    <dsp:sp modelId="{2AE92D3F-F0FA-45DD-BB60-4C6FBC6BC016}">
+    <dsp:sp modelId="{248AA019-FC31-4114-853D-DFAED67D85BE}">
       <dsp:nvSpPr>
         <dsp:cNvPr id="0" name=""/>
         <dsp:cNvSpPr/>
       </dsp:nvSpPr>
       <dsp:spPr>
         <a:xfrm>
-          <a:off x="761761" y="3125945"/>
-          <a:ext cx="4316650" cy="1339691"/>
+          <a:off x="692491" y="2430272"/>
+          <a:ext cx="4165362" cy="1028192"/>
         </a:xfrm>
         <a:prstGeom prst="roundRect">
           <a:avLst>
@@ -2516,13 +1644,35 @@
         <a:gradFill rotWithShape="0">
           <a:gsLst>
             <a:gs pos="0">
-              <a:srgbClr val="394404"/>
+              <a:schemeClr val="accent4">
+                <a:hueOff val="0"/>
+                <a:satOff val="0"/>
+                <a:lumOff val="0"/>
+                <a:alphaOff val="0"/>
+                <a:shade val="15000"/>
+                <a:satMod val="180000"/>
+              </a:schemeClr>
             </a:gs>
             <a:gs pos="50000">
-              <a:srgbClr val="5F6F0F"/>
+              <a:schemeClr val="accent4">
+                <a:hueOff val="0"/>
+                <a:satOff val="0"/>
+                <a:lumOff val="0"/>
+                <a:alphaOff val="0"/>
+                <a:shade val="45000"/>
+                <a:satMod val="170000"/>
+              </a:schemeClr>
             </a:gs>
             <a:gs pos="70000">
-              <a:srgbClr val="65741A"/>
+              <a:schemeClr val="accent4">
+                <a:hueOff val="0"/>
+                <a:satOff val="0"/>
+                <a:lumOff val="0"/>
+                <a:alphaOff val="0"/>
+                <a:tint val="99000"/>
+                <a:shade val="65000"/>
+                <a:satMod val="155000"/>
+              </a:schemeClr>
             </a:gs>
             <a:gs pos="100000">
               <a:schemeClr val="accent4">
@@ -2564,12 +1714,12 @@
         </a:fontRef>
       </dsp:style>
       <dsp:txBody>
-        <a:bodyPr spcFirstLastPara="0" vert="horz" wrap="square" lIns="220980" tIns="220980" rIns="220980" bIns="220980" numCol="1" spcCol="1270" anchor="ctr" anchorCtr="0">
+        <a:bodyPr spcFirstLastPara="0" vert="horz" wrap="square" lIns="91440" tIns="91440" rIns="91440" bIns="91440" numCol="1" spcCol="1270" anchor="ctr" anchorCtr="0">
           <a:noAutofit/>
         </a:bodyPr>
         <a:lstStyle/>
         <a:p>
-          <a:pPr marL="0" lvl="0" indent="0" algn="l" defTabSz="2578100">
+          <a:pPr marL="0" lvl="0" indent="0" algn="l" defTabSz="1066800">
             <a:lnSpc>
               <a:spcPct val="90000"/>
             </a:lnSpc>
@@ -2582,25 +1732,143 @@
             <a:buNone/>
           </a:pPr>
           <a:r>
-            <a:rPr lang="en-US" sz="5800" kern="1200" dirty="0"/>
-            <a:t>Task 3</a:t>
+            <a:rPr lang="ro-RO" sz="2400" kern="1200" dirty="0"/>
+            <a:t>Sistemul de decizii</a:t>
           </a:r>
+          <a:endParaRPr lang="en-US" sz="2400" kern="1200" dirty="0"/>
         </a:p>
       </dsp:txBody>
       <dsp:txXfrm>
-        <a:off x="800999" y="3165183"/>
-        <a:ext cx="2986494" cy="1261215"/>
+        <a:off x="722606" y="2460387"/>
+        <a:ext cx="3093165" cy="967961"/>
       </dsp:txXfrm>
     </dsp:sp>
-    <dsp:sp modelId="{9CA877D8-99F8-40A0-89E9-59A61C9A70F4}">
+    <dsp:sp modelId="{20BC0AFC-A16D-4072-AB51-8DBE09584E07}">
       <dsp:nvSpPr>
         <dsp:cNvPr id="0" name=""/>
         <dsp:cNvSpPr/>
       </dsp:nvSpPr>
       <dsp:spPr>
         <a:xfrm>
-          <a:off x="3445850" y="1015932"/>
-          <a:ext cx="870799" cy="870799"/>
+          <a:off x="1041340" y="3645408"/>
+          <a:ext cx="4165362" cy="1028192"/>
+        </a:xfrm>
+        <a:prstGeom prst="roundRect">
+          <a:avLst>
+            <a:gd name="adj" fmla="val 10000"/>
+          </a:avLst>
+        </a:prstGeom>
+        <a:gradFill rotWithShape="0">
+          <a:gsLst>
+            <a:gs pos="0">
+              <a:schemeClr val="accent5">
+                <a:hueOff val="0"/>
+                <a:satOff val="0"/>
+                <a:lumOff val="0"/>
+                <a:alphaOff val="0"/>
+                <a:shade val="15000"/>
+                <a:satMod val="180000"/>
+              </a:schemeClr>
+            </a:gs>
+            <a:gs pos="50000">
+              <a:schemeClr val="accent5">
+                <a:hueOff val="0"/>
+                <a:satOff val="0"/>
+                <a:lumOff val="0"/>
+                <a:alphaOff val="0"/>
+                <a:shade val="45000"/>
+                <a:satMod val="170000"/>
+              </a:schemeClr>
+            </a:gs>
+            <a:gs pos="70000">
+              <a:schemeClr val="accent5">
+                <a:hueOff val="0"/>
+                <a:satOff val="0"/>
+                <a:lumOff val="0"/>
+                <a:alphaOff val="0"/>
+                <a:tint val="99000"/>
+                <a:shade val="65000"/>
+                <a:satMod val="155000"/>
+              </a:schemeClr>
+            </a:gs>
+            <a:gs pos="100000">
+              <a:schemeClr val="accent5">
+                <a:hueOff val="0"/>
+                <a:satOff val="0"/>
+                <a:lumOff val="0"/>
+                <a:alphaOff val="0"/>
+                <a:tint val="100000"/>
+                <a:shade val="100000"/>
+                <a:satMod val="155000"/>
+              </a:schemeClr>
+            </a:gs>
+          </a:gsLst>
+          <a:lin ang="16200000" scaled="0"/>
+        </a:gradFill>
+        <a:ln>
+          <a:noFill/>
+        </a:ln>
+        <a:effectLst>
+          <a:outerShdw blurRad="38100" dist="25400" dir="2700000" algn="br" rotWithShape="0">
+            <a:srgbClr val="000000">
+              <a:alpha val="60000"/>
+            </a:srgbClr>
+          </a:outerShdw>
+        </a:effectLst>
+      </dsp:spPr>
+      <dsp:style>
+        <a:lnRef idx="0">
+          <a:scrgbClr r="0" g="0" b="0"/>
+        </a:lnRef>
+        <a:fillRef idx="3">
+          <a:scrgbClr r="0" g="0" b="0"/>
+        </a:fillRef>
+        <a:effectRef idx="2">
+          <a:scrgbClr r="0" g="0" b="0"/>
+        </a:effectRef>
+        <a:fontRef idx="minor">
+          <a:schemeClr val="lt1"/>
+        </a:fontRef>
+      </dsp:style>
+      <dsp:txBody>
+        <a:bodyPr spcFirstLastPara="0" vert="horz" wrap="square" lIns="91440" tIns="91440" rIns="91440" bIns="91440" numCol="1" spcCol="1270" anchor="ctr" anchorCtr="0">
+          <a:noAutofit/>
+        </a:bodyPr>
+        <a:lstStyle/>
+        <a:p>
+          <a:pPr marL="0" lvl="0" indent="0" algn="l" defTabSz="1066800">
+            <a:lnSpc>
+              <a:spcPct val="90000"/>
+            </a:lnSpc>
+            <a:spcBef>
+              <a:spcPct val="0"/>
+            </a:spcBef>
+            <a:spcAft>
+              <a:spcPct val="35000"/>
+            </a:spcAft>
+            <a:buNone/>
+          </a:pPr>
+          <a:r>
+            <a:rPr lang="ro-RO" sz="2400" kern="1200" dirty="0"/>
+            <a:t>Sistemul de rapoarte</a:t>
+          </a:r>
+          <a:endParaRPr lang="en-US" sz="2400" kern="1200" dirty="0"/>
+        </a:p>
+      </dsp:txBody>
+      <dsp:txXfrm>
+        <a:off x="1071455" y="3675523"/>
+        <a:ext cx="3087958" cy="967962"/>
+      </dsp:txXfrm>
+    </dsp:sp>
+    <dsp:sp modelId="{3F08D9B6-33D1-4948-8D1F-8B12DE1AE209}">
+      <dsp:nvSpPr>
+        <dsp:cNvPr id="0" name=""/>
+        <dsp:cNvSpPr/>
+      </dsp:nvSpPr>
+      <dsp:spPr>
+        <a:xfrm>
+          <a:off x="3497037" y="787501"/>
+          <a:ext cx="668324" cy="668324"/>
         </a:xfrm>
         <a:prstGeom prst="downArrow">
           <a:avLst>
@@ -2646,12 +1914,12 @@
         <a:fontRef idx="minor"/>
       </dsp:style>
       <dsp:txBody>
-        <a:bodyPr spcFirstLastPara="0" vert="horz" wrap="square" lIns="45720" tIns="45720" rIns="45720" bIns="45720" numCol="1" spcCol="1270" anchor="ctr" anchorCtr="0">
+        <a:bodyPr spcFirstLastPara="0" vert="horz" wrap="square" lIns="38100" tIns="38100" rIns="38100" bIns="38100" numCol="1" spcCol="1270" anchor="ctr" anchorCtr="0">
           <a:noAutofit/>
         </a:bodyPr>
         <a:lstStyle/>
         <a:p>
-          <a:pPr marL="0" lvl="0" indent="0" algn="ctr" defTabSz="1600200">
+          <a:pPr marL="0" lvl="0" indent="0" algn="ctr" defTabSz="1333500">
             <a:lnSpc>
               <a:spcPct val="90000"/>
             </a:lnSpc>
@@ -2663,23 +1931,23 @@
             </a:spcAft>
             <a:buNone/>
           </a:pPr>
-          <a:endParaRPr lang="en-US" sz="3600" kern="1200"/>
+          <a:endParaRPr lang="en-US" sz="3000" kern="1200"/>
         </a:p>
       </dsp:txBody>
       <dsp:txXfrm>
-        <a:off x="3641780" y="1015932"/>
-        <a:ext cx="478939" cy="655276"/>
+        <a:off x="3647410" y="787501"/>
+        <a:ext cx="367578" cy="502914"/>
       </dsp:txXfrm>
     </dsp:sp>
-    <dsp:sp modelId="{62643EF2-016C-41F1-8CBC-398422A85727}">
+    <dsp:sp modelId="{6FAB0AD4-78A0-4E62-A8CB-954D84B38231}">
       <dsp:nvSpPr>
         <dsp:cNvPr id="0" name=""/>
         <dsp:cNvSpPr/>
       </dsp:nvSpPr>
       <dsp:spPr>
         <a:xfrm>
-          <a:off x="3826731" y="2569974"/>
-          <a:ext cx="870799" cy="870799"/>
+          <a:off x="3845886" y="2002637"/>
+          <a:ext cx="668324" cy="668324"/>
         </a:xfrm>
         <a:prstGeom prst="downArrow">
           <a:avLst>
@@ -2725,12 +1993,12 @@
         <a:fontRef idx="minor"/>
       </dsp:style>
       <dsp:txBody>
-        <a:bodyPr spcFirstLastPara="0" vert="horz" wrap="square" lIns="45720" tIns="45720" rIns="45720" bIns="45720" numCol="1" spcCol="1270" anchor="ctr" anchorCtr="0">
+        <a:bodyPr spcFirstLastPara="0" vert="horz" wrap="square" lIns="38100" tIns="38100" rIns="38100" bIns="38100" numCol="1" spcCol="1270" anchor="ctr" anchorCtr="0">
           <a:noAutofit/>
         </a:bodyPr>
         <a:lstStyle/>
         <a:p>
-          <a:pPr marL="0" lvl="0" indent="0" algn="ctr" defTabSz="1600200">
+          <a:pPr marL="0" lvl="0" indent="0" algn="ctr" defTabSz="1333500">
             <a:lnSpc>
               <a:spcPct val="90000"/>
             </a:lnSpc>
@@ -2742,12 +2010,91 @@
             </a:spcAft>
             <a:buNone/>
           </a:pPr>
-          <a:endParaRPr lang="en-US" sz="3600" kern="1200"/>
+          <a:endParaRPr lang="en-US" sz="3000" kern="1200"/>
         </a:p>
       </dsp:txBody>
       <dsp:txXfrm>
-        <a:off x="4022661" y="2569974"/>
-        <a:ext cx="478939" cy="655276"/>
+        <a:off x="3996259" y="2002637"/>
+        <a:ext cx="367578" cy="502914"/>
+      </dsp:txXfrm>
+    </dsp:sp>
+    <dsp:sp modelId="{A7CE164E-B37D-4118-A29C-292AD9092E09}">
+      <dsp:nvSpPr>
+        <dsp:cNvPr id="0" name=""/>
+        <dsp:cNvSpPr/>
+      </dsp:nvSpPr>
+      <dsp:spPr>
+        <a:xfrm>
+          <a:off x="4189529" y="3217773"/>
+          <a:ext cx="668324" cy="668324"/>
+        </a:xfrm>
+        <a:prstGeom prst="downArrow">
+          <a:avLst>
+            <a:gd name="adj1" fmla="val 55000"/>
+            <a:gd name="adj2" fmla="val 45000"/>
+          </a:avLst>
+        </a:prstGeom>
+        <a:solidFill>
+          <a:schemeClr val="accent4">
+            <a:tint val="40000"/>
+            <a:alpha val="90000"/>
+            <a:hueOff val="0"/>
+            <a:satOff val="0"/>
+            <a:lumOff val="0"/>
+            <a:alphaOff val="0"/>
+          </a:schemeClr>
+        </a:solidFill>
+        <a:ln w="9525" cap="flat" cmpd="sng" algn="ctr">
+          <a:solidFill>
+            <a:schemeClr val="accent4">
+              <a:tint val="40000"/>
+              <a:alpha val="90000"/>
+              <a:hueOff val="0"/>
+              <a:satOff val="0"/>
+              <a:lumOff val="0"/>
+              <a:alphaOff val="0"/>
+            </a:schemeClr>
+          </a:solidFill>
+          <a:miter lim="800000"/>
+        </a:ln>
+        <a:effectLst/>
+      </dsp:spPr>
+      <dsp:style>
+        <a:lnRef idx="1">
+          <a:scrgbClr r="0" g="0" b="0"/>
+        </a:lnRef>
+        <a:fillRef idx="1">
+          <a:scrgbClr r="0" g="0" b="0"/>
+        </a:fillRef>
+        <a:effectRef idx="0">
+          <a:scrgbClr r="0" g="0" b="0"/>
+        </a:effectRef>
+        <a:fontRef idx="minor"/>
+      </dsp:style>
+      <dsp:txBody>
+        <a:bodyPr spcFirstLastPara="0" vert="horz" wrap="square" lIns="38100" tIns="38100" rIns="38100" bIns="38100" numCol="1" spcCol="1270" anchor="ctr" anchorCtr="0">
+          <a:noAutofit/>
+        </a:bodyPr>
+        <a:lstStyle/>
+        <a:p>
+          <a:pPr marL="0" lvl="0" indent="0" algn="ctr" defTabSz="1333500">
+            <a:lnSpc>
+              <a:spcPct val="90000"/>
+            </a:lnSpc>
+            <a:spcBef>
+              <a:spcPct val="0"/>
+            </a:spcBef>
+            <a:spcAft>
+              <a:spcPct val="35000"/>
+            </a:spcAft>
+            <a:buNone/>
+          </a:pPr>
+          <a:endParaRPr lang="en-US" sz="3000" kern="1200"/>
+        </a:p>
+      </dsp:txBody>
+      <dsp:txXfrm>
+        <a:off x="4339902" y="3217773"/>
+        <a:ext cx="367578" cy="502914"/>
       </dsp:txXfrm>
     </dsp:sp>
   </dsp:spTree>
@@ -5096,7 +4443,7 @@
           <a:p>
             <a:fld id="{FE5B4EDC-59C0-49C7-8ADA-5A781B329E02}" type="datetimeFigureOut">
               <a:rPr lang="en-US"/>
-              <a:t>2017-06-24</a:t>
+              <a:t>2017-06-25</a:t>
             </a:fld>
             <a:endParaRPr/>
           </a:p>
@@ -5261,7 +4608,7 @@
           <a:p>
             <a:fld id="{F2D8D46A-B586-417D-BFBD-8C8FE0AAF762}" type="datetimeFigureOut">
               <a:rPr lang="en-US"/>
-              <a:t>2017-06-24</a:t>
+              <a:t>2017-06-25</a:t>
             </a:fld>
             <a:endParaRPr/>
           </a:p>
@@ -5588,7 +4935,7 @@
           <a:p>
             <a:fld id="{3EBA5BD7-F043-4D1B-AA17-CD412FC534DE}" type="slidenum">
               <a:rPr lang="en-US" smtClean="0"/>
-              <a:t>5</a:t>
+              <a:t>4</a:t>
             </a:fld>
             <a:endParaRPr lang="en-US"/>
           </a:p>
@@ -6363,7 +5710,7 @@
           <a:p>
             <a:fld id="{F0DFD029-FB74-4578-B929-F66AA97659CA}" type="datetimeFigureOut">
               <a:rPr lang="en-US"/>
-              <a:t>2017-06-24</a:t>
+              <a:t>2017-06-25</a:t>
             </a:fld>
             <a:endParaRPr/>
           </a:p>
@@ -6421,18 +5768,9 @@
   <p:clrMapOvr>
     <a:masterClrMapping/>
   </p:clrMapOvr>
-  <mc:AlternateContent xmlns:mc="http://schemas.openxmlformats.org/markup-compatibility/2006" xmlns:p14="http://schemas.microsoft.com/office/powerpoint/2010/main">
-    <mc:Choice Requires="p14">
-      <p:transition spd="med" p14:dur="700">
-        <p:fade/>
-      </p:transition>
-    </mc:Choice>
-    <mc:Fallback xmlns="">
-      <p:transition spd="med">
-        <p:fade/>
-      </p:transition>
-    </mc:Fallback>
-  </mc:AlternateContent>
+  <p:transition spd="slow">
+    <p:fade/>
+  </p:transition>
 </p:sldLayout>
 </file>
 
@@ -6561,7 +5899,7 @@
           <a:p>
             <a:fld id="{F0DFD029-FB74-4578-B929-F66AA97659CA}" type="datetimeFigureOut">
               <a:rPr lang="en-US"/>
-              <a:t>2017-06-24</a:t>
+              <a:t>2017-06-25</a:t>
             </a:fld>
             <a:endParaRPr/>
           </a:p>
@@ -6619,18 +5957,9 @@
   <p:clrMapOvr>
     <a:masterClrMapping/>
   </p:clrMapOvr>
-  <mc:AlternateContent xmlns:mc="http://schemas.openxmlformats.org/markup-compatibility/2006" xmlns:p14="http://schemas.microsoft.com/office/powerpoint/2010/main">
-    <mc:Choice Requires="p14">
-      <p:transition spd="med" p14:dur="700">
-        <p:fade/>
-      </p:transition>
-    </mc:Choice>
-    <mc:Fallback xmlns="">
-      <p:transition spd="med">
-        <p:fade/>
-      </p:transition>
-    </mc:Fallback>
-  </mc:AlternateContent>
+  <p:transition spd="slow">
+    <p:fade/>
+  </p:transition>
 </p:sldLayout>
 </file>
 
@@ -6769,7 +6098,7 @@
           <a:p>
             <a:fld id="{F0DFD029-FB74-4578-B929-F66AA97659CA}" type="datetimeFigureOut">
               <a:rPr lang="en-US"/>
-              <a:t>2017-06-24</a:t>
+              <a:t>2017-06-25</a:t>
             </a:fld>
             <a:endParaRPr/>
           </a:p>
@@ -6827,18 +6156,9 @@
   <p:clrMapOvr>
     <a:masterClrMapping/>
   </p:clrMapOvr>
-  <mc:AlternateContent xmlns:mc="http://schemas.openxmlformats.org/markup-compatibility/2006" xmlns:p14="http://schemas.microsoft.com/office/powerpoint/2010/main">
-    <mc:Choice Requires="p14">
-      <p:transition spd="med" p14:dur="700">
-        <p:fade/>
-      </p:transition>
-    </mc:Choice>
-    <mc:Fallback xmlns="">
-      <p:transition spd="med">
-        <p:fade/>
-      </p:transition>
-    </mc:Fallback>
-  </mc:AlternateContent>
+  <p:transition spd="slow">
+    <p:fade/>
+  </p:transition>
 </p:sldLayout>
 </file>
 
@@ -6967,7 +6287,7 @@
           <a:p>
             <a:fld id="{F0DFD029-FB74-4578-B929-F66AA97659CA}" type="datetimeFigureOut">
               <a:rPr lang="en-US"/>
-              <a:t>2017-06-24</a:t>
+              <a:t>2017-06-25</a:t>
             </a:fld>
             <a:endParaRPr/>
           </a:p>
@@ -7025,18 +6345,9 @@
   <p:clrMapOvr>
     <a:masterClrMapping/>
   </p:clrMapOvr>
-  <mc:AlternateContent xmlns:mc="http://schemas.openxmlformats.org/markup-compatibility/2006" xmlns:p14="http://schemas.microsoft.com/office/powerpoint/2010/main">
-    <mc:Choice Requires="p14">
-      <p:transition spd="med" p14:dur="700">
-        <p:fade/>
-      </p:transition>
-    </mc:Choice>
-    <mc:Fallback xmlns="">
-      <p:transition spd="med">
-        <p:fade/>
-      </p:transition>
-    </mc:Fallback>
-  </mc:AlternateContent>
+  <p:transition spd="slow">
+    <p:fade/>
+  </p:transition>
 </p:sldLayout>
 </file>
 
@@ -7399,7 +6710,7 @@
           <a:p>
             <a:fld id="{F0DFD029-FB74-4578-B929-F66AA97659CA}" type="datetimeFigureOut">
               <a:rPr lang="en-US"/>
-              <a:t>2017-06-24</a:t>
+              <a:t>2017-06-25</a:t>
             </a:fld>
             <a:endParaRPr/>
           </a:p>
@@ -7457,18 +6768,9 @@
   <p:clrMapOvr>
     <a:masterClrMapping/>
   </p:clrMapOvr>
-  <mc:AlternateContent xmlns:mc="http://schemas.openxmlformats.org/markup-compatibility/2006" xmlns:p14="http://schemas.microsoft.com/office/powerpoint/2010/main">
-    <mc:Choice Requires="p14">
-      <p:transition spd="med" p14:dur="700">
-        <p:fade/>
-      </p:transition>
-    </mc:Choice>
-    <mc:Fallback xmlns="">
-      <p:transition spd="med">
-        <p:fade/>
-      </p:transition>
-    </mc:Fallback>
-  </mc:AlternateContent>
+  <p:transition spd="slow">
+    <p:fade/>
+  </p:transition>
 </p:sldLayout>
 </file>
 
@@ -7703,7 +7005,7 @@
           <a:p>
             <a:fld id="{F0DFD029-FB74-4578-B929-F66AA97659CA}" type="datetimeFigureOut">
               <a:rPr lang="en-US"/>
-              <a:t>2017-06-24</a:t>
+              <a:t>2017-06-25</a:t>
             </a:fld>
             <a:endParaRPr/>
           </a:p>
@@ -7761,18 +7063,9 @@
   <p:clrMapOvr>
     <a:masterClrMapping/>
   </p:clrMapOvr>
-  <mc:AlternateContent xmlns:mc="http://schemas.openxmlformats.org/markup-compatibility/2006" xmlns:p14="http://schemas.microsoft.com/office/powerpoint/2010/main">
-    <mc:Choice Requires="p14">
-      <p:transition spd="med" p14:dur="700">
-        <p:fade/>
-      </p:transition>
-    </mc:Choice>
-    <mc:Fallback xmlns="">
-      <p:transition spd="med">
-        <p:fade/>
-      </p:transition>
-    </mc:Fallback>
-  </mc:AlternateContent>
+  <p:transition spd="slow">
+    <p:fade/>
+  </p:transition>
 </p:sldLayout>
 </file>
 
@@ -8159,7 +7452,7 @@
           <a:p>
             <a:fld id="{F0DFD029-FB74-4578-B929-F66AA97659CA}" type="datetimeFigureOut">
               <a:rPr lang="en-US"/>
-              <a:t>2017-06-24</a:t>
+              <a:t>2017-06-25</a:t>
             </a:fld>
             <a:endParaRPr/>
           </a:p>
@@ -8217,18 +7510,9 @@
   <p:clrMapOvr>
     <a:masterClrMapping/>
   </p:clrMapOvr>
-  <mc:AlternateContent xmlns:mc="http://schemas.openxmlformats.org/markup-compatibility/2006" xmlns:p14="http://schemas.microsoft.com/office/powerpoint/2010/main">
-    <mc:Choice Requires="p14">
-      <p:transition spd="med" p14:dur="700">
-        <p:fade/>
-      </p:transition>
-    </mc:Choice>
-    <mc:Fallback xmlns="">
-      <p:transition spd="med">
-        <p:fade/>
-      </p:transition>
-    </mc:Fallback>
-  </mc:AlternateContent>
+  <p:transition spd="slow">
+    <p:fade/>
+  </p:transition>
 </p:sldLayout>
 </file>
 
@@ -8289,7 +7573,7 @@
           <a:p>
             <a:fld id="{F0DFD029-FB74-4578-B929-F66AA97659CA}" type="datetimeFigureOut">
               <a:rPr lang="en-US"/>
-              <a:t>2017-06-24</a:t>
+              <a:t>2017-06-25</a:t>
             </a:fld>
             <a:endParaRPr/>
           </a:p>
@@ -8347,18 +7631,9 @@
   <p:clrMapOvr>
     <a:masterClrMapping/>
   </p:clrMapOvr>
-  <mc:AlternateContent xmlns:mc="http://schemas.openxmlformats.org/markup-compatibility/2006" xmlns:p14="http://schemas.microsoft.com/office/powerpoint/2010/main">
-    <mc:Choice Requires="p14">
-      <p:transition spd="med" p14:dur="700">
-        <p:fade/>
-      </p:transition>
-    </mc:Choice>
-    <mc:Fallback xmlns="">
-      <p:transition spd="med">
-        <p:fade/>
-      </p:transition>
-    </mc:Fallback>
-  </mc:AlternateContent>
+  <p:transition spd="slow">
+    <p:fade/>
+  </p:transition>
 </p:sldLayout>
 </file>
 
@@ -8396,7 +7671,7 @@
           <a:p>
             <a:fld id="{F0DFD029-FB74-4578-B929-F66AA97659CA}" type="datetimeFigureOut">
               <a:rPr lang="en-US"/>
-              <a:t>2017-06-24</a:t>
+              <a:t>2017-06-25</a:t>
             </a:fld>
             <a:endParaRPr/>
           </a:p>
@@ -8454,18 +7729,9 @@
   <p:clrMapOvr>
     <a:masterClrMapping/>
   </p:clrMapOvr>
-  <mc:AlternateContent xmlns:mc="http://schemas.openxmlformats.org/markup-compatibility/2006" xmlns:p14="http://schemas.microsoft.com/office/powerpoint/2010/main">
-    <mc:Choice Requires="p14">
-      <p:transition spd="med" p14:dur="700">
-        <p:fade/>
-      </p:transition>
-    </mc:Choice>
-    <mc:Fallback xmlns="">
-      <p:transition spd="med">
-        <p:fade/>
-      </p:transition>
-    </mc:Fallback>
-  </mc:AlternateContent>
+  <p:transition spd="slow">
+    <p:fade/>
+  </p:transition>
 </p:sldLayout>
 </file>
 
@@ -8695,7 +7961,7 @@
           <a:p>
             <a:fld id="{F0DFD029-FB74-4578-B929-F66AA97659CA}" type="datetimeFigureOut">
               <a:rPr lang="en-US"/>
-              <a:t>2017-06-24</a:t>
+              <a:t>2017-06-25</a:t>
             </a:fld>
             <a:endParaRPr/>
           </a:p>
@@ -8753,18 +8019,9 @@
   <p:clrMapOvr>
     <a:masterClrMapping/>
   </p:clrMapOvr>
-  <mc:AlternateContent xmlns:mc="http://schemas.openxmlformats.org/markup-compatibility/2006" xmlns:p14="http://schemas.microsoft.com/office/powerpoint/2010/main">
-    <mc:Choice Requires="p14">
-      <p:transition spd="med" p14:dur="700">
-        <p:fade/>
-      </p:transition>
-    </mc:Choice>
-    <mc:Fallback xmlns="">
-      <p:transition spd="med">
-        <p:fade/>
-      </p:transition>
-    </mc:Fallback>
-  </mc:AlternateContent>
+  <p:transition spd="slow">
+    <p:fade/>
+  </p:transition>
 </p:sldLayout>
 </file>
 
@@ -8983,7 +8240,7 @@
           <a:p>
             <a:fld id="{F0DFD029-FB74-4578-B929-F66AA97659CA}" type="datetimeFigureOut">
               <a:rPr lang="en-US"/>
-              <a:t>2017-06-24</a:t>
+              <a:t>2017-06-25</a:t>
             </a:fld>
             <a:endParaRPr/>
           </a:p>
@@ -9041,18 +8298,9 @@
   <p:clrMapOvr>
     <a:masterClrMapping/>
   </p:clrMapOvr>
-  <mc:AlternateContent xmlns:mc="http://schemas.openxmlformats.org/markup-compatibility/2006" xmlns:p14="http://schemas.microsoft.com/office/powerpoint/2010/main">
-    <mc:Choice Requires="p14">
-      <p:transition spd="med" p14:dur="700">
-        <p:fade/>
-      </p:transition>
-    </mc:Choice>
-    <mc:Fallback xmlns="">
-      <p:transition spd="med">
-        <p:fade/>
-      </p:transition>
-    </mc:Fallback>
-  </mc:AlternateContent>
+  <p:transition spd="slow">
+    <p:fade/>
+  </p:transition>
 </p:sldLayout>
 </file>
 
@@ -9606,7 +8854,7 @@
             <a:fld id="{F0DFD029-FB74-4578-B929-F66AA97659CA}" type="datetimeFigureOut">
               <a:rPr lang="en-US"/>
               <a:pPr/>
-              <a:t>2017-06-24</a:t>
+              <a:t>2017-06-25</a:t>
             </a:fld>
             <a:endParaRPr/>
           </a:p>
@@ -9712,18 +8960,9 @@
     <p:sldLayoutId id="2147483670" r:id="rId10"/>
     <p:sldLayoutId id="2147483671" r:id="rId11"/>
   </p:sldLayoutIdLst>
-  <mc:AlternateContent xmlns:mc="http://schemas.openxmlformats.org/markup-compatibility/2006" xmlns:p14="http://schemas.microsoft.com/office/powerpoint/2010/main">
-    <mc:Choice Requires="p14">
-      <p:transition spd="med" p14:dur="700">
-        <p:fade/>
-      </p:transition>
-    </mc:Choice>
-    <mc:Fallback xmlns="">
-      <p:transition spd="med">
-        <p:fade/>
-      </p:transition>
-    </mc:Fallback>
-  </mc:AlternateContent>
+  <p:transition spd="slow">
+    <p:fade/>
+  </p:transition>
   <p:txStyles>
     <p:titleStyle>
       <a:lvl1pPr algn="l" defTabSz="1218987" rtl="0" eaLnBrk="1" latinLnBrk="0" hangingPunct="1">
@@ -10040,7 +9279,7 @@
       </a:lvl9pPr>
     </p:otherStyle>
   </p:txStyles>
-  <p:extLst>
+  <p:extLst mod="1">
     <p:ext uri="{27BBF7A9-308A-43DC-89C8-2F10F3537804}">
       <p15:sldGuideLst xmlns:p15="http://schemas.microsoft.com/office/powerpoint/2012/main">
         <p15:guide id="1" orient="horz" pos="2160" userDrawn="1">
@@ -10089,41 +9328,13 @@
         <p:spPr/>
         <p:txBody>
           <a:bodyPr>
-            <a:normAutofit/>
+            <a:normAutofit fontScale="90000"/>
           </a:bodyPr>
           <a:lstStyle/>
           <a:p>
             <a:r>
-              <a:rPr lang="en-US" dirty="0" err="1"/>
-              <a:t>Sistem</a:t>
-            </a:r>
-            <a:r>
-              <a:rPr lang="en-US" dirty="0"/>
-              <a:t> de </a:t>
-            </a:r>
-            <a:r>
-              <a:rPr lang="en-US" dirty="0" err="1"/>
-              <a:t>gestionare</a:t>
-            </a:r>
-            <a:r>
-              <a:rPr lang="en-US" dirty="0"/>
-              <a:t> a </a:t>
-            </a:r>
-            <a:r>
-              <a:rPr lang="en-US" dirty="0" err="1"/>
-              <a:t>cererilor</a:t>
-            </a:r>
-            <a:r>
-              <a:rPr lang="en-US" dirty="0"/>
-              <a:t> de </a:t>
-            </a:r>
-            <a:r>
-              <a:rPr lang="en-US" dirty="0" err="1"/>
-              <a:t>desp</a:t>
-            </a:r>
-            <a:r>
-              <a:rPr lang="ro-RO" dirty="0"/>
-              <a:t>ăgubire</a:t>
+              <a:rPr lang="pt-BR" dirty="0"/>
+              <a:t>Sistem de gestionare a cererilor de despăgubire pentru o societate de asigurări</a:t>
             </a:r>
             <a:endParaRPr lang="en-US" dirty="0"/>
           </a:p>
@@ -10170,14 +9381,14 @@
   <p:clrMapOvr>
     <a:masterClrMapping/>
   </p:clrMapOvr>
-  <mc:AlternateContent xmlns:mc="http://schemas.openxmlformats.org/markup-compatibility/2006" xmlns:p14="http://schemas.microsoft.com/office/powerpoint/2010/main">
-    <mc:Choice Requires="p14">
-      <p:transition spd="med" p14:dur="700">
+  <mc:AlternateContent xmlns:mc="http://schemas.openxmlformats.org/markup-compatibility/2006">
+    <mc:Choice xmlns:p14="http://schemas.microsoft.com/office/powerpoint/2010/main" Requires="p14">
+      <p:transition spd="slow" p14:dur="3000">
         <p:fade/>
       </p:transition>
     </mc:Choice>
-    <mc:Fallback xmlns="">
-      <p:transition spd="med">
+    <mc:Fallback>
+      <p:transition spd="slow">
         <p:fade/>
       </p:transition>
     </mc:Fallback>
@@ -10186,6 +9397,94 @@
 </file>
 
 <file path=ppt/slides/slide10.xml><?xml version="1.0" encoding="utf-8"?>
+<p:sld xmlns:a="http://schemas.openxmlformats.org/drawingml/2006/main" xmlns:r="http://schemas.openxmlformats.org/officeDocument/2006/relationships" xmlns:p="http://schemas.openxmlformats.org/presentationml/2006/main">
+  <p:cSld>
+    <p:spTree>
+      <p:nvGrpSpPr>
+        <p:cNvPr id="1" name=""/>
+        <p:cNvGrpSpPr/>
+        <p:nvPr/>
+      </p:nvGrpSpPr>
+      <p:grpSpPr>
+        <a:xfrm>
+          <a:off x="0" y="0"/>
+          <a:ext cx="0" cy="0"/>
+          <a:chOff x="0" y="0"/>
+          <a:chExt cx="0" cy="0"/>
+        </a:xfrm>
+      </p:grpSpPr>
+      <p:sp>
+        <p:nvSpPr>
+          <p:cNvPr id="4" name="Title 3"/>
+          <p:cNvSpPr>
+            <a:spLocks noGrp="1"/>
+          </p:cNvSpPr>
+          <p:nvPr>
+            <p:ph type="title"/>
+          </p:nvPr>
+        </p:nvSpPr>
+        <p:spPr/>
+        <p:txBody>
+          <a:bodyPr/>
+          <a:lstStyle/>
+          <a:p>
+            <a:r>
+              <a:rPr lang="ro-RO" dirty="0"/>
+              <a:t>Algoritmul de construire a raportului de vânzări</a:t>
+            </a:r>
+            <a:endParaRPr lang="en-US" dirty="0"/>
+          </a:p>
+        </p:txBody>
+      </p:sp>
+      <p:sp>
+        <p:nvSpPr>
+          <p:cNvPr id="5" name="Text Placeholder 4"/>
+          <p:cNvSpPr>
+            <a:spLocks noGrp="1"/>
+          </p:cNvSpPr>
+          <p:nvPr>
+            <p:ph type="body" idx="1"/>
+          </p:nvPr>
+        </p:nvSpPr>
+        <p:spPr/>
+        <p:txBody>
+          <a:bodyPr/>
+          <a:lstStyle/>
+          <a:p>
+            <a:r>
+              <a:rPr lang="ro-RO" dirty="0"/>
+              <a:t>Abordare eficientă spațiu-timp</a:t>
+            </a:r>
+            <a:endParaRPr lang="en-US" dirty="0"/>
+          </a:p>
+        </p:txBody>
+      </p:sp>
+    </p:spTree>
+    <p:extLst>
+      <p:ext uri="{BB962C8B-B14F-4D97-AF65-F5344CB8AC3E}">
+        <p14:creationId xmlns:p14="http://schemas.microsoft.com/office/powerpoint/2010/main" val="2527928463"/>
+      </p:ext>
+    </p:extLst>
+  </p:cSld>
+  <p:clrMapOvr>
+    <a:masterClrMapping/>
+  </p:clrMapOvr>
+  <mc:AlternateContent xmlns:mc="http://schemas.openxmlformats.org/markup-compatibility/2006">
+    <mc:Choice xmlns:p14="http://schemas.microsoft.com/office/powerpoint/2010/main" Requires="p14">
+      <p:transition spd="slow" p14:dur="3000">
+        <p:push dir="u"/>
+      </p:transition>
+    </mc:Choice>
+    <mc:Fallback>
+      <p:transition spd="slow">
+        <p:push dir="u"/>
+      </p:transition>
+    </mc:Fallback>
+  </mc:AlternateContent>
+</p:sld>
+</file>
+
+<file path=ppt/slides/slide11.xml><?xml version="1.0" encoding="utf-8"?>
 <p:sld xmlns:a="http://schemas.openxmlformats.org/drawingml/2006/main" xmlns:r="http://schemas.openxmlformats.org/officeDocument/2006/relationships" xmlns:p="http://schemas.openxmlformats.org/presentationml/2006/main">
   <p:cSld>
     <p:spTree>
@@ -10218,20 +9517,27 @@
           <a:lstStyle/>
           <a:p>
             <a:r>
-              <a:rPr lang="en-US" dirty="0"/>
-              <a:t>Add a Slide Title - 4</a:t>
+              <a:rPr lang="ro-RO" dirty="0"/>
+              <a:t>Algoritmul de construire a raportului de vânzări</a:t>
             </a:r>
+            <a:endParaRPr lang="en-US" dirty="0"/>
           </a:p>
         </p:txBody>
       </p:sp>
       <p:sp>
         <p:nvSpPr>
-          <p:cNvPr id="4" name="Text Placeholder 3"/>
+          <p:cNvPr id="16" name="Text Placeholder 15">
+            <a:extLst>
+              <a:ext uri="{FF2B5EF4-FFF2-40B4-BE49-F238E27FC236}">
+                <a16:creationId xmlns:a16="http://schemas.microsoft.com/office/drawing/2014/main" id="{264806BA-15B4-49C1-A8CC-0EED9BE5400E}"/>
+              </a:ext>
+            </a:extLst>
+          </p:cNvPr>
           <p:cNvSpPr>
             <a:spLocks noGrp="1"/>
           </p:cNvSpPr>
           <p:nvPr>
-            <p:ph type="body" sz="half" idx="2"/>
+            <p:ph type="body" idx="1"/>
           </p:nvPr>
         </p:nvSpPr>
         <p:spPr/>
@@ -10239,18 +9545,27 @@
           <a:bodyPr/>
           <a:lstStyle/>
           <a:p>
-            <a:endParaRPr lang="en-US" dirty="0"/>
+            <a:r>
+              <a:rPr lang="ro-RO" dirty="0"/>
+              <a:t>Problema spațiu – chunking</a:t>
+            </a:r>
           </a:p>
         </p:txBody>
       </p:sp>
       <p:sp>
         <p:nvSpPr>
-          <p:cNvPr id="3" name="Content Placeholder 2"/>
+          <p:cNvPr id="12" name="Content Placeholder 11">
+            <a:extLst>
+              <a:ext uri="{FF2B5EF4-FFF2-40B4-BE49-F238E27FC236}">
+                <a16:creationId xmlns:a16="http://schemas.microsoft.com/office/drawing/2014/main" id="{4567A79E-26E1-4944-BE8A-CD7874A2465B}"/>
+              </a:ext>
+            </a:extLst>
+          </p:cNvPr>
           <p:cNvSpPr>
             <a:spLocks noGrp="1"/>
           </p:cNvSpPr>
           <p:nvPr>
-            <p:ph idx="1"/>
+            <p:ph sz="half" idx="2"/>
           </p:nvPr>
         </p:nvSpPr>
         <p:spPr/>
@@ -10258,7 +9573,101 @@
           <a:bodyPr/>
           <a:lstStyle/>
           <a:p>
-            <a:endParaRPr lang="en-US" dirty="0"/>
+            <a:r>
+              <a:rPr lang="ro-RO" dirty="0"/>
+              <a:t>Încadrarea algoritmului în 128MB RAM.</a:t>
+            </a:r>
+          </a:p>
+          <a:p>
+            <a:r>
+              <a:rPr lang="ro-RO" dirty="0"/>
+              <a:t>„Map-Reduce” – prin JavaScript.</a:t>
+            </a:r>
+          </a:p>
+          <a:p>
+            <a:r>
+              <a:rPr lang="ro-RO" dirty="0"/>
+              <a:t>33468+ linii – PhpExcel – 200MB+</a:t>
+            </a:r>
+          </a:p>
+          <a:p>
+            <a:endParaRPr lang="ro-RO" dirty="0"/>
+          </a:p>
+        </p:txBody>
+      </p:sp>
+      <p:sp>
+        <p:nvSpPr>
+          <p:cNvPr id="17" name="Text Placeholder 16">
+            <a:extLst>
+              <a:ext uri="{FF2B5EF4-FFF2-40B4-BE49-F238E27FC236}">
+                <a16:creationId xmlns:a16="http://schemas.microsoft.com/office/drawing/2014/main" id="{35B5481D-0176-4061-B860-C4FE7FBAF426}"/>
+              </a:ext>
+            </a:extLst>
+          </p:cNvPr>
+          <p:cNvSpPr>
+            <a:spLocks noGrp="1"/>
+          </p:cNvSpPr>
+          <p:nvPr>
+            <p:ph type="body" sz="quarter" idx="3"/>
+          </p:nvPr>
+        </p:nvSpPr>
+        <p:spPr/>
+        <p:txBody>
+          <a:bodyPr/>
+          <a:lstStyle/>
+          <a:p>
+            <a:r>
+              <a:rPr lang="ro-RO" dirty="0"/>
+              <a:t>Problema timp – </a:t>
+            </a:r>
+            <a:br>
+              <a:rPr lang="ro-RO" dirty="0"/>
+            </a:br>
+            <a:r>
+              <a:rPr lang="ro-RO" dirty="0"/>
+              <a:t>căutare binară</a:t>
+            </a:r>
+          </a:p>
+        </p:txBody>
+      </p:sp>
+      <p:sp>
+        <p:nvSpPr>
+          <p:cNvPr id="18" name="Content Placeholder 17">
+            <a:extLst>
+              <a:ext uri="{FF2B5EF4-FFF2-40B4-BE49-F238E27FC236}">
+                <a16:creationId xmlns:a16="http://schemas.microsoft.com/office/drawing/2014/main" id="{30F2D764-C29A-47B3-9E4E-828A1FF33809}"/>
+              </a:ext>
+            </a:extLst>
+          </p:cNvPr>
+          <p:cNvSpPr>
+            <a:spLocks noGrp="1"/>
+          </p:cNvSpPr>
+          <p:nvPr>
+            <p:ph sz="quarter" idx="4"/>
+          </p:nvPr>
+        </p:nvSpPr>
+        <p:spPr/>
+        <p:txBody>
+          <a:bodyPr/>
+          <a:lstStyle/>
+          <a:p>
+            <a:r>
+              <a:rPr lang="ro-RO" dirty="0"/>
+              <a:t>Căutare binară, în funcție de preț</a:t>
+            </a:r>
+          </a:p>
+          <a:p>
+            <a:pPr lvl="1"/>
+            <a:r>
+              <a:rPr lang="ro-RO" dirty="0"/>
+              <a:t>15.000.000 comparări la 50.000.</a:t>
+            </a:r>
+          </a:p>
+          <a:p>
+            <a:r>
+              <a:rPr lang="ro-RO" dirty="0"/>
+              <a:t>Mulțumită chunking-ului, actualizarea utilizatorului despre progres.</a:t>
+            </a:r>
           </a:p>
         </p:txBody>
       </p:sp>
@@ -10272,22 +9681,834 @@
   <p:clrMapOvr>
     <a:masterClrMapping/>
   </p:clrMapOvr>
-  <mc:AlternateContent xmlns:mc="http://schemas.openxmlformats.org/markup-compatibility/2006" xmlns:p14="http://schemas.microsoft.com/office/powerpoint/2010/main">
-    <mc:Choice Requires="p14">
-      <p:transition spd="med" p14:dur="700">
-        <p:fade/>
+  <mc:AlternateContent xmlns:mc="http://schemas.openxmlformats.org/markup-compatibility/2006">
+    <mc:Choice xmlns:p159="http://schemas.microsoft.com/office/powerpoint/2015/09/main" Requires="p159">
+      <p:transition xmlns:p14="http://schemas.microsoft.com/office/powerpoint/2010/main" spd="slow" p14:dur="3000">
+        <p159:morph option="byObject"/>
       </p:transition>
     </mc:Choice>
-    <mc:Fallback xmlns="">
-      <p:transition spd="med">
+    <mc:Fallback>
+      <p:transition spd="slow">
         <p:fade/>
       </p:transition>
     </mc:Fallback>
   </mc:AlternateContent>
+  <p:timing>
+    <p:tnLst>
+      <p:par>
+        <p:cTn id="1" dur="indefinite" restart="never" nodeType="tmRoot">
+          <p:childTnLst>
+            <p:seq concurrent="1" nextAc="seek">
+              <p:cTn id="2" dur="indefinite" nodeType="mainSeq">
+                <p:childTnLst>
+                  <p:par>
+                    <p:cTn id="3" fill="hold">
+                      <p:stCondLst>
+                        <p:cond delay="indefinite"/>
+                      </p:stCondLst>
+                      <p:childTnLst>
+                        <p:par>
+                          <p:cTn id="4" fill="hold">
+                            <p:stCondLst>
+                              <p:cond delay="0"/>
+                            </p:stCondLst>
+                            <p:childTnLst>
+                              <p:par>
+                                <p:cTn id="5" presetID="10" presetClass="entr" presetSubtype="0" fill="hold" grpId="0" nodeType="clickEffect">
+                                  <p:stCondLst>
+                                    <p:cond delay="0"/>
+                                  </p:stCondLst>
+                                  <p:childTnLst>
+                                    <p:set>
+                                      <p:cBhvr>
+                                        <p:cTn id="6" dur="1" fill="hold">
+                                          <p:stCondLst>
+                                            <p:cond delay="0"/>
+                                          </p:stCondLst>
+                                        </p:cTn>
+                                        <p:tgtEl>
+                                          <p:spTgt spid="16">
+                                            <p:txEl>
+                                              <p:pRg st="0" end="0"/>
+                                            </p:txEl>
+                                          </p:spTgt>
+                                        </p:tgtEl>
+                                        <p:attrNameLst>
+                                          <p:attrName>style.visibility</p:attrName>
+                                        </p:attrNameLst>
+                                      </p:cBhvr>
+                                      <p:to>
+                                        <p:strVal val="visible"/>
+                                      </p:to>
+                                    </p:set>
+                                    <p:animEffect transition="in" filter="fade">
+                                      <p:cBhvr>
+                                        <p:cTn id="7" dur="500"/>
+                                        <p:tgtEl>
+                                          <p:spTgt spid="16">
+                                            <p:txEl>
+                                              <p:pRg st="0" end="0"/>
+                                            </p:txEl>
+                                          </p:spTgt>
+                                        </p:tgtEl>
+                                      </p:cBhvr>
+                                    </p:animEffect>
+                                  </p:childTnLst>
+                                </p:cTn>
+                              </p:par>
+                            </p:childTnLst>
+                          </p:cTn>
+                        </p:par>
+                      </p:childTnLst>
+                    </p:cTn>
+                  </p:par>
+                  <p:par>
+                    <p:cTn id="8" fill="hold">
+                      <p:stCondLst>
+                        <p:cond delay="indefinite"/>
+                      </p:stCondLst>
+                      <p:childTnLst>
+                        <p:par>
+                          <p:cTn id="9" fill="hold">
+                            <p:stCondLst>
+                              <p:cond delay="0"/>
+                            </p:stCondLst>
+                            <p:childTnLst>
+                              <p:par>
+                                <p:cTn id="10" presetID="10" presetClass="entr" presetSubtype="0" fill="hold" grpId="0" nodeType="clickEffect">
+                                  <p:stCondLst>
+                                    <p:cond delay="0"/>
+                                  </p:stCondLst>
+                                  <p:childTnLst>
+                                    <p:set>
+                                      <p:cBhvr>
+                                        <p:cTn id="11" dur="1" fill="hold">
+                                          <p:stCondLst>
+                                            <p:cond delay="0"/>
+                                          </p:stCondLst>
+                                        </p:cTn>
+                                        <p:tgtEl>
+                                          <p:spTgt spid="17">
+                                            <p:txEl>
+                                              <p:pRg st="0" end="0"/>
+                                            </p:txEl>
+                                          </p:spTgt>
+                                        </p:tgtEl>
+                                        <p:attrNameLst>
+                                          <p:attrName>style.visibility</p:attrName>
+                                        </p:attrNameLst>
+                                      </p:cBhvr>
+                                      <p:to>
+                                        <p:strVal val="visible"/>
+                                      </p:to>
+                                    </p:set>
+                                    <p:animEffect transition="in" filter="fade">
+                                      <p:cBhvr>
+                                        <p:cTn id="12" dur="500"/>
+                                        <p:tgtEl>
+                                          <p:spTgt spid="17">
+                                            <p:txEl>
+                                              <p:pRg st="0" end="0"/>
+                                            </p:txEl>
+                                          </p:spTgt>
+                                        </p:tgtEl>
+                                      </p:cBhvr>
+                                    </p:animEffect>
+                                  </p:childTnLst>
+                                </p:cTn>
+                              </p:par>
+                            </p:childTnLst>
+                          </p:cTn>
+                        </p:par>
+                      </p:childTnLst>
+                    </p:cTn>
+                  </p:par>
+                  <p:par>
+                    <p:cTn id="13" fill="hold">
+                      <p:stCondLst>
+                        <p:cond delay="indefinite"/>
+                      </p:stCondLst>
+                      <p:childTnLst>
+                        <p:par>
+                          <p:cTn id="14" fill="hold">
+                            <p:stCondLst>
+                              <p:cond delay="0"/>
+                            </p:stCondLst>
+                            <p:childTnLst>
+                              <p:par>
+                                <p:cTn id="15" presetID="53" presetClass="entr" presetSubtype="16" fill="hold" grpId="0" nodeType="clickEffect">
+                                  <p:stCondLst>
+                                    <p:cond delay="0"/>
+                                  </p:stCondLst>
+                                  <p:childTnLst>
+                                    <p:set>
+                                      <p:cBhvr>
+                                        <p:cTn id="16" dur="1" fill="hold">
+                                          <p:stCondLst>
+                                            <p:cond delay="0"/>
+                                          </p:stCondLst>
+                                        </p:cTn>
+                                        <p:tgtEl>
+                                          <p:spTgt spid="12">
+                                            <p:txEl>
+                                              <p:pRg st="0" end="0"/>
+                                            </p:txEl>
+                                          </p:spTgt>
+                                        </p:tgtEl>
+                                        <p:attrNameLst>
+                                          <p:attrName>style.visibility</p:attrName>
+                                        </p:attrNameLst>
+                                      </p:cBhvr>
+                                      <p:to>
+                                        <p:strVal val="visible"/>
+                                      </p:to>
+                                    </p:set>
+                                    <p:anim calcmode="lin" valueType="num">
+                                      <p:cBhvr>
+                                        <p:cTn id="17" dur="500" fill="hold"/>
+                                        <p:tgtEl>
+                                          <p:spTgt spid="12">
+                                            <p:txEl>
+                                              <p:pRg st="0" end="0"/>
+                                            </p:txEl>
+                                          </p:spTgt>
+                                        </p:tgtEl>
+                                        <p:attrNameLst>
+                                          <p:attrName>ppt_w</p:attrName>
+                                        </p:attrNameLst>
+                                      </p:cBhvr>
+                                      <p:tavLst>
+                                        <p:tav tm="0">
+                                          <p:val>
+                                            <p:fltVal val="0"/>
+                                          </p:val>
+                                        </p:tav>
+                                        <p:tav tm="100000">
+                                          <p:val>
+                                            <p:strVal val="#ppt_w"/>
+                                          </p:val>
+                                        </p:tav>
+                                      </p:tavLst>
+                                    </p:anim>
+                                    <p:anim calcmode="lin" valueType="num">
+                                      <p:cBhvr>
+                                        <p:cTn id="18" dur="500" fill="hold"/>
+                                        <p:tgtEl>
+                                          <p:spTgt spid="12">
+                                            <p:txEl>
+                                              <p:pRg st="0" end="0"/>
+                                            </p:txEl>
+                                          </p:spTgt>
+                                        </p:tgtEl>
+                                        <p:attrNameLst>
+                                          <p:attrName>ppt_h</p:attrName>
+                                        </p:attrNameLst>
+                                      </p:cBhvr>
+                                      <p:tavLst>
+                                        <p:tav tm="0">
+                                          <p:val>
+                                            <p:fltVal val="0"/>
+                                          </p:val>
+                                        </p:tav>
+                                        <p:tav tm="100000">
+                                          <p:val>
+                                            <p:strVal val="#ppt_h"/>
+                                          </p:val>
+                                        </p:tav>
+                                      </p:tavLst>
+                                    </p:anim>
+                                    <p:animEffect transition="in" filter="fade">
+                                      <p:cBhvr>
+                                        <p:cTn id="19" dur="500"/>
+                                        <p:tgtEl>
+                                          <p:spTgt spid="12">
+                                            <p:txEl>
+                                              <p:pRg st="0" end="0"/>
+                                            </p:txEl>
+                                          </p:spTgt>
+                                        </p:tgtEl>
+                                      </p:cBhvr>
+                                    </p:animEffect>
+                                  </p:childTnLst>
+                                </p:cTn>
+                              </p:par>
+                            </p:childTnLst>
+                          </p:cTn>
+                        </p:par>
+                        <p:par>
+                          <p:cTn id="20" fill="hold">
+                            <p:stCondLst>
+                              <p:cond delay="500"/>
+                            </p:stCondLst>
+                            <p:childTnLst>
+                              <p:par>
+                                <p:cTn id="21" presetID="53" presetClass="entr" presetSubtype="16" fill="hold" grpId="0" nodeType="afterEffect">
+                                  <p:stCondLst>
+                                    <p:cond delay="0"/>
+                                  </p:stCondLst>
+                                  <p:childTnLst>
+                                    <p:set>
+                                      <p:cBhvr>
+                                        <p:cTn id="22" dur="1" fill="hold">
+                                          <p:stCondLst>
+                                            <p:cond delay="0"/>
+                                          </p:stCondLst>
+                                        </p:cTn>
+                                        <p:tgtEl>
+                                          <p:spTgt spid="12">
+                                            <p:txEl>
+                                              <p:pRg st="1" end="1"/>
+                                            </p:txEl>
+                                          </p:spTgt>
+                                        </p:tgtEl>
+                                        <p:attrNameLst>
+                                          <p:attrName>style.visibility</p:attrName>
+                                        </p:attrNameLst>
+                                      </p:cBhvr>
+                                      <p:to>
+                                        <p:strVal val="visible"/>
+                                      </p:to>
+                                    </p:set>
+                                    <p:anim calcmode="lin" valueType="num">
+                                      <p:cBhvr>
+                                        <p:cTn id="23" dur="500" fill="hold"/>
+                                        <p:tgtEl>
+                                          <p:spTgt spid="12">
+                                            <p:txEl>
+                                              <p:pRg st="1" end="1"/>
+                                            </p:txEl>
+                                          </p:spTgt>
+                                        </p:tgtEl>
+                                        <p:attrNameLst>
+                                          <p:attrName>ppt_w</p:attrName>
+                                        </p:attrNameLst>
+                                      </p:cBhvr>
+                                      <p:tavLst>
+                                        <p:tav tm="0">
+                                          <p:val>
+                                            <p:fltVal val="0"/>
+                                          </p:val>
+                                        </p:tav>
+                                        <p:tav tm="100000">
+                                          <p:val>
+                                            <p:strVal val="#ppt_w"/>
+                                          </p:val>
+                                        </p:tav>
+                                      </p:tavLst>
+                                    </p:anim>
+                                    <p:anim calcmode="lin" valueType="num">
+                                      <p:cBhvr>
+                                        <p:cTn id="24" dur="500" fill="hold"/>
+                                        <p:tgtEl>
+                                          <p:spTgt spid="12">
+                                            <p:txEl>
+                                              <p:pRg st="1" end="1"/>
+                                            </p:txEl>
+                                          </p:spTgt>
+                                        </p:tgtEl>
+                                        <p:attrNameLst>
+                                          <p:attrName>ppt_h</p:attrName>
+                                        </p:attrNameLst>
+                                      </p:cBhvr>
+                                      <p:tavLst>
+                                        <p:tav tm="0">
+                                          <p:val>
+                                            <p:fltVal val="0"/>
+                                          </p:val>
+                                        </p:tav>
+                                        <p:tav tm="100000">
+                                          <p:val>
+                                            <p:strVal val="#ppt_h"/>
+                                          </p:val>
+                                        </p:tav>
+                                      </p:tavLst>
+                                    </p:anim>
+                                    <p:animEffect transition="in" filter="fade">
+                                      <p:cBhvr>
+                                        <p:cTn id="25" dur="500"/>
+                                        <p:tgtEl>
+                                          <p:spTgt spid="12">
+                                            <p:txEl>
+                                              <p:pRg st="1" end="1"/>
+                                            </p:txEl>
+                                          </p:spTgt>
+                                        </p:tgtEl>
+                                      </p:cBhvr>
+                                    </p:animEffect>
+                                  </p:childTnLst>
+                                </p:cTn>
+                              </p:par>
+                            </p:childTnLst>
+                          </p:cTn>
+                        </p:par>
+                        <p:par>
+                          <p:cTn id="26" fill="hold">
+                            <p:stCondLst>
+                              <p:cond delay="1000"/>
+                            </p:stCondLst>
+                            <p:childTnLst>
+                              <p:par>
+                                <p:cTn id="27" presetID="53" presetClass="entr" presetSubtype="16" fill="hold" grpId="0" nodeType="afterEffect">
+                                  <p:stCondLst>
+                                    <p:cond delay="0"/>
+                                  </p:stCondLst>
+                                  <p:childTnLst>
+                                    <p:set>
+                                      <p:cBhvr>
+                                        <p:cTn id="28" dur="1" fill="hold">
+                                          <p:stCondLst>
+                                            <p:cond delay="0"/>
+                                          </p:stCondLst>
+                                        </p:cTn>
+                                        <p:tgtEl>
+                                          <p:spTgt spid="12">
+                                            <p:txEl>
+                                              <p:pRg st="2" end="2"/>
+                                            </p:txEl>
+                                          </p:spTgt>
+                                        </p:tgtEl>
+                                        <p:attrNameLst>
+                                          <p:attrName>style.visibility</p:attrName>
+                                        </p:attrNameLst>
+                                      </p:cBhvr>
+                                      <p:to>
+                                        <p:strVal val="visible"/>
+                                      </p:to>
+                                    </p:set>
+                                    <p:anim calcmode="lin" valueType="num">
+                                      <p:cBhvr>
+                                        <p:cTn id="29" dur="500" fill="hold"/>
+                                        <p:tgtEl>
+                                          <p:spTgt spid="12">
+                                            <p:txEl>
+                                              <p:pRg st="2" end="2"/>
+                                            </p:txEl>
+                                          </p:spTgt>
+                                        </p:tgtEl>
+                                        <p:attrNameLst>
+                                          <p:attrName>ppt_w</p:attrName>
+                                        </p:attrNameLst>
+                                      </p:cBhvr>
+                                      <p:tavLst>
+                                        <p:tav tm="0">
+                                          <p:val>
+                                            <p:fltVal val="0"/>
+                                          </p:val>
+                                        </p:tav>
+                                        <p:tav tm="100000">
+                                          <p:val>
+                                            <p:strVal val="#ppt_w"/>
+                                          </p:val>
+                                        </p:tav>
+                                      </p:tavLst>
+                                    </p:anim>
+                                    <p:anim calcmode="lin" valueType="num">
+                                      <p:cBhvr>
+                                        <p:cTn id="30" dur="500" fill="hold"/>
+                                        <p:tgtEl>
+                                          <p:spTgt spid="12">
+                                            <p:txEl>
+                                              <p:pRg st="2" end="2"/>
+                                            </p:txEl>
+                                          </p:spTgt>
+                                        </p:tgtEl>
+                                        <p:attrNameLst>
+                                          <p:attrName>ppt_h</p:attrName>
+                                        </p:attrNameLst>
+                                      </p:cBhvr>
+                                      <p:tavLst>
+                                        <p:tav tm="0">
+                                          <p:val>
+                                            <p:fltVal val="0"/>
+                                          </p:val>
+                                        </p:tav>
+                                        <p:tav tm="100000">
+                                          <p:val>
+                                            <p:strVal val="#ppt_h"/>
+                                          </p:val>
+                                        </p:tav>
+                                      </p:tavLst>
+                                    </p:anim>
+                                    <p:animEffect transition="in" filter="fade">
+                                      <p:cBhvr>
+                                        <p:cTn id="31" dur="500"/>
+                                        <p:tgtEl>
+                                          <p:spTgt spid="12">
+                                            <p:txEl>
+                                              <p:pRg st="2" end="2"/>
+                                            </p:txEl>
+                                          </p:spTgt>
+                                        </p:tgtEl>
+                                      </p:cBhvr>
+                                    </p:animEffect>
+                                  </p:childTnLst>
+                                </p:cTn>
+                              </p:par>
+                            </p:childTnLst>
+                          </p:cTn>
+                        </p:par>
+                      </p:childTnLst>
+                    </p:cTn>
+                  </p:par>
+                  <p:par>
+                    <p:cTn id="32" fill="hold">
+                      <p:stCondLst>
+                        <p:cond delay="indefinite"/>
+                      </p:stCondLst>
+                      <p:childTnLst>
+                        <p:par>
+                          <p:cTn id="33" fill="hold">
+                            <p:stCondLst>
+                              <p:cond delay="0"/>
+                            </p:stCondLst>
+                            <p:childTnLst>
+                              <p:par>
+                                <p:cTn id="34" presetID="53" presetClass="entr" presetSubtype="16" fill="hold" grpId="0" nodeType="clickEffect">
+                                  <p:stCondLst>
+                                    <p:cond delay="0"/>
+                                  </p:stCondLst>
+                                  <p:childTnLst>
+                                    <p:set>
+                                      <p:cBhvr>
+                                        <p:cTn id="35" dur="1" fill="hold">
+                                          <p:stCondLst>
+                                            <p:cond delay="0"/>
+                                          </p:stCondLst>
+                                        </p:cTn>
+                                        <p:tgtEl>
+                                          <p:spTgt spid="18">
+                                            <p:txEl>
+                                              <p:pRg st="0" end="0"/>
+                                            </p:txEl>
+                                          </p:spTgt>
+                                        </p:tgtEl>
+                                        <p:attrNameLst>
+                                          <p:attrName>style.visibility</p:attrName>
+                                        </p:attrNameLst>
+                                      </p:cBhvr>
+                                      <p:to>
+                                        <p:strVal val="visible"/>
+                                      </p:to>
+                                    </p:set>
+                                    <p:anim calcmode="lin" valueType="num">
+                                      <p:cBhvr>
+                                        <p:cTn id="36" dur="500" fill="hold"/>
+                                        <p:tgtEl>
+                                          <p:spTgt spid="18">
+                                            <p:txEl>
+                                              <p:pRg st="0" end="0"/>
+                                            </p:txEl>
+                                          </p:spTgt>
+                                        </p:tgtEl>
+                                        <p:attrNameLst>
+                                          <p:attrName>ppt_w</p:attrName>
+                                        </p:attrNameLst>
+                                      </p:cBhvr>
+                                      <p:tavLst>
+                                        <p:tav tm="0">
+                                          <p:val>
+                                            <p:fltVal val="0"/>
+                                          </p:val>
+                                        </p:tav>
+                                        <p:tav tm="100000">
+                                          <p:val>
+                                            <p:strVal val="#ppt_w"/>
+                                          </p:val>
+                                        </p:tav>
+                                      </p:tavLst>
+                                    </p:anim>
+                                    <p:anim calcmode="lin" valueType="num">
+                                      <p:cBhvr>
+                                        <p:cTn id="37" dur="500" fill="hold"/>
+                                        <p:tgtEl>
+                                          <p:spTgt spid="18">
+                                            <p:txEl>
+                                              <p:pRg st="0" end="0"/>
+                                            </p:txEl>
+                                          </p:spTgt>
+                                        </p:tgtEl>
+                                        <p:attrNameLst>
+                                          <p:attrName>ppt_h</p:attrName>
+                                        </p:attrNameLst>
+                                      </p:cBhvr>
+                                      <p:tavLst>
+                                        <p:tav tm="0">
+                                          <p:val>
+                                            <p:fltVal val="0"/>
+                                          </p:val>
+                                        </p:tav>
+                                        <p:tav tm="100000">
+                                          <p:val>
+                                            <p:strVal val="#ppt_h"/>
+                                          </p:val>
+                                        </p:tav>
+                                      </p:tavLst>
+                                    </p:anim>
+                                    <p:animEffect transition="in" filter="fade">
+                                      <p:cBhvr>
+                                        <p:cTn id="38" dur="500"/>
+                                        <p:tgtEl>
+                                          <p:spTgt spid="18">
+                                            <p:txEl>
+                                              <p:pRg st="0" end="0"/>
+                                            </p:txEl>
+                                          </p:spTgt>
+                                        </p:tgtEl>
+                                      </p:cBhvr>
+                                    </p:animEffect>
+                                  </p:childTnLst>
+                                </p:cTn>
+                              </p:par>
+                            </p:childTnLst>
+                          </p:cTn>
+                        </p:par>
+                        <p:par>
+                          <p:cTn id="39" fill="hold">
+                            <p:stCondLst>
+                              <p:cond delay="500"/>
+                            </p:stCondLst>
+                            <p:childTnLst>
+                              <p:par>
+                                <p:cTn id="40" presetID="53" presetClass="entr" presetSubtype="16" fill="hold" grpId="0" nodeType="afterEffect">
+                                  <p:stCondLst>
+                                    <p:cond delay="0"/>
+                                  </p:stCondLst>
+                                  <p:childTnLst>
+                                    <p:set>
+                                      <p:cBhvr>
+                                        <p:cTn id="41" dur="1" fill="hold">
+                                          <p:stCondLst>
+                                            <p:cond delay="0"/>
+                                          </p:stCondLst>
+                                        </p:cTn>
+                                        <p:tgtEl>
+                                          <p:spTgt spid="18">
+                                            <p:txEl>
+                                              <p:pRg st="1" end="1"/>
+                                            </p:txEl>
+                                          </p:spTgt>
+                                        </p:tgtEl>
+                                        <p:attrNameLst>
+                                          <p:attrName>style.visibility</p:attrName>
+                                        </p:attrNameLst>
+                                      </p:cBhvr>
+                                      <p:to>
+                                        <p:strVal val="visible"/>
+                                      </p:to>
+                                    </p:set>
+                                    <p:anim calcmode="lin" valueType="num">
+                                      <p:cBhvr>
+                                        <p:cTn id="42" dur="500" fill="hold"/>
+                                        <p:tgtEl>
+                                          <p:spTgt spid="18">
+                                            <p:txEl>
+                                              <p:pRg st="1" end="1"/>
+                                            </p:txEl>
+                                          </p:spTgt>
+                                        </p:tgtEl>
+                                        <p:attrNameLst>
+                                          <p:attrName>ppt_w</p:attrName>
+                                        </p:attrNameLst>
+                                      </p:cBhvr>
+                                      <p:tavLst>
+                                        <p:tav tm="0">
+                                          <p:val>
+                                            <p:fltVal val="0"/>
+                                          </p:val>
+                                        </p:tav>
+                                        <p:tav tm="100000">
+                                          <p:val>
+                                            <p:strVal val="#ppt_w"/>
+                                          </p:val>
+                                        </p:tav>
+                                      </p:tavLst>
+                                    </p:anim>
+                                    <p:anim calcmode="lin" valueType="num">
+                                      <p:cBhvr>
+                                        <p:cTn id="43" dur="500" fill="hold"/>
+                                        <p:tgtEl>
+                                          <p:spTgt spid="18">
+                                            <p:txEl>
+                                              <p:pRg st="1" end="1"/>
+                                            </p:txEl>
+                                          </p:spTgt>
+                                        </p:tgtEl>
+                                        <p:attrNameLst>
+                                          <p:attrName>ppt_h</p:attrName>
+                                        </p:attrNameLst>
+                                      </p:cBhvr>
+                                      <p:tavLst>
+                                        <p:tav tm="0">
+                                          <p:val>
+                                            <p:fltVal val="0"/>
+                                          </p:val>
+                                        </p:tav>
+                                        <p:tav tm="100000">
+                                          <p:val>
+                                            <p:strVal val="#ppt_h"/>
+                                          </p:val>
+                                        </p:tav>
+                                      </p:tavLst>
+                                    </p:anim>
+                                    <p:animEffect transition="in" filter="fade">
+                                      <p:cBhvr>
+                                        <p:cTn id="44" dur="500"/>
+                                        <p:tgtEl>
+                                          <p:spTgt spid="18">
+                                            <p:txEl>
+                                              <p:pRg st="1" end="1"/>
+                                            </p:txEl>
+                                          </p:spTgt>
+                                        </p:tgtEl>
+                                      </p:cBhvr>
+                                    </p:animEffect>
+                                  </p:childTnLst>
+                                </p:cTn>
+                              </p:par>
+                            </p:childTnLst>
+                          </p:cTn>
+                        </p:par>
+                        <p:par>
+                          <p:cTn id="45" fill="hold">
+                            <p:stCondLst>
+                              <p:cond delay="1000"/>
+                            </p:stCondLst>
+                            <p:childTnLst>
+                              <p:par>
+                                <p:cTn id="46" presetID="53" presetClass="entr" presetSubtype="16" fill="hold" grpId="0" nodeType="afterEffect">
+                                  <p:stCondLst>
+                                    <p:cond delay="0"/>
+                                  </p:stCondLst>
+                                  <p:childTnLst>
+                                    <p:set>
+                                      <p:cBhvr>
+                                        <p:cTn id="47" dur="1" fill="hold">
+                                          <p:stCondLst>
+                                            <p:cond delay="0"/>
+                                          </p:stCondLst>
+                                        </p:cTn>
+                                        <p:tgtEl>
+                                          <p:spTgt spid="18">
+                                            <p:txEl>
+                                              <p:pRg st="2" end="2"/>
+                                            </p:txEl>
+                                          </p:spTgt>
+                                        </p:tgtEl>
+                                        <p:attrNameLst>
+                                          <p:attrName>style.visibility</p:attrName>
+                                        </p:attrNameLst>
+                                      </p:cBhvr>
+                                      <p:to>
+                                        <p:strVal val="visible"/>
+                                      </p:to>
+                                    </p:set>
+                                    <p:anim calcmode="lin" valueType="num">
+                                      <p:cBhvr>
+                                        <p:cTn id="48" dur="500" fill="hold"/>
+                                        <p:tgtEl>
+                                          <p:spTgt spid="18">
+                                            <p:txEl>
+                                              <p:pRg st="2" end="2"/>
+                                            </p:txEl>
+                                          </p:spTgt>
+                                        </p:tgtEl>
+                                        <p:attrNameLst>
+                                          <p:attrName>ppt_w</p:attrName>
+                                        </p:attrNameLst>
+                                      </p:cBhvr>
+                                      <p:tavLst>
+                                        <p:tav tm="0">
+                                          <p:val>
+                                            <p:fltVal val="0"/>
+                                          </p:val>
+                                        </p:tav>
+                                        <p:tav tm="100000">
+                                          <p:val>
+                                            <p:strVal val="#ppt_w"/>
+                                          </p:val>
+                                        </p:tav>
+                                      </p:tavLst>
+                                    </p:anim>
+                                    <p:anim calcmode="lin" valueType="num">
+                                      <p:cBhvr>
+                                        <p:cTn id="49" dur="500" fill="hold"/>
+                                        <p:tgtEl>
+                                          <p:spTgt spid="18">
+                                            <p:txEl>
+                                              <p:pRg st="2" end="2"/>
+                                            </p:txEl>
+                                          </p:spTgt>
+                                        </p:tgtEl>
+                                        <p:attrNameLst>
+                                          <p:attrName>ppt_h</p:attrName>
+                                        </p:attrNameLst>
+                                      </p:cBhvr>
+                                      <p:tavLst>
+                                        <p:tav tm="0">
+                                          <p:val>
+                                            <p:fltVal val="0"/>
+                                          </p:val>
+                                        </p:tav>
+                                        <p:tav tm="100000">
+                                          <p:val>
+                                            <p:strVal val="#ppt_h"/>
+                                          </p:val>
+                                        </p:tav>
+                                      </p:tavLst>
+                                    </p:anim>
+                                    <p:animEffect transition="in" filter="fade">
+                                      <p:cBhvr>
+                                        <p:cTn id="50" dur="500"/>
+                                        <p:tgtEl>
+                                          <p:spTgt spid="18">
+                                            <p:txEl>
+                                              <p:pRg st="2" end="2"/>
+                                            </p:txEl>
+                                          </p:spTgt>
+                                        </p:tgtEl>
+                                      </p:cBhvr>
+                                    </p:animEffect>
+                                  </p:childTnLst>
+                                </p:cTn>
+                              </p:par>
+                            </p:childTnLst>
+                          </p:cTn>
+                        </p:par>
+                      </p:childTnLst>
+                    </p:cTn>
+                  </p:par>
+                </p:childTnLst>
+              </p:cTn>
+              <p:prevCondLst>
+                <p:cond evt="onPrev" delay="0">
+                  <p:tgtEl>
+                    <p:sldTgt/>
+                  </p:tgtEl>
+                </p:cond>
+              </p:prevCondLst>
+              <p:nextCondLst>
+                <p:cond evt="onNext" delay="0">
+                  <p:tgtEl>
+                    <p:sldTgt/>
+                  </p:tgtEl>
+                </p:cond>
+              </p:nextCondLst>
+            </p:seq>
+          </p:childTnLst>
+        </p:cTn>
+      </p:par>
+    </p:tnLst>
+    <p:bldLst>
+      <p:bldP spid="16" grpId="0" build="p"/>
+      <p:bldP spid="12" grpId="0" uiExpand="1" build="p"/>
+      <p:bldP spid="17" grpId="0" build="p"/>
+      <p:bldP spid="18" grpId="0" uiExpand="1" build="p"/>
+    </p:bldLst>
+  </p:timing>
 </p:sld>
 </file>
 
-<file path=ppt/slides/slide11.xml><?xml version="1.0" encoding="utf-8"?>
+<file path=ppt/slides/slide12.xml><?xml version="1.0" encoding="utf-8"?>
 <p:sld xmlns:a="http://schemas.openxmlformats.org/drawingml/2006/main" xmlns:r="http://schemas.openxmlformats.org/officeDocument/2006/relationships" xmlns:p="http://schemas.openxmlformats.org/presentationml/2006/main">
   <p:cSld>
     <p:spTree>
@@ -10320,9 +10541,22 @@
           <a:lstStyle/>
           <a:p>
             <a:r>
-              <a:rPr lang="en-US" dirty="0"/>
-              <a:t>Add a Slide Title - 5</a:t>
+              <a:rPr lang="ro-RO" dirty="0">
+                <a:effectLst>
+                  <a:outerShdw blurRad="50800" dist="38100" dir="2700000" algn="tl" rotWithShape="0">
+                    <a:prstClr val="black">
+                      <a:alpha val="40000"/>
+                    </a:prstClr>
+                  </a:outerShdw>
+                </a:effectLst>
+              </a:rPr>
+              <a:t>Direcții</a:t>
             </a:r>
+            <a:r>
+              <a:rPr lang="ro-RO" dirty="0"/>
+              <a:t> viitoare</a:t>
+            </a:r>
+            <a:endParaRPr lang="en-US" dirty="0"/>
           </a:p>
         </p:txBody>
       </p:sp>
@@ -10341,21 +10575,70 @@
           <a:bodyPr/>
           <a:lstStyle/>
           <a:p>
+            <a:r>
+              <a:rPr lang="ro-RO" dirty="0"/>
+              <a:t>Din partea companiei și nu numai.</a:t>
+            </a:r>
             <a:endParaRPr lang="en-US" dirty="0"/>
           </a:p>
         </p:txBody>
       </p:sp>
       <p:sp>
         <p:nvSpPr>
-          <p:cNvPr id="6" name="Picture Placeholder 5" descr="An empty placeholder to add an image. Click on the placeholder and select the image that you wish to add."/>
+          <p:cNvPr id="2" name="Content Placeholder 1">
+            <a:extLst>
+              <a:ext uri="{FF2B5EF4-FFF2-40B4-BE49-F238E27FC236}">
+                <a16:creationId xmlns:a16="http://schemas.microsoft.com/office/drawing/2014/main" id="{BDCC180D-08C3-4E3D-8BE8-B1C47DDC5913}"/>
+              </a:ext>
+            </a:extLst>
+          </p:cNvPr>
           <p:cNvSpPr>
             <a:spLocks noGrp="1"/>
           </p:cNvSpPr>
           <p:nvPr>
-            <p:ph type="pic" idx="1"/>
+            <p:ph idx="1"/>
           </p:nvPr>
         </p:nvSpPr>
-        <p:spPr/>
+        <p:spPr>
+          <a:xfrm>
+            <a:off x="5484971" y="1701800"/>
+            <a:ext cx="6094413" cy="2946400"/>
+          </a:xfrm>
+        </p:spPr>
+        <p:txBody>
+          <a:bodyPr/>
+          <a:lstStyle/>
+          <a:p>
+            <a:r>
+              <a:rPr lang="ro-RO" dirty="0"/>
+              <a:t>Sistem modular de rapoarte</a:t>
+            </a:r>
+          </a:p>
+          <a:p>
+            <a:r>
+              <a:rPr lang="ro-RO" dirty="0"/>
+              <a:t>Teste automate</a:t>
+            </a:r>
+          </a:p>
+          <a:p>
+            <a:r>
+              <a:rPr lang="ro-RO" dirty="0"/>
+              <a:t>Salvarea automată a backup-ului.</a:t>
+            </a:r>
+          </a:p>
+          <a:p>
+            <a:r>
+              <a:rPr lang="ro-RO" dirty="0"/>
+              <a:t>Introducerea câmpului de factură în decizie</a:t>
+            </a:r>
+          </a:p>
+          <a:p>
+            <a:endParaRPr lang="ro-RO" dirty="0"/>
+          </a:p>
+          <a:p>
+            <a:endParaRPr lang="ro-RO" dirty="0"/>
+          </a:p>
+        </p:txBody>
       </p:sp>
     </p:spTree>
     <p:extLst>
@@ -10367,14 +10650,14 @@
   <p:clrMapOvr>
     <a:masterClrMapping/>
   </p:clrMapOvr>
-  <mc:AlternateContent xmlns:mc="http://schemas.openxmlformats.org/markup-compatibility/2006" xmlns:p14="http://schemas.microsoft.com/office/powerpoint/2010/main">
-    <mc:Choice Requires="p14">
-      <p:transition spd="med" p14:dur="700">
-        <p:fade/>
+  <mc:AlternateContent xmlns:mc="http://schemas.openxmlformats.org/markup-compatibility/2006">
+    <mc:Choice xmlns:p14="http://schemas.microsoft.com/office/powerpoint/2010/main" Requires="p14">
+      <p:transition spd="slow" p14:dur="3000">
+        <p14:reveal/>
       </p:transition>
     </mc:Choice>
-    <mc:Fallback xmlns="">
-      <p:transition spd="med">
+    <mc:Fallback>
+      <p:transition spd="slow">
         <p:fade/>
       </p:transition>
     </mc:Fallback>
@@ -10445,13 +10728,13 @@
           <a:p>
             <a:r>
               <a:rPr lang="ro-RO" dirty="0"/>
-              <a:t>Interfață de administrare</a:t>
+              <a:t>Interfață de administrare.</a:t>
             </a:r>
           </a:p>
           <a:p>
             <a:r>
-              <a:rPr lang="ro-RO"/>
-              <a:t>Transparență în administrare</a:t>
+              <a:rPr lang="ro-RO" dirty="0"/>
+              <a:t>Transparență utilizator-client.</a:t>
             </a:r>
             <a:endParaRPr lang="en-US" dirty="0"/>
           </a:p>
@@ -10467,14 +10750,14 @@
   <p:clrMapOvr>
     <a:masterClrMapping/>
   </p:clrMapOvr>
-  <mc:AlternateContent xmlns:mc="http://schemas.openxmlformats.org/markup-compatibility/2006" xmlns:p14="http://schemas.microsoft.com/office/powerpoint/2010/main">
-    <mc:Choice Requires="p14">
-      <p:transition spd="med" p14:dur="700">
-        <p:fade/>
+  <mc:AlternateContent xmlns:mc="http://schemas.openxmlformats.org/markup-compatibility/2006">
+    <mc:Choice xmlns:p14="http://schemas.microsoft.com/office/powerpoint/2010/main" Requires="p14">
+      <p:transition spd="slow" p14:dur="3000">
+        <p14:reveal/>
       </p:transition>
     </mc:Choice>
-    <mc:Fallback xmlns="">
-      <p:transition spd="med">
+    <mc:Fallback>
+      <p:transition spd="slow">
         <p:fade/>
       </p:transition>
     </mc:Fallback>
@@ -10501,7 +10784,7 @@
       </p:grpSpPr>
       <p:sp>
         <p:nvSpPr>
-          <p:cNvPr id="7" name="Title 6"/>
+          <p:cNvPr id="13" name="Title 12"/>
           <p:cNvSpPr>
             <a:spLocks noGrp="1"/>
           </p:cNvSpPr>
@@ -10515,56 +10798,75 @@
           <a:lstStyle/>
           <a:p>
             <a:r>
-              <a:rPr lang="en-US" dirty="0"/>
-              <a:t>Title and Content Layout with Chart</a:t>
+              <a:rPr lang="ro-RO" dirty="0"/>
+              <a:t>Motivație</a:t>
             </a:r>
+            <a:endParaRPr lang="en-US" dirty="0"/>
           </a:p>
         </p:txBody>
       </p:sp>
-      <p:graphicFrame>
-        <p:nvGraphicFramePr>
-          <p:cNvPr id="9" name="Content Placeholder 8" descr="Clustered column chart showing the values of 3 series for 4 categories"/>
-          <p:cNvGraphicFramePr>
-            <a:graphicFrameLocks noGrp="1"/>
-          </p:cNvGraphicFramePr>
+      <p:sp>
+        <p:nvSpPr>
+          <p:cNvPr id="14" name="Content Placeholder 13"/>
+          <p:cNvSpPr>
+            <a:spLocks noGrp="1"/>
+          </p:cNvSpPr>
           <p:nvPr>
             <p:ph idx="1"/>
-            <p:extLst>
-              <p:ext uri="{D42A27DB-BD31-4B8C-83A1-F6EECF244321}">
-                <p14:modId xmlns:p14="http://schemas.microsoft.com/office/powerpoint/2010/main" val="2424724130"/>
-              </p:ext>
-            </p:extLst>
           </p:nvPr>
-        </p:nvGraphicFramePr>
-        <p:xfrm>
-          <a:off x="1219200" y="1701800"/>
-          <a:ext cx="10360025" cy="4462463"/>
-        </p:xfrm>
-        <a:graphic>
-          <a:graphicData uri="http://schemas.openxmlformats.org/drawingml/2006/chart">
-            <c:chart xmlns:c="http://schemas.openxmlformats.org/drawingml/2006/chart" xmlns:r="http://schemas.openxmlformats.org/officeDocument/2006/relationships" r:id="rId2"/>
-          </a:graphicData>
-        </a:graphic>
-      </p:graphicFrame>
+        </p:nvSpPr>
+        <p:spPr/>
+        <p:txBody>
+          <a:bodyPr/>
+          <a:lstStyle/>
+          <a:p>
+            <a:r>
+              <a:rPr lang="ro-RO" dirty="0"/>
+              <a:t>Sistem anterior bazat pe Excel – prea flexibil.</a:t>
+            </a:r>
+          </a:p>
+          <a:p>
+            <a:r>
+              <a:rPr lang="ro-RO" dirty="0"/>
+              <a:t>Posibilitatea automatizării.</a:t>
+            </a:r>
+          </a:p>
+          <a:p>
+            <a:r>
+              <a:rPr lang="ro-RO" dirty="0"/>
+              <a:t>Impunerea unei structuri rigide.</a:t>
+            </a:r>
+          </a:p>
+          <a:p>
+            <a:r>
+              <a:rPr lang="ro-RO" dirty="0"/>
+              <a:t>Soluție cloud de salvare a datelor.</a:t>
+            </a:r>
+          </a:p>
+          <a:p>
+            <a:endParaRPr lang="en-US" dirty="0"/>
+          </a:p>
+        </p:txBody>
+      </p:sp>
     </p:spTree>
     <p:extLst>
       <p:ext uri="{BB962C8B-B14F-4D97-AF65-F5344CB8AC3E}">
-        <p14:creationId xmlns:p14="http://schemas.microsoft.com/office/powerpoint/2010/main" val="1484811712"/>
+        <p14:creationId xmlns:p14="http://schemas.microsoft.com/office/powerpoint/2010/main" val="1571238073"/>
       </p:ext>
     </p:extLst>
   </p:cSld>
   <p:clrMapOvr>
     <a:masterClrMapping/>
   </p:clrMapOvr>
-  <mc:AlternateContent xmlns:mc="http://schemas.openxmlformats.org/markup-compatibility/2006" xmlns:p14="http://schemas.microsoft.com/office/powerpoint/2010/main">
-    <mc:Choice Requires="p14">
-      <p:transition spd="med" p14:dur="700">
-        <p:fade/>
+  <mc:AlternateContent xmlns:mc="http://schemas.openxmlformats.org/markup-compatibility/2006">
+    <mc:Choice xmlns:p14="http://schemas.microsoft.com/office/powerpoint/2010/main" Requires="p14">
+      <p:transition spd="slow" p14:dur="3000">
+        <p:push dir="u"/>
       </p:transition>
     </mc:Choice>
-    <mc:Fallback xmlns="">
-      <p:transition spd="med">
-        <p:fade/>
+    <mc:Fallback>
+      <p:transition spd="slow">
+        <p:push dir="u"/>
       </p:transition>
     </mc:Fallback>
   </mc:AlternateContent>
@@ -10604,9 +10906,10 @@
           <a:lstStyle/>
           <a:p>
             <a:r>
-              <a:rPr lang="en-US" dirty="0"/>
-              <a:t>Two Content Layout with Table</a:t>
+              <a:rPr lang="ro-RO" dirty="0"/>
+              <a:t>Funcționalitătile aplicației</a:t>
             </a:r>
+            <a:endParaRPr lang="en-US" dirty="0"/>
           </a:p>
         </p:txBody>
       </p:sp>
@@ -10626,374 +10929,27 @@
           <a:lstStyle/>
           <a:p>
             <a:r>
-              <a:rPr lang="en-US" dirty="0"/>
-              <a:t>First bullet point here</a:t>
+              <a:rPr lang="ro-RO" dirty="0"/>
+              <a:t>Gestionarea clienților.</a:t>
             </a:r>
           </a:p>
           <a:p>
             <a:r>
-              <a:rPr lang="en-US" dirty="0"/>
-              <a:t>Second bullet point here</a:t>
+              <a:rPr lang="ro-RO" dirty="0"/>
+              <a:t>Gestionarea asigurărilor.</a:t>
             </a:r>
+            <a:endParaRPr lang="en-US" dirty="0"/>
           </a:p>
           <a:p>
             <a:r>
-              <a:rPr lang="en-US" dirty="0"/>
-              <a:t>Third bullet point here</a:t>
+              <a:rPr lang="ro-RO" dirty="0"/>
+              <a:t>Centralizare informațiilor.</a:t>
             </a:r>
           </a:p>
-        </p:txBody>
-      </p:sp>
-      <p:graphicFrame>
-        <p:nvGraphicFramePr>
-          <p:cNvPr id="5" name="Content Placeholder 4"/>
-          <p:cNvGraphicFramePr>
-            <a:graphicFrameLocks noGrp="1"/>
-          </p:cNvGraphicFramePr>
-          <p:nvPr>
-            <p:ph sz="half" idx="2"/>
-            <p:extLst>
-              <p:ext uri="{D42A27DB-BD31-4B8C-83A1-F6EECF244321}">
-                <p14:modId xmlns:p14="http://schemas.microsoft.com/office/powerpoint/2010/main" val="1580206012"/>
-              </p:ext>
-            </p:extLst>
-          </p:nvPr>
-        </p:nvGraphicFramePr>
-        <p:xfrm>
-          <a:off x="6500813" y="1706563"/>
-          <a:ext cx="5078412" cy="2255836"/>
-        </p:xfrm>
-        <a:graphic>
-          <a:graphicData uri="http://schemas.openxmlformats.org/drawingml/2006/table">
-            <a:tbl>
-              <a:tblPr firstRow="1" bandRow="1">
-                <a:tableStyleId>{5C22544A-7EE6-4342-B048-85BDC9FD1C3A}</a:tableStyleId>
-              </a:tblPr>
-              <a:tblGrid>
-                <a:gridCol w="1692804">
-                  <a:extLst>
-                    <a:ext uri="{9D8B030D-6E8A-4147-A177-3AD203B41FA5}">
-                      <a16:colId xmlns:a16="http://schemas.microsoft.com/office/drawing/2014/main" val="20000"/>
-                    </a:ext>
-                  </a:extLst>
-                </a:gridCol>
-                <a:gridCol w="1692804">
-                  <a:extLst>
-                    <a:ext uri="{9D8B030D-6E8A-4147-A177-3AD203B41FA5}">
-                      <a16:colId xmlns:a16="http://schemas.microsoft.com/office/drawing/2014/main" val="20001"/>
-                    </a:ext>
-                  </a:extLst>
-                </a:gridCol>
-                <a:gridCol w="1692804">
-                  <a:extLst>
-                    <a:ext uri="{9D8B030D-6E8A-4147-A177-3AD203B41FA5}">
-                      <a16:colId xmlns:a16="http://schemas.microsoft.com/office/drawing/2014/main" val="20002"/>
-                    </a:ext>
-                  </a:extLst>
-                </a:gridCol>
-              </a:tblGrid>
-              <a:tr h="563959">
-                <a:tc>
-                  <a:txBody>
-                    <a:bodyPr/>
-                    <a:lstStyle/>
-                    <a:p>
-                      <a:r>
-                        <a:rPr lang="en-US" dirty="0"/>
-                        <a:t>Class</a:t>
-                      </a:r>
-                    </a:p>
-                  </a:txBody>
-                  <a:tcPr anchor="ctr">
-                    <a:solidFill>
-                      <a:srgbClr val="008282"/>
-                    </a:solidFill>
-                  </a:tcPr>
-                </a:tc>
-                <a:tc>
-                  <a:txBody>
-                    <a:bodyPr/>
-                    <a:lstStyle/>
-                    <a:p>
-                      <a:pPr algn="ctr"/>
-                      <a:r>
-                        <a:rPr lang="en-US" dirty="0"/>
-                        <a:t>Group 1</a:t>
-                      </a:r>
-                    </a:p>
-                  </a:txBody>
-                  <a:tcPr anchor="ctr">
-                    <a:solidFill>
-                      <a:srgbClr val="008282"/>
-                    </a:solidFill>
-                  </a:tcPr>
-                </a:tc>
-                <a:tc>
-                  <a:txBody>
-                    <a:bodyPr/>
-                    <a:lstStyle/>
-                    <a:p>
-                      <a:pPr algn="ctr"/>
-                      <a:r>
-                        <a:rPr lang="en-US" dirty="0"/>
-                        <a:t>Group 2</a:t>
-                      </a:r>
-                    </a:p>
-                  </a:txBody>
-                  <a:tcPr anchor="ctr">
-                    <a:solidFill>
-                      <a:srgbClr val="008282"/>
-                    </a:solidFill>
-                  </a:tcPr>
-                </a:tc>
-                <a:extLst>
-                  <a:ext uri="{0D108BD9-81ED-4DB2-BD59-A6C34878D82A}">
-                    <a16:rowId xmlns:a16="http://schemas.microsoft.com/office/drawing/2014/main" val="10000"/>
-                  </a:ext>
-                </a:extLst>
-              </a:tr>
-              <a:tr h="563959">
-                <a:tc>
-                  <a:txBody>
-                    <a:bodyPr/>
-                    <a:lstStyle/>
-                    <a:p>
-                      <a:r>
-                        <a:rPr lang="en-US" dirty="0"/>
-                        <a:t>Class 1</a:t>
-                      </a:r>
-                    </a:p>
-                  </a:txBody>
-                  <a:tcPr anchor="ctr"/>
-                </a:tc>
-                <a:tc>
-                  <a:txBody>
-                    <a:bodyPr/>
-                    <a:lstStyle/>
-                    <a:p>
-                      <a:pPr algn="ctr"/>
-                      <a:r>
-                        <a:rPr lang="en-US" dirty="0"/>
-                        <a:t>82</a:t>
-                      </a:r>
-                    </a:p>
-                  </a:txBody>
-                  <a:tcPr anchor="ctr"/>
-                </a:tc>
-                <a:tc>
-                  <a:txBody>
-                    <a:bodyPr/>
-                    <a:lstStyle/>
-                    <a:p>
-                      <a:pPr algn="ctr"/>
-                      <a:r>
-                        <a:rPr lang="en-US" dirty="0"/>
-                        <a:t>95</a:t>
-                      </a:r>
-                    </a:p>
-                  </a:txBody>
-                  <a:tcPr anchor="ctr"/>
-                </a:tc>
-                <a:extLst>
-                  <a:ext uri="{0D108BD9-81ED-4DB2-BD59-A6C34878D82A}">
-                    <a16:rowId xmlns:a16="http://schemas.microsoft.com/office/drawing/2014/main" val="10001"/>
-                  </a:ext>
-                </a:extLst>
-              </a:tr>
-              <a:tr h="563959">
-                <a:tc>
-                  <a:txBody>
-                    <a:bodyPr/>
-                    <a:lstStyle/>
-                    <a:p>
-                      <a:r>
-                        <a:rPr lang="en-US" dirty="0"/>
-                        <a:t>Class 2</a:t>
-                      </a:r>
-                    </a:p>
-                  </a:txBody>
-                  <a:tcPr anchor="ctr"/>
-                </a:tc>
-                <a:tc>
-                  <a:txBody>
-                    <a:bodyPr/>
-                    <a:lstStyle/>
-                    <a:p>
-                      <a:pPr algn="ctr"/>
-                      <a:r>
-                        <a:rPr lang="en-US" dirty="0"/>
-                        <a:t>76</a:t>
-                      </a:r>
-                    </a:p>
-                  </a:txBody>
-                  <a:tcPr anchor="ctr"/>
-                </a:tc>
-                <a:tc>
-                  <a:txBody>
-                    <a:bodyPr/>
-                    <a:lstStyle/>
-                    <a:p>
-                      <a:pPr algn="ctr"/>
-                      <a:r>
-                        <a:rPr lang="en-US" dirty="0"/>
-                        <a:t>88</a:t>
-                      </a:r>
-                    </a:p>
-                  </a:txBody>
-                  <a:tcPr anchor="ctr"/>
-                </a:tc>
-                <a:extLst>
-                  <a:ext uri="{0D108BD9-81ED-4DB2-BD59-A6C34878D82A}">
-                    <a16:rowId xmlns:a16="http://schemas.microsoft.com/office/drawing/2014/main" val="10002"/>
-                  </a:ext>
-                </a:extLst>
-              </a:tr>
-              <a:tr h="563959">
-                <a:tc>
-                  <a:txBody>
-                    <a:bodyPr/>
-                    <a:lstStyle/>
-                    <a:p>
-                      <a:r>
-                        <a:rPr lang="en-US" dirty="0"/>
-                        <a:t>Class 3</a:t>
-                      </a:r>
-                    </a:p>
-                  </a:txBody>
-                  <a:tcPr anchor="ctr"/>
-                </a:tc>
-                <a:tc>
-                  <a:txBody>
-                    <a:bodyPr/>
-                    <a:lstStyle/>
-                    <a:p>
-                      <a:pPr algn="ctr"/>
-                      <a:r>
-                        <a:rPr lang="en-US" dirty="0"/>
-                        <a:t>84</a:t>
-                      </a:r>
-                    </a:p>
-                  </a:txBody>
-                  <a:tcPr anchor="ctr"/>
-                </a:tc>
-                <a:tc>
-                  <a:txBody>
-                    <a:bodyPr/>
-                    <a:lstStyle/>
-                    <a:p>
-                      <a:pPr algn="ctr"/>
-                      <a:r>
-                        <a:rPr lang="en-US" dirty="0"/>
-                        <a:t>90</a:t>
-                      </a:r>
-                    </a:p>
-                  </a:txBody>
-                  <a:tcPr anchor="ctr"/>
-                </a:tc>
-                <a:extLst>
-                  <a:ext uri="{0D108BD9-81ED-4DB2-BD59-A6C34878D82A}">
-                    <a16:rowId xmlns:a16="http://schemas.microsoft.com/office/drawing/2014/main" val="10003"/>
-                  </a:ext>
-                </a:extLst>
-              </a:tr>
-            </a:tbl>
-          </a:graphicData>
-        </a:graphic>
-      </p:graphicFrame>
-    </p:spTree>
-    <p:extLst>
-      <p:ext uri="{BB962C8B-B14F-4D97-AF65-F5344CB8AC3E}">
-        <p14:creationId xmlns:p14="http://schemas.microsoft.com/office/powerpoint/2010/main" val="2341911148"/>
-      </p:ext>
-    </p:extLst>
-  </p:cSld>
-  <p:clrMapOvr>
-    <a:masterClrMapping/>
-  </p:clrMapOvr>
-  <mc:AlternateContent xmlns:mc="http://schemas.openxmlformats.org/markup-compatibility/2006" xmlns:p14="http://schemas.microsoft.com/office/powerpoint/2010/main">
-    <mc:Choice Requires="p14">
-      <p:transition spd="med" p14:dur="700">
-        <p:fade/>
-      </p:transition>
-    </mc:Choice>
-    <mc:Fallback xmlns="">
-      <p:transition spd="med">
-        <p:fade/>
-      </p:transition>
-    </mc:Fallback>
-  </mc:AlternateContent>
-</p:sld>
-</file>
-
-<file path=ppt/slides/slide5.xml><?xml version="1.0" encoding="utf-8"?>
-<p:sld xmlns:a="http://schemas.openxmlformats.org/drawingml/2006/main" xmlns:r="http://schemas.openxmlformats.org/officeDocument/2006/relationships" xmlns:p="http://schemas.openxmlformats.org/presentationml/2006/main">
-  <p:cSld>
-    <p:spTree>
-      <p:nvGrpSpPr>
-        <p:cNvPr id="1" name=""/>
-        <p:cNvGrpSpPr/>
-        <p:nvPr/>
-      </p:nvGrpSpPr>
-      <p:grpSpPr>
-        <a:xfrm>
-          <a:off x="0" y="0"/>
-          <a:ext cx="0" cy="0"/>
-          <a:chOff x="0" y="0"/>
-          <a:chExt cx="0" cy="0"/>
-        </a:xfrm>
-      </p:grpSpPr>
-      <p:sp>
-        <p:nvSpPr>
-          <p:cNvPr id="2" name="Title 1"/>
-          <p:cNvSpPr>
-            <a:spLocks noGrp="1"/>
-          </p:cNvSpPr>
-          <p:nvPr>
-            <p:ph type="title"/>
-          </p:nvPr>
-        </p:nvSpPr>
-        <p:spPr/>
-        <p:txBody>
-          <a:bodyPr/>
-          <a:lstStyle/>
           <a:p>
             <a:r>
-              <a:rPr lang="en-US" dirty="0"/>
-              <a:t>Two Content Layout with SmartArt</a:t>
-            </a:r>
-          </a:p>
-        </p:txBody>
-      </p:sp>
-      <p:sp>
-        <p:nvSpPr>
-          <p:cNvPr id="3" name="Content Placeholder 2"/>
-          <p:cNvSpPr>
-            <a:spLocks noGrp="1"/>
-          </p:cNvSpPr>
-          <p:nvPr>
-            <p:ph sz="half" idx="1"/>
-          </p:nvPr>
-        </p:nvSpPr>
-        <p:spPr/>
-        <p:txBody>
-          <a:bodyPr/>
-          <a:lstStyle/>
-          <a:p>
-            <a:r>
-              <a:rPr lang="en-US" dirty="0"/>
-              <a:t>First bullet point here</a:t>
-            </a:r>
-          </a:p>
-          <a:p>
-            <a:r>
-              <a:rPr lang="en-US" dirty="0"/>
-              <a:t>Second bullet point here</a:t>
-            </a:r>
-          </a:p>
-          <a:p>
-            <a:r>
-              <a:rPr lang="en-US" dirty="0"/>
-              <a:t>Third bullet point here</a:t>
+              <a:rPr lang="ro-RO" dirty="0"/>
+              <a:t>Rapoarte unitare pe orice perioada de timp.</a:t>
             </a:r>
           </a:p>
         </p:txBody>
@@ -11008,14 +10964,14 @@
             <p:ph sz="half" idx="2"/>
             <p:extLst>
               <p:ext uri="{D42A27DB-BD31-4B8C-83A1-F6EECF244321}">
-                <p14:modId xmlns:p14="http://schemas.microsoft.com/office/powerpoint/2010/main" val="2561100622"/>
+                <p14:modId xmlns:p14="http://schemas.microsoft.com/office/powerpoint/2010/main" val="1292094571"/>
               </p:ext>
             </p:extLst>
           </p:nvPr>
         </p:nvGraphicFramePr>
         <p:xfrm>
-          <a:off x="6500813" y="1706563"/>
-          <a:ext cx="5078412" cy="4465637"/>
+          <a:off x="6372681" y="1828800"/>
+          <a:ext cx="5206703" cy="4673600"/>
         </p:xfrm>
         <a:graphic>
           <a:graphicData uri="http://schemas.openxmlformats.org/drawingml/2006/diagram">
@@ -11033,14 +10989,14 @@
   <p:clrMapOvr>
     <a:masterClrMapping/>
   </p:clrMapOvr>
-  <mc:AlternateContent xmlns:mc="http://schemas.openxmlformats.org/markup-compatibility/2006" xmlns:p14="http://schemas.microsoft.com/office/powerpoint/2010/main">
-    <mc:Choice Requires="p14">
-      <p:transition spd="med" p14:dur="700">
-        <p:fade/>
+  <mc:AlternateContent xmlns:mc="http://schemas.openxmlformats.org/markup-compatibility/2006">
+    <mc:Choice xmlns:p15="http://schemas.microsoft.com/office/powerpoint/2012/main" Requires="p15">
+      <p:transition xmlns:p14="http://schemas.microsoft.com/office/powerpoint/2010/main" spd="slow" p14:dur="3000">
+        <p15:prstTrans prst="fallOver"/>
       </p:transition>
     </mc:Choice>
-    <mc:Fallback xmlns="">
-      <p:transition spd="med">
+    <mc:Fallback>
+      <p:transition spd="slow">
         <p:fade/>
       </p:transition>
     </mc:Fallback>
@@ -11048,7 +11004,7 @@
 </p:sld>
 </file>
 
-<file path=ppt/slides/slide6.xml><?xml version="1.0" encoding="utf-8"?>
+<file path=ppt/slides/slide5.xml><?xml version="1.0" encoding="utf-8"?>
 <p:sld xmlns:a="http://schemas.openxmlformats.org/drawingml/2006/main" xmlns:r="http://schemas.openxmlformats.org/officeDocument/2006/relationships" xmlns:p="http://schemas.openxmlformats.org/presentationml/2006/main">
   <p:cSld>
     <p:spTree>
@@ -11081,9 +11037,10 @@
           <a:lstStyle/>
           <a:p>
             <a:r>
-              <a:rPr lang="en-US" dirty="0"/>
-              <a:t>Add a Slide Title - 1</a:t>
+              <a:rPr lang="ro-RO" dirty="0"/>
+              <a:t>Tehnologiile folosite</a:t>
             </a:r>
+            <a:endParaRPr lang="en-US" dirty="0"/>
           </a:p>
         </p:txBody>
       </p:sp>
@@ -11116,14 +11073,185 @@
   <p:clrMapOvr>
     <a:masterClrMapping/>
   </p:clrMapOvr>
-  <mc:AlternateContent xmlns:mc="http://schemas.openxmlformats.org/markup-compatibility/2006" xmlns:p14="http://schemas.microsoft.com/office/powerpoint/2010/main">
-    <mc:Choice Requires="p14">
-      <p:transition spd="med" p14:dur="700">
+  <mc:AlternateContent xmlns:mc="http://schemas.openxmlformats.org/markup-compatibility/2006">
+    <mc:Choice xmlns:p14="http://schemas.microsoft.com/office/powerpoint/2010/main" Requires="p14">
+      <p:transition spd="slow" p14:dur="3000">
+        <p14:reveal/>
+      </p:transition>
+    </mc:Choice>
+    <mc:Fallback>
+      <p:transition spd="slow">
         <p:fade/>
       </p:transition>
+    </mc:Fallback>
+  </mc:AlternateContent>
+</p:sld>
+</file>
+
+<file path=ppt/slides/slide6.xml><?xml version="1.0" encoding="utf-8"?>
+<p:sld xmlns:a="http://schemas.openxmlformats.org/drawingml/2006/main" xmlns:r="http://schemas.openxmlformats.org/officeDocument/2006/relationships" xmlns:p="http://schemas.openxmlformats.org/presentationml/2006/main">
+  <p:cSld>
+    <p:spTree>
+      <p:nvGrpSpPr>
+        <p:cNvPr id="1" name=""/>
+        <p:cNvGrpSpPr/>
+        <p:nvPr/>
+      </p:nvGrpSpPr>
+      <p:grpSpPr>
+        <a:xfrm>
+          <a:off x="0" y="0"/>
+          <a:ext cx="0" cy="0"/>
+          <a:chOff x="0" y="0"/>
+          <a:chExt cx="0" cy="0"/>
+        </a:xfrm>
+      </p:grpSpPr>
+      <p:sp>
+        <p:nvSpPr>
+          <p:cNvPr id="7" name="Title 6"/>
+          <p:cNvSpPr>
+            <a:spLocks noGrp="1"/>
+          </p:cNvSpPr>
+          <p:nvPr>
+            <p:ph type="title"/>
+          </p:nvPr>
+        </p:nvSpPr>
+        <p:spPr/>
+        <p:txBody>
+          <a:bodyPr/>
+          <a:lstStyle/>
+          <a:p>
+            <a:r>
+              <a:rPr lang="ro-RO" dirty="0"/>
+              <a:t>Tehnologii - Laravel</a:t>
+            </a:r>
+            <a:endParaRPr lang="en-US" dirty="0"/>
+          </a:p>
+        </p:txBody>
+      </p:sp>
+      <p:sp>
+        <p:nvSpPr>
+          <p:cNvPr id="8" name="Text Placeholder 7"/>
+          <p:cNvSpPr>
+            <a:spLocks noGrp="1"/>
+          </p:cNvSpPr>
+          <p:nvPr>
+            <p:ph type="body" idx="1"/>
+          </p:nvPr>
+        </p:nvSpPr>
+        <p:spPr/>
+        <p:txBody>
+          <a:bodyPr/>
+          <a:lstStyle/>
+          <a:p>
+            <a:r>
+              <a:rPr lang="ro-RO" dirty="0"/>
+              <a:t>Eloquent</a:t>
+            </a:r>
+            <a:endParaRPr lang="en-US" dirty="0"/>
+          </a:p>
+        </p:txBody>
+      </p:sp>
+      <p:sp>
+        <p:nvSpPr>
+          <p:cNvPr id="10" name="Content Placeholder 9"/>
+          <p:cNvSpPr>
+            <a:spLocks noGrp="1"/>
+          </p:cNvSpPr>
+          <p:nvPr>
+            <p:ph sz="half" idx="2"/>
+          </p:nvPr>
+        </p:nvSpPr>
+        <p:spPr/>
+        <p:txBody>
+          <a:bodyPr/>
+          <a:lstStyle/>
+          <a:p>
+            <a:r>
+              <a:rPr lang="ro-RO" dirty="0"/>
+              <a:t>M în MVC</a:t>
+            </a:r>
+          </a:p>
+          <a:p>
+            <a:r>
+              <a:rPr lang="ro-RO" dirty="0"/>
+              <a:t>Convenție versus configurație</a:t>
+            </a:r>
+          </a:p>
+          <a:p>
+            <a:endParaRPr lang="ro-RO" dirty="0"/>
+          </a:p>
+        </p:txBody>
+      </p:sp>
+      <p:sp>
+        <p:nvSpPr>
+          <p:cNvPr id="9" name="Text Placeholder 8"/>
+          <p:cNvSpPr>
+            <a:spLocks noGrp="1"/>
+          </p:cNvSpPr>
+          <p:nvPr>
+            <p:ph type="body" sz="quarter" idx="3"/>
+          </p:nvPr>
+        </p:nvSpPr>
+        <p:spPr/>
+        <p:txBody>
+          <a:bodyPr/>
+          <a:lstStyle/>
+          <a:p>
+            <a:r>
+              <a:rPr lang="ro-RO" dirty="0"/>
+              <a:t>Elixir</a:t>
+            </a:r>
+            <a:endParaRPr lang="en-US" dirty="0"/>
+          </a:p>
+        </p:txBody>
+      </p:sp>
+      <p:sp>
+        <p:nvSpPr>
+          <p:cNvPr id="11" name="Content Placeholder 10"/>
+          <p:cNvSpPr>
+            <a:spLocks noGrp="1"/>
+          </p:cNvSpPr>
+          <p:nvPr>
+            <p:ph sz="quarter" idx="4"/>
+          </p:nvPr>
+        </p:nvSpPr>
+        <p:spPr/>
+        <p:txBody>
+          <a:bodyPr/>
+          <a:lstStyle/>
+          <a:p>
+            <a:r>
+              <a:rPr lang="ro-RO" dirty="0"/>
+              <a:t>Gestionarea codului clientului.</a:t>
+            </a:r>
+          </a:p>
+          <a:p>
+            <a:r>
+              <a:rPr lang="ro-RO" dirty="0"/>
+              <a:t>Versionare automată.</a:t>
+            </a:r>
+            <a:endParaRPr lang="en-US" dirty="0"/>
+          </a:p>
+        </p:txBody>
+      </p:sp>
+    </p:spTree>
+    <p:extLst>
+      <p:ext uri="{BB962C8B-B14F-4D97-AF65-F5344CB8AC3E}">
+        <p14:creationId xmlns:p14="http://schemas.microsoft.com/office/powerpoint/2010/main" val="2672039197"/>
+      </p:ext>
+    </p:extLst>
+  </p:cSld>
+  <p:clrMapOvr>
+    <a:masterClrMapping/>
+  </p:clrMapOvr>
+  <mc:AlternateContent xmlns:mc="http://schemas.openxmlformats.org/markup-compatibility/2006">
+    <mc:Choice xmlns:p159="http://schemas.microsoft.com/office/powerpoint/2015/09/main" Requires="p159">
+      <p:transition xmlns:p14="http://schemas.microsoft.com/office/powerpoint/2010/main" spd="slow" p14:dur="3000">
+        <p159:morph option="byObject"/>
+      </p:transition>
     </mc:Choice>
-    <mc:Fallback xmlns="">
-      <p:transition spd="med">
+    <mc:Fallback>
+      <p:transition spd="slow">
         <p:fade/>
       </p:transition>
     </mc:Fallback>
@@ -11164,9 +11292,10 @@
           <a:lstStyle/>
           <a:p>
             <a:r>
-              <a:rPr lang="en-US" dirty="0"/>
-              <a:t>Add a Slide Title - 2</a:t>
+              <a:rPr lang="ro-RO" dirty="0"/>
+              <a:t>Tehnologii - Laravel</a:t>
             </a:r>
+            <a:endParaRPr lang="en-US" dirty="0"/>
           </a:p>
         </p:txBody>
       </p:sp>
@@ -11185,6 +11314,10 @@
           <a:bodyPr/>
           <a:lstStyle/>
           <a:p>
+            <a:r>
+              <a:rPr lang="ro-RO" dirty="0"/>
+              <a:t>AWS S3</a:t>
+            </a:r>
             <a:endParaRPr lang="en-US" dirty="0"/>
           </a:p>
         </p:txBody>
@@ -11204,7 +11337,16 @@
           <a:bodyPr/>
           <a:lstStyle/>
           <a:p>
-            <a:endParaRPr lang="en-US" dirty="0"/>
+            <a:r>
+              <a:rPr lang="ro-RO" dirty="0"/>
+              <a:t>Stocare în cloud a datelor clientului.</a:t>
+            </a:r>
+          </a:p>
+          <a:p>
+            <a:r>
+              <a:rPr lang="ro-RO" dirty="0"/>
+              <a:t>Securitatea datelor prin atribuirea unei chei unice.</a:t>
+            </a:r>
           </a:p>
         </p:txBody>
       </p:sp>
@@ -11223,6 +11365,10 @@
           <a:bodyPr/>
           <a:lstStyle/>
           <a:p>
+            <a:r>
+              <a:rPr lang="ro-RO" dirty="0"/>
+              <a:t>ARTISAN</a:t>
+            </a:r>
             <a:endParaRPr lang="en-US" dirty="0"/>
           </a:p>
         </p:txBody>
@@ -11242,32 +11388,601 @@
           <a:bodyPr/>
           <a:lstStyle/>
           <a:p>
-            <a:endParaRPr lang="en-US" dirty="0"/>
+            <a:r>
+              <a:rPr lang="ro-RO" dirty="0"/>
+              <a:t>Generează cod șablon pentru dezvoltator.</a:t>
+            </a:r>
+          </a:p>
+          <a:p>
+            <a:r>
+              <a:rPr lang="ro-RO" dirty="0"/>
+              <a:t>Se ocupă de migrările bazei de date.</a:t>
+            </a:r>
+          </a:p>
+          <a:p>
+            <a:pPr lvl="1"/>
+            <a:r>
+              <a:rPr lang="ro-RO" dirty="0"/>
+              <a:t>Problema și soluția găzduirii partajate.</a:t>
+            </a:r>
           </a:p>
         </p:txBody>
       </p:sp>
     </p:spTree>
     <p:extLst>
       <p:ext uri="{BB962C8B-B14F-4D97-AF65-F5344CB8AC3E}">
-        <p14:creationId xmlns:p14="http://schemas.microsoft.com/office/powerpoint/2010/main" val="2672039197"/>
+        <p14:creationId xmlns:p14="http://schemas.microsoft.com/office/powerpoint/2010/main" val="2130921776"/>
       </p:ext>
     </p:extLst>
   </p:cSld>
   <p:clrMapOvr>
     <a:masterClrMapping/>
   </p:clrMapOvr>
-  <mc:AlternateContent xmlns:mc="http://schemas.openxmlformats.org/markup-compatibility/2006" xmlns:p14="http://schemas.microsoft.com/office/powerpoint/2010/main">
-    <mc:Choice Requires="p14">
-      <p:transition spd="med" p14:dur="700">
-        <p:fade/>
+  <mc:AlternateContent xmlns:mc="http://schemas.openxmlformats.org/markup-compatibility/2006">
+    <mc:Choice xmlns:p159="http://schemas.microsoft.com/office/powerpoint/2015/09/main" Requires="p159">
+      <p:transition xmlns:p14="http://schemas.microsoft.com/office/powerpoint/2010/main" spd="slow" p14:dur="3000">
+        <p159:morph option="byObject"/>
       </p:transition>
     </mc:Choice>
-    <mc:Fallback xmlns="">
-      <p:transition spd="med">
+    <mc:Fallback>
+      <p:transition spd="slow">
         <p:fade/>
       </p:transition>
     </mc:Fallback>
   </mc:AlternateContent>
+  <p:timing>
+    <p:tnLst>
+      <p:par>
+        <p:cTn id="1" dur="indefinite" restart="never" nodeType="tmRoot">
+          <p:childTnLst>
+            <p:seq concurrent="1" nextAc="seek">
+              <p:cTn id="2" dur="indefinite" nodeType="mainSeq">
+                <p:childTnLst>
+                  <p:par>
+                    <p:cTn id="3" fill="hold">
+                      <p:stCondLst>
+                        <p:cond delay="indefinite"/>
+                        <p:cond evt="onBegin" delay="0">
+                          <p:tn val="2"/>
+                        </p:cond>
+                      </p:stCondLst>
+                      <p:childTnLst>
+                        <p:par>
+                          <p:cTn id="4" fill="hold">
+                            <p:stCondLst>
+                              <p:cond delay="0"/>
+                            </p:stCondLst>
+                            <p:childTnLst>
+                              <p:par>
+                                <p:cTn id="5" presetID="10" presetClass="entr" presetSubtype="0" fill="hold" grpId="0" nodeType="afterEffect">
+                                  <p:stCondLst>
+                                    <p:cond delay="0"/>
+                                  </p:stCondLst>
+                                  <p:childTnLst>
+                                    <p:set>
+                                      <p:cBhvr>
+                                        <p:cTn id="6" dur="1" fill="hold">
+                                          <p:stCondLst>
+                                            <p:cond delay="0"/>
+                                          </p:stCondLst>
+                                        </p:cTn>
+                                        <p:tgtEl>
+                                          <p:spTgt spid="8">
+                                            <p:txEl>
+                                              <p:pRg st="0" end="0"/>
+                                            </p:txEl>
+                                          </p:spTgt>
+                                        </p:tgtEl>
+                                        <p:attrNameLst>
+                                          <p:attrName>style.visibility</p:attrName>
+                                        </p:attrNameLst>
+                                      </p:cBhvr>
+                                      <p:to>
+                                        <p:strVal val="visible"/>
+                                      </p:to>
+                                    </p:set>
+                                    <p:animEffect transition="in" filter="fade">
+                                      <p:cBhvr>
+                                        <p:cTn id="7" dur="500"/>
+                                        <p:tgtEl>
+                                          <p:spTgt spid="8">
+                                            <p:txEl>
+                                              <p:pRg st="0" end="0"/>
+                                            </p:txEl>
+                                          </p:spTgt>
+                                        </p:tgtEl>
+                                      </p:cBhvr>
+                                    </p:animEffect>
+                                  </p:childTnLst>
+                                </p:cTn>
+                              </p:par>
+                              <p:par>
+                                <p:cTn id="8" presetID="10" presetClass="entr" presetSubtype="0" fill="hold" grpId="0" nodeType="withEffect">
+                                  <p:stCondLst>
+                                    <p:cond delay="0"/>
+                                  </p:stCondLst>
+                                  <p:childTnLst>
+                                    <p:set>
+                                      <p:cBhvr>
+                                        <p:cTn id="9" dur="1" fill="hold">
+                                          <p:stCondLst>
+                                            <p:cond delay="0"/>
+                                          </p:stCondLst>
+                                        </p:cTn>
+                                        <p:tgtEl>
+                                          <p:spTgt spid="9">
+                                            <p:txEl>
+                                              <p:pRg st="0" end="0"/>
+                                            </p:txEl>
+                                          </p:spTgt>
+                                        </p:tgtEl>
+                                        <p:attrNameLst>
+                                          <p:attrName>style.visibility</p:attrName>
+                                        </p:attrNameLst>
+                                      </p:cBhvr>
+                                      <p:to>
+                                        <p:strVal val="visible"/>
+                                      </p:to>
+                                    </p:set>
+                                    <p:animEffect transition="in" filter="fade">
+                                      <p:cBhvr>
+                                        <p:cTn id="10" dur="500"/>
+                                        <p:tgtEl>
+                                          <p:spTgt spid="9">
+                                            <p:txEl>
+                                              <p:pRg st="0" end="0"/>
+                                            </p:txEl>
+                                          </p:spTgt>
+                                        </p:tgtEl>
+                                      </p:cBhvr>
+                                    </p:animEffect>
+                                  </p:childTnLst>
+                                </p:cTn>
+                              </p:par>
+                            </p:childTnLst>
+                          </p:cTn>
+                        </p:par>
+                        <p:par>
+                          <p:cTn id="11" fill="hold">
+                            <p:stCondLst>
+                              <p:cond delay="500"/>
+                            </p:stCondLst>
+                            <p:childTnLst>
+                              <p:par>
+                                <p:cTn id="12" presetID="2" presetClass="entr" presetSubtype="4" fill="hold" grpId="0" nodeType="afterEffect">
+                                  <p:stCondLst>
+                                    <p:cond delay="0"/>
+                                  </p:stCondLst>
+                                  <p:childTnLst>
+                                    <p:set>
+                                      <p:cBhvr>
+                                        <p:cTn id="13" dur="1" fill="hold">
+                                          <p:stCondLst>
+                                            <p:cond delay="0"/>
+                                          </p:stCondLst>
+                                        </p:cTn>
+                                        <p:tgtEl>
+                                          <p:spTgt spid="10">
+                                            <p:txEl>
+                                              <p:pRg st="0" end="0"/>
+                                            </p:txEl>
+                                          </p:spTgt>
+                                        </p:tgtEl>
+                                        <p:attrNameLst>
+                                          <p:attrName>style.visibility</p:attrName>
+                                        </p:attrNameLst>
+                                      </p:cBhvr>
+                                      <p:to>
+                                        <p:strVal val="visible"/>
+                                      </p:to>
+                                    </p:set>
+                                    <p:anim calcmode="lin" valueType="num">
+                                      <p:cBhvr additive="base">
+                                        <p:cTn id="14" dur="500" fill="hold"/>
+                                        <p:tgtEl>
+                                          <p:spTgt spid="10">
+                                            <p:txEl>
+                                              <p:pRg st="0" end="0"/>
+                                            </p:txEl>
+                                          </p:spTgt>
+                                        </p:tgtEl>
+                                        <p:attrNameLst>
+                                          <p:attrName>ppt_x</p:attrName>
+                                        </p:attrNameLst>
+                                      </p:cBhvr>
+                                      <p:tavLst>
+                                        <p:tav tm="0">
+                                          <p:val>
+                                            <p:strVal val="#ppt_x"/>
+                                          </p:val>
+                                        </p:tav>
+                                        <p:tav tm="100000">
+                                          <p:val>
+                                            <p:strVal val="#ppt_x"/>
+                                          </p:val>
+                                        </p:tav>
+                                      </p:tavLst>
+                                    </p:anim>
+                                    <p:anim calcmode="lin" valueType="num">
+                                      <p:cBhvr additive="base">
+                                        <p:cTn id="15" dur="500" fill="hold"/>
+                                        <p:tgtEl>
+                                          <p:spTgt spid="10">
+                                            <p:txEl>
+                                              <p:pRg st="0" end="0"/>
+                                            </p:txEl>
+                                          </p:spTgt>
+                                        </p:tgtEl>
+                                        <p:attrNameLst>
+                                          <p:attrName>ppt_y</p:attrName>
+                                        </p:attrNameLst>
+                                      </p:cBhvr>
+                                      <p:tavLst>
+                                        <p:tav tm="0">
+                                          <p:val>
+                                            <p:strVal val="1+#ppt_h/2"/>
+                                          </p:val>
+                                        </p:tav>
+                                        <p:tav tm="100000">
+                                          <p:val>
+                                            <p:strVal val="#ppt_y"/>
+                                          </p:val>
+                                        </p:tav>
+                                      </p:tavLst>
+                                    </p:anim>
+                                  </p:childTnLst>
+                                </p:cTn>
+                              </p:par>
+                              <p:par>
+                                <p:cTn id="16" presetID="2" presetClass="entr" presetSubtype="4" fill="hold" grpId="0" nodeType="withEffect">
+                                  <p:stCondLst>
+                                    <p:cond delay="0"/>
+                                  </p:stCondLst>
+                                  <p:childTnLst>
+                                    <p:set>
+                                      <p:cBhvr>
+                                        <p:cTn id="17" dur="1" fill="hold">
+                                          <p:stCondLst>
+                                            <p:cond delay="0"/>
+                                          </p:stCondLst>
+                                        </p:cTn>
+                                        <p:tgtEl>
+                                          <p:spTgt spid="11">
+                                            <p:txEl>
+                                              <p:pRg st="0" end="0"/>
+                                            </p:txEl>
+                                          </p:spTgt>
+                                        </p:tgtEl>
+                                        <p:attrNameLst>
+                                          <p:attrName>style.visibility</p:attrName>
+                                        </p:attrNameLst>
+                                      </p:cBhvr>
+                                      <p:to>
+                                        <p:strVal val="visible"/>
+                                      </p:to>
+                                    </p:set>
+                                    <p:anim calcmode="lin" valueType="num">
+                                      <p:cBhvr additive="base">
+                                        <p:cTn id="18" dur="500" fill="hold"/>
+                                        <p:tgtEl>
+                                          <p:spTgt spid="11">
+                                            <p:txEl>
+                                              <p:pRg st="0" end="0"/>
+                                            </p:txEl>
+                                          </p:spTgt>
+                                        </p:tgtEl>
+                                        <p:attrNameLst>
+                                          <p:attrName>ppt_x</p:attrName>
+                                        </p:attrNameLst>
+                                      </p:cBhvr>
+                                      <p:tavLst>
+                                        <p:tav tm="0">
+                                          <p:val>
+                                            <p:strVal val="#ppt_x"/>
+                                          </p:val>
+                                        </p:tav>
+                                        <p:tav tm="100000">
+                                          <p:val>
+                                            <p:strVal val="#ppt_x"/>
+                                          </p:val>
+                                        </p:tav>
+                                      </p:tavLst>
+                                    </p:anim>
+                                    <p:anim calcmode="lin" valueType="num">
+                                      <p:cBhvr additive="base">
+                                        <p:cTn id="19" dur="500" fill="hold"/>
+                                        <p:tgtEl>
+                                          <p:spTgt spid="11">
+                                            <p:txEl>
+                                              <p:pRg st="0" end="0"/>
+                                            </p:txEl>
+                                          </p:spTgt>
+                                        </p:tgtEl>
+                                        <p:attrNameLst>
+                                          <p:attrName>ppt_y</p:attrName>
+                                        </p:attrNameLst>
+                                      </p:cBhvr>
+                                      <p:tavLst>
+                                        <p:tav tm="0">
+                                          <p:val>
+                                            <p:strVal val="1+#ppt_h/2"/>
+                                          </p:val>
+                                        </p:tav>
+                                        <p:tav tm="100000">
+                                          <p:val>
+                                            <p:strVal val="#ppt_y"/>
+                                          </p:val>
+                                        </p:tav>
+                                      </p:tavLst>
+                                    </p:anim>
+                                  </p:childTnLst>
+                                </p:cTn>
+                              </p:par>
+                            </p:childTnLst>
+                          </p:cTn>
+                        </p:par>
+                        <p:par>
+                          <p:cTn id="20" fill="hold">
+                            <p:stCondLst>
+                              <p:cond delay="1000"/>
+                            </p:stCondLst>
+                            <p:childTnLst>
+                              <p:par>
+                                <p:cTn id="21" presetID="2" presetClass="entr" presetSubtype="4" fill="hold" grpId="0" nodeType="afterEffect">
+                                  <p:stCondLst>
+                                    <p:cond delay="0"/>
+                                  </p:stCondLst>
+                                  <p:childTnLst>
+                                    <p:set>
+                                      <p:cBhvr>
+                                        <p:cTn id="22" dur="1" fill="hold">
+                                          <p:stCondLst>
+                                            <p:cond delay="0"/>
+                                          </p:stCondLst>
+                                        </p:cTn>
+                                        <p:tgtEl>
+                                          <p:spTgt spid="10">
+                                            <p:txEl>
+                                              <p:pRg st="1" end="1"/>
+                                            </p:txEl>
+                                          </p:spTgt>
+                                        </p:tgtEl>
+                                        <p:attrNameLst>
+                                          <p:attrName>style.visibility</p:attrName>
+                                        </p:attrNameLst>
+                                      </p:cBhvr>
+                                      <p:to>
+                                        <p:strVal val="visible"/>
+                                      </p:to>
+                                    </p:set>
+                                    <p:anim calcmode="lin" valueType="num">
+                                      <p:cBhvr additive="base">
+                                        <p:cTn id="23" dur="500" fill="hold"/>
+                                        <p:tgtEl>
+                                          <p:spTgt spid="10">
+                                            <p:txEl>
+                                              <p:pRg st="1" end="1"/>
+                                            </p:txEl>
+                                          </p:spTgt>
+                                        </p:tgtEl>
+                                        <p:attrNameLst>
+                                          <p:attrName>ppt_x</p:attrName>
+                                        </p:attrNameLst>
+                                      </p:cBhvr>
+                                      <p:tavLst>
+                                        <p:tav tm="0">
+                                          <p:val>
+                                            <p:strVal val="#ppt_x"/>
+                                          </p:val>
+                                        </p:tav>
+                                        <p:tav tm="100000">
+                                          <p:val>
+                                            <p:strVal val="#ppt_x"/>
+                                          </p:val>
+                                        </p:tav>
+                                      </p:tavLst>
+                                    </p:anim>
+                                    <p:anim calcmode="lin" valueType="num">
+                                      <p:cBhvr additive="base">
+                                        <p:cTn id="24" dur="500" fill="hold"/>
+                                        <p:tgtEl>
+                                          <p:spTgt spid="10">
+                                            <p:txEl>
+                                              <p:pRg st="1" end="1"/>
+                                            </p:txEl>
+                                          </p:spTgt>
+                                        </p:tgtEl>
+                                        <p:attrNameLst>
+                                          <p:attrName>ppt_y</p:attrName>
+                                        </p:attrNameLst>
+                                      </p:cBhvr>
+                                      <p:tavLst>
+                                        <p:tav tm="0">
+                                          <p:val>
+                                            <p:strVal val="1+#ppt_h/2"/>
+                                          </p:val>
+                                        </p:tav>
+                                        <p:tav tm="100000">
+                                          <p:val>
+                                            <p:strVal val="#ppt_y"/>
+                                          </p:val>
+                                        </p:tav>
+                                      </p:tavLst>
+                                    </p:anim>
+                                  </p:childTnLst>
+                                </p:cTn>
+                              </p:par>
+                              <p:par>
+                                <p:cTn id="25" presetID="2" presetClass="entr" presetSubtype="4" fill="hold" grpId="0" nodeType="withEffect">
+                                  <p:stCondLst>
+                                    <p:cond delay="0"/>
+                                  </p:stCondLst>
+                                  <p:childTnLst>
+                                    <p:set>
+                                      <p:cBhvr>
+                                        <p:cTn id="26" dur="1" fill="hold">
+                                          <p:stCondLst>
+                                            <p:cond delay="0"/>
+                                          </p:stCondLst>
+                                        </p:cTn>
+                                        <p:tgtEl>
+                                          <p:spTgt spid="11">
+                                            <p:txEl>
+                                              <p:pRg st="1" end="1"/>
+                                            </p:txEl>
+                                          </p:spTgt>
+                                        </p:tgtEl>
+                                        <p:attrNameLst>
+                                          <p:attrName>style.visibility</p:attrName>
+                                        </p:attrNameLst>
+                                      </p:cBhvr>
+                                      <p:to>
+                                        <p:strVal val="visible"/>
+                                      </p:to>
+                                    </p:set>
+                                    <p:anim calcmode="lin" valueType="num">
+                                      <p:cBhvr additive="base">
+                                        <p:cTn id="27" dur="500" fill="hold"/>
+                                        <p:tgtEl>
+                                          <p:spTgt spid="11">
+                                            <p:txEl>
+                                              <p:pRg st="1" end="1"/>
+                                            </p:txEl>
+                                          </p:spTgt>
+                                        </p:tgtEl>
+                                        <p:attrNameLst>
+                                          <p:attrName>ppt_x</p:attrName>
+                                        </p:attrNameLst>
+                                      </p:cBhvr>
+                                      <p:tavLst>
+                                        <p:tav tm="0">
+                                          <p:val>
+                                            <p:strVal val="#ppt_x"/>
+                                          </p:val>
+                                        </p:tav>
+                                        <p:tav tm="100000">
+                                          <p:val>
+                                            <p:strVal val="#ppt_x"/>
+                                          </p:val>
+                                        </p:tav>
+                                      </p:tavLst>
+                                    </p:anim>
+                                    <p:anim calcmode="lin" valueType="num">
+                                      <p:cBhvr additive="base">
+                                        <p:cTn id="28" dur="500" fill="hold"/>
+                                        <p:tgtEl>
+                                          <p:spTgt spid="11">
+                                            <p:txEl>
+                                              <p:pRg st="1" end="1"/>
+                                            </p:txEl>
+                                          </p:spTgt>
+                                        </p:tgtEl>
+                                        <p:attrNameLst>
+                                          <p:attrName>ppt_y</p:attrName>
+                                        </p:attrNameLst>
+                                      </p:cBhvr>
+                                      <p:tavLst>
+                                        <p:tav tm="0">
+                                          <p:val>
+                                            <p:strVal val="1+#ppt_h/2"/>
+                                          </p:val>
+                                        </p:tav>
+                                        <p:tav tm="100000">
+                                          <p:val>
+                                            <p:strVal val="#ppt_y"/>
+                                          </p:val>
+                                        </p:tav>
+                                      </p:tavLst>
+                                    </p:anim>
+                                  </p:childTnLst>
+                                </p:cTn>
+                              </p:par>
+                            </p:childTnLst>
+                          </p:cTn>
+                        </p:par>
+                        <p:par>
+                          <p:cTn id="29" fill="hold">
+                            <p:stCondLst>
+                              <p:cond delay="1500"/>
+                            </p:stCondLst>
+                            <p:childTnLst>
+                              <p:par>
+                                <p:cTn id="30" presetID="10" presetClass="entr" presetSubtype="0" fill="hold" grpId="0" nodeType="afterEffect">
+                                  <p:stCondLst>
+                                    <p:cond delay="0"/>
+                                  </p:stCondLst>
+                                  <p:childTnLst>
+                                    <p:set>
+                                      <p:cBhvr>
+                                        <p:cTn id="31" dur="1" fill="hold">
+                                          <p:stCondLst>
+                                            <p:cond delay="0"/>
+                                          </p:stCondLst>
+                                        </p:cTn>
+                                        <p:tgtEl>
+                                          <p:spTgt spid="11">
+                                            <p:txEl>
+                                              <p:pRg st="2" end="2"/>
+                                            </p:txEl>
+                                          </p:spTgt>
+                                        </p:tgtEl>
+                                        <p:attrNameLst>
+                                          <p:attrName>style.visibility</p:attrName>
+                                        </p:attrNameLst>
+                                      </p:cBhvr>
+                                      <p:to>
+                                        <p:strVal val="visible"/>
+                                      </p:to>
+                                    </p:set>
+                                    <p:animEffect transition="in" filter="fade">
+                                      <p:cBhvr>
+                                        <p:cTn id="32" dur="500"/>
+                                        <p:tgtEl>
+                                          <p:spTgt spid="11">
+                                            <p:txEl>
+                                              <p:pRg st="2" end="2"/>
+                                            </p:txEl>
+                                          </p:spTgt>
+                                        </p:tgtEl>
+                                      </p:cBhvr>
+                                    </p:animEffect>
+                                  </p:childTnLst>
+                                </p:cTn>
+                              </p:par>
+                            </p:childTnLst>
+                          </p:cTn>
+                        </p:par>
+                      </p:childTnLst>
+                    </p:cTn>
+                  </p:par>
+                </p:childTnLst>
+              </p:cTn>
+              <p:prevCondLst>
+                <p:cond evt="onPrev" delay="0">
+                  <p:tgtEl>
+                    <p:sldTgt/>
+                  </p:tgtEl>
+                </p:cond>
+              </p:prevCondLst>
+              <p:nextCondLst>
+                <p:cond evt="onNext" delay="0">
+                  <p:tgtEl>
+                    <p:sldTgt/>
+                  </p:tgtEl>
+                </p:cond>
+              </p:nextCondLst>
+            </p:seq>
+          </p:childTnLst>
+        </p:cTn>
+      </p:par>
+    </p:tnLst>
+    <p:bldLst>
+      <p:bldP spid="8" grpId="0" build="p"/>
+      <p:bldP spid="10" grpId="0" uiExpand="1" build="p"/>
+      <p:bldP spid="9" grpId="0" build="p"/>
+      <p:bldP spid="11" grpId="0" uiExpand="1" build="p"/>
+    </p:bldLst>
+  </p:timing>
 </p:sld>
 </file>
 
@@ -11304,12 +12019,121 @@
           <a:lstStyle/>
           <a:p>
             <a:r>
-              <a:rPr lang="en-US" dirty="0"/>
-              <a:t>Add a Slide Title - 3</a:t>
+              <a:rPr lang="ro-RO" dirty="0"/>
+              <a:t>Ecranele aplicației</a:t>
             </a:r>
+            <a:endParaRPr lang="en-US" dirty="0"/>
           </a:p>
         </p:txBody>
       </p:sp>
+      <p:pic>
+        <p:nvPicPr>
+          <p:cNvPr id="4" name="Picture 3">
+            <a:extLst>
+              <a:ext uri="{FF2B5EF4-FFF2-40B4-BE49-F238E27FC236}">
+                <a16:creationId xmlns:a16="http://schemas.microsoft.com/office/drawing/2014/main" id="{0B735DFF-4127-4C35-B538-B9D532909227}"/>
+              </a:ext>
+            </a:extLst>
+          </p:cNvPr>
+          <p:cNvPicPr>
+            <a:picLocks noChangeAspect="1"/>
+          </p:cNvPicPr>
+          <p:nvPr/>
+        </p:nvPicPr>
+        <p:blipFill>
+          <a:blip r:embed="rId2" cstate="print">
+            <a:extLst>
+              <a:ext uri="{28A0092B-C50C-407E-A947-70E740481C1C}">
+                <a14:useLocalDpi xmlns:a14="http://schemas.microsoft.com/office/drawing/2010/main" val="0"/>
+              </a:ext>
+            </a:extLst>
+          </a:blip>
+          <a:stretch>
+            <a:fillRect/>
+          </a:stretch>
+        </p:blipFill>
+        <p:spPr>
+          <a:xfrm>
+            <a:off x="1370012" y="1498600"/>
+            <a:ext cx="4840636" cy="1722040"/>
+          </a:xfrm>
+          <a:prstGeom prst="rect">
+            <a:avLst/>
+          </a:prstGeom>
+        </p:spPr>
+      </p:pic>
+      <p:pic>
+        <p:nvPicPr>
+          <p:cNvPr id="6" name="Picture 5">
+            <a:extLst>
+              <a:ext uri="{FF2B5EF4-FFF2-40B4-BE49-F238E27FC236}">
+                <a16:creationId xmlns:a16="http://schemas.microsoft.com/office/drawing/2014/main" id="{5231EA9F-9F08-4441-A56A-94DFCF250BFE}"/>
+              </a:ext>
+            </a:extLst>
+          </p:cNvPr>
+          <p:cNvPicPr>
+            <a:picLocks noChangeAspect="1"/>
+          </p:cNvPicPr>
+          <p:nvPr/>
+        </p:nvPicPr>
+        <p:blipFill>
+          <a:blip r:embed="rId3">
+            <a:extLst>
+              <a:ext uri="{28A0092B-C50C-407E-A947-70E740481C1C}">
+                <a14:useLocalDpi xmlns:a14="http://schemas.microsoft.com/office/drawing/2010/main" val="0"/>
+              </a:ext>
+            </a:extLst>
+          </a:blip>
+          <a:stretch>
+            <a:fillRect/>
+          </a:stretch>
+        </p:blipFill>
+        <p:spPr>
+          <a:xfrm>
+            <a:off x="6361777" y="1498600"/>
+            <a:ext cx="5181600" cy="3542109"/>
+          </a:xfrm>
+          <a:prstGeom prst="rect">
+            <a:avLst/>
+          </a:prstGeom>
+        </p:spPr>
+      </p:pic>
+      <p:pic>
+        <p:nvPicPr>
+          <p:cNvPr id="8" name="Picture 7">
+            <a:extLst>
+              <a:ext uri="{FF2B5EF4-FFF2-40B4-BE49-F238E27FC236}">
+                <a16:creationId xmlns:a16="http://schemas.microsoft.com/office/drawing/2014/main" id="{BC5BB452-57E5-4049-A3CA-9FA6D14BF7D2}"/>
+              </a:ext>
+            </a:extLst>
+          </p:cNvPr>
+          <p:cNvPicPr>
+            <a:picLocks noChangeAspect="1"/>
+          </p:cNvPicPr>
+          <p:nvPr/>
+        </p:nvPicPr>
+        <p:blipFill>
+          <a:blip r:embed="rId4">
+            <a:extLst>
+              <a:ext uri="{28A0092B-C50C-407E-A947-70E740481C1C}">
+                <a14:useLocalDpi xmlns:a14="http://schemas.microsoft.com/office/drawing/2010/main" val="0"/>
+              </a:ext>
+            </a:extLst>
+          </a:blip>
+          <a:stretch>
+            <a:fillRect/>
+          </a:stretch>
+        </p:blipFill>
+        <p:spPr>
+          <a:xfrm>
+            <a:off x="1363505" y="3429000"/>
+            <a:ext cx="4847143" cy="2710064"/>
+          </a:xfrm>
+          <a:prstGeom prst="rect">
+            <a:avLst/>
+          </a:prstGeom>
+        </p:spPr>
+      </p:pic>
     </p:spTree>
     <p:extLst>
       <p:ext uri="{BB962C8B-B14F-4D97-AF65-F5344CB8AC3E}">
@@ -11320,14 +12144,14 @@
   <p:clrMapOvr>
     <a:masterClrMapping/>
   </p:clrMapOvr>
-  <mc:AlternateContent xmlns:mc="http://schemas.openxmlformats.org/markup-compatibility/2006" xmlns:p14="http://schemas.microsoft.com/office/powerpoint/2010/main">
-    <mc:Choice Requires="p14">
-      <p:transition spd="med" p14:dur="700">
-        <p:fade/>
+  <mc:AlternateContent xmlns:mc="http://schemas.openxmlformats.org/markup-compatibility/2006">
+    <mc:Choice xmlns:p159="http://schemas.microsoft.com/office/powerpoint/2015/09/main" Requires="p159">
+      <p:transition xmlns:p14="http://schemas.microsoft.com/office/powerpoint/2010/main" spd="slow" p14:dur="3000">
+        <p159:morph option="byObject"/>
       </p:transition>
     </mc:Choice>
-    <mc:Fallback xmlns="">
-      <p:transition spd="med">
+    <mc:Fallback>
+      <p:transition spd="slow">
         <p:fade/>
       </p:transition>
     </mc:Fallback>
@@ -11352,24 +12176,154 @@
           <a:chExt cx="0" cy="0"/>
         </a:xfrm>
       </p:grpSpPr>
+      <p:sp>
+        <p:nvSpPr>
+          <p:cNvPr id="3" name="Title 2"/>
+          <p:cNvSpPr>
+            <a:spLocks noGrp="1"/>
+          </p:cNvSpPr>
+          <p:nvPr>
+            <p:ph type="title"/>
+          </p:nvPr>
+        </p:nvSpPr>
+        <p:spPr/>
+        <p:txBody>
+          <a:bodyPr/>
+          <a:lstStyle/>
+          <a:p>
+            <a:r>
+              <a:rPr lang="ro-RO" dirty="0"/>
+              <a:t>Ecranele aplicației</a:t>
+            </a:r>
+            <a:endParaRPr lang="en-US" dirty="0"/>
+          </a:p>
+        </p:txBody>
+      </p:sp>
+      <p:pic>
+        <p:nvPicPr>
+          <p:cNvPr id="6" name="Picture 5">
+            <a:extLst>
+              <a:ext uri="{FF2B5EF4-FFF2-40B4-BE49-F238E27FC236}">
+                <a16:creationId xmlns:a16="http://schemas.microsoft.com/office/drawing/2014/main" id="{5231EA9F-9F08-4441-A56A-94DFCF250BFE}"/>
+              </a:ext>
+            </a:extLst>
+          </p:cNvPr>
+          <p:cNvPicPr>
+            <a:picLocks noChangeAspect="1"/>
+          </p:cNvPicPr>
+          <p:nvPr/>
+        </p:nvPicPr>
+        <p:blipFill>
+          <a:blip r:embed="rId2">
+            <a:extLst>
+              <a:ext uri="{28A0092B-C50C-407E-A947-70E740481C1C}">
+                <a14:useLocalDpi xmlns:a14="http://schemas.microsoft.com/office/drawing/2010/main" val="0"/>
+              </a:ext>
+            </a:extLst>
+          </a:blip>
+          <a:stretch>
+            <a:fillRect/>
+          </a:stretch>
+        </p:blipFill>
+        <p:spPr>
+          <a:xfrm>
+            <a:off x="1370012" y="1498600"/>
+            <a:ext cx="5181600" cy="3542109"/>
+          </a:xfrm>
+          <a:prstGeom prst="rect">
+            <a:avLst/>
+          </a:prstGeom>
+        </p:spPr>
+      </p:pic>
+      <p:pic>
+        <p:nvPicPr>
+          <p:cNvPr id="5" name="Picture 4">
+            <a:extLst>
+              <a:ext uri="{FF2B5EF4-FFF2-40B4-BE49-F238E27FC236}">
+                <a16:creationId xmlns:a16="http://schemas.microsoft.com/office/drawing/2014/main" id="{B7668DD2-10B2-4B15-8478-161E8F28CE60}"/>
+              </a:ext>
+            </a:extLst>
+          </p:cNvPr>
+          <p:cNvPicPr>
+            <a:picLocks noChangeAspect="1"/>
+          </p:cNvPicPr>
+          <p:nvPr/>
+        </p:nvPicPr>
+        <p:blipFill>
+          <a:blip r:embed="rId3">
+            <a:extLst>
+              <a:ext uri="{28A0092B-C50C-407E-A947-70E740481C1C}">
+                <a14:useLocalDpi xmlns:a14="http://schemas.microsoft.com/office/drawing/2010/main" val="0"/>
+              </a:ext>
+            </a:extLst>
+          </a:blip>
+          <a:stretch>
+            <a:fillRect/>
+          </a:stretch>
+        </p:blipFill>
+        <p:spPr>
+          <a:xfrm>
+            <a:off x="6650755" y="1498599"/>
+            <a:ext cx="5172692" cy="3542109"/>
+          </a:xfrm>
+          <a:prstGeom prst="rect">
+            <a:avLst/>
+          </a:prstGeom>
+        </p:spPr>
+      </p:pic>
+      <p:pic>
+        <p:nvPicPr>
+          <p:cNvPr id="9" name="Picture 8">
+            <a:extLst>
+              <a:ext uri="{FF2B5EF4-FFF2-40B4-BE49-F238E27FC236}">
+                <a16:creationId xmlns:a16="http://schemas.microsoft.com/office/drawing/2014/main" id="{53C19745-1366-49B3-AEEA-2FF6EFF410E3}"/>
+              </a:ext>
+            </a:extLst>
+          </p:cNvPr>
+          <p:cNvPicPr>
+            <a:picLocks noChangeAspect="1"/>
+          </p:cNvPicPr>
+          <p:nvPr/>
+        </p:nvPicPr>
+        <p:blipFill rotWithShape="1">
+          <a:blip r:embed="rId4">
+            <a:extLst>
+              <a:ext uri="{28A0092B-C50C-407E-A947-70E740481C1C}">
+                <a14:useLocalDpi xmlns:a14="http://schemas.microsoft.com/office/drawing/2010/main" val="0"/>
+              </a:ext>
+            </a:extLst>
+          </a:blip>
+          <a:srcRect t="53922"/>
+          <a:stretch/>
+        </p:blipFill>
+        <p:spPr>
+          <a:xfrm>
+            <a:off x="1370012" y="5181600"/>
+            <a:ext cx="10453372" cy="1186291"/>
+          </a:xfrm>
+          <a:prstGeom prst="rect">
+            <a:avLst/>
+          </a:prstGeom>
+        </p:spPr>
+      </p:pic>
     </p:spTree>
     <p:extLst>
       <p:ext uri="{BB962C8B-B14F-4D97-AF65-F5344CB8AC3E}">
-        <p14:creationId xmlns:p14="http://schemas.microsoft.com/office/powerpoint/2010/main" val="1405850135"/>
+        <p14:creationId xmlns:p14="http://schemas.microsoft.com/office/powerpoint/2010/main" val="3269942434"/>
       </p:ext>
     </p:extLst>
   </p:cSld>
   <p:clrMapOvr>
     <a:masterClrMapping/>
   </p:clrMapOvr>
-  <mc:AlternateContent xmlns:mc="http://schemas.openxmlformats.org/markup-compatibility/2006" xmlns:p14="http://schemas.microsoft.com/office/powerpoint/2010/main">
-    <mc:Choice Requires="p14">
-      <p:transition spd="med" p14:dur="700">
-        <p:fade/>
+  <mc:AlternateContent xmlns:mc="http://schemas.openxmlformats.org/markup-compatibility/2006">
+    <mc:Choice xmlns:p159="http://schemas.microsoft.com/office/powerpoint/2015/09/main" Requires="p159">
+      <p:transition xmlns:p14="http://schemas.microsoft.com/office/powerpoint/2010/main" spd="slow" p14:dur="3000">
+        <p159:morph option="byObject"/>
       </p:transition>
     </mc:Choice>
-    <mc:Fallback xmlns="">
-      <p:transition spd="med">
+    <mc:Fallback>
+      <p:transition spd="slow">
         <p:fade/>
       </p:transition>
     </mc:Fallback>
@@ -12464,6 +13418,15 @@
 </file>
 
 <file path=customXml/item2.xml><?xml version="1.0" encoding="utf-8"?>
+<?mso-contentType ?>
+<FormTemplates xmlns="http://schemas.microsoft.com/sharepoint/v3/contenttype/forms">
+  <Display>DocumentLibraryForm</Display>
+  <Edit>AssetEditForm</Edit>
+  <New>DocumentLibraryForm</New>
+</FormTemplates>
+</file>
+
+<file path=customXml/item3.xml><?xml version="1.0" encoding="utf-8"?>
 <ct:contentTypeSchema xmlns:ct="http://schemas.microsoft.com/office/2006/metadata/contentType" xmlns:ma="http://schemas.microsoft.com/office/2006/metadata/properties/metaAttributes" ct:_="" ma:_="" ma:contentTypeName="TemplateFile" ma:contentTypeID="0x0101006EDDDB5EE6D98C44930B742096920B300400F5B6D36B3EF94B4E9A635CDF2A18F5B8" ma:contentTypeVersion="72" ma:contentTypeDescription="Create a new document." ma:contentTypeScope="" ma:versionID="a23e56308344d904b51738559c3d67c9">
   <xsd:schema xmlns:xsd="http://www.w3.org/2001/XMLSchema" xmlns:xs="http://www.w3.org/2001/XMLSchema" xmlns:p="http://schemas.microsoft.com/office/2006/metadata/properties" xmlns:ns2="4873beb7-5857-4685-be1f-d57550cc96cc" targetNamespace="http://schemas.microsoft.com/office/2006/metadata/properties" ma:root="true" ma:fieldsID="cd0908cc4600e77bf5da051303e00c8d" ns2:_="">
     <xsd:import namespace="4873beb7-5857-4685-be1f-d57550cc96cc"/>
@@ -13503,15 +14466,6 @@
 </ct:contentTypeSchema>
 </file>
 
-<file path=customXml/item3.xml><?xml version="1.0" encoding="utf-8"?>
-<?mso-contentType ?>
-<FormTemplates xmlns="http://schemas.microsoft.com/sharepoint/v3/contenttype/forms">
-  <Display>DocumentLibraryForm</Display>
-  <Edit>AssetEditForm</Edit>
-  <New>DocumentLibraryForm</New>
-</FormTemplates>
-</file>
-
 <file path=customXml/itemProps1.xml><?xml version="1.0" encoding="utf-8"?>
 <ds:datastoreItem xmlns:ds="http://schemas.openxmlformats.org/officeDocument/2006/customXml" ds:itemID="{60C67BEE-D13F-4BD2-98A5-34D8A0977F68}">
   <ds:schemaRefs>
@@ -13529,6 +14483,14 @@
 </file>
 
 <file path=customXml/itemProps2.xml><?xml version="1.0" encoding="utf-8"?>
+<ds:datastoreItem xmlns:ds="http://schemas.openxmlformats.org/officeDocument/2006/customXml" ds:itemID="{3836F65B-1B07-41EE-A0E8-BC6EF3855225}">
+  <ds:schemaRefs>
+    <ds:schemaRef ds:uri="http://schemas.microsoft.com/sharepoint/v3/contenttype/forms"/>
+  </ds:schemaRefs>
+</ds:datastoreItem>
+</file>
+
+<file path=customXml/itemProps3.xml><?xml version="1.0" encoding="utf-8"?>
 <ds:datastoreItem xmlns:ds="http://schemas.openxmlformats.org/officeDocument/2006/customXml" ds:itemID="{A09BF4D4-EF60-4196-BFC3-9462D607978C}">
   <ds:schemaRefs>
     <ds:schemaRef ds:uri="http://schemas.microsoft.com/office/2006/metadata/contentType"/>
@@ -13544,12 +14506,4 @@
     <ds:schemaRef ds:uri="http://schemas.microsoft.com/internal/obd"/>
   </ds:schemaRefs>
 </ds:datastoreItem>
-</file>
-
-<file path=customXml/itemProps3.xml><?xml version="1.0" encoding="utf-8"?>
-<ds:datastoreItem xmlns:ds="http://schemas.openxmlformats.org/officeDocument/2006/customXml" ds:itemID="{3836F65B-1B07-41EE-A0E8-BC6EF3855225}">
-  <ds:schemaRefs>
-    <ds:schemaRef ds:uri="http://schemas.microsoft.com/sharepoint/v3/contenttype/forms"/>
-  </ds:schemaRefs>
-</ds:datastoreItem>
 </file>
--- a/prezentare.pptx
+++ b/prezentare.pptx
@@ -5,10 +5,10 @@
     <p:sldMasterId id="2147483660" r:id="rId4"/>
   </p:sldMasterIdLst>
   <p:notesMasterIdLst>
-    <p:notesMasterId r:id="rId17"/>
+    <p:notesMasterId r:id="rId18"/>
   </p:notesMasterIdLst>
   <p:handoutMasterIdLst>
-    <p:handoutMasterId r:id="rId18"/>
+    <p:handoutMasterId r:id="rId19"/>
   </p:handoutMasterIdLst>
   <p:sldIdLst>
     <p:sldId id="257" r:id="rId5"/>
@@ -22,7 +22,8 @@
     <p:sldId id="274" r:id="rId13"/>
     <p:sldId id="275" r:id="rId14"/>
     <p:sldId id="271" r:id="rId15"/>
-    <p:sldId id="265" r:id="rId16"/>
+    <p:sldId id="276" r:id="rId16"/>
+    <p:sldId id="265" r:id="rId17"/>
   </p:sldIdLst>
   <p:sldSz cx="12188825" cy="6858000"/>
   <p:notesSz cx="6858000" cy="9144000"/>
@@ -152,6 +153,18 @@
     </p:ext>
   </p:extLst>
 </p:presentation>
+</file>
+
+<file path=ppt/commentAuthors.xml><?xml version="1.0" encoding="utf-8"?>
+<p:cmAuthorLst xmlns:a="http://schemas.openxmlformats.org/drawingml/2006/main" xmlns:r="http://schemas.openxmlformats.org/officeDocument/2006/relationships" xmlns:p="http://schemas.openxmlformats.org/presentationml/2006/main">
+  <p:cmAuthor id="1" name="Rares Neagu" initials="RN" lastIdx="1" clrIdx="0">
+    <p:extLst>
+      <p:ext uri="{19B8F6BF-5375-455C-9EA6-DF929625EA0E}">
+        <p15:presenceInfo xmlns:p15="http://schemas.microsoft.com/office/powerpoint/2012/main" userId="Rares Neagu" providerId="None"/>
+      </p:ext>
+    </p:extLst>
+  </p:cmAuthor>
+</p:cmAuthorLst>
 </file>
 
 <file path=ppt/revisionInfo.xml><?xml version="1.0" encoding="utf-8"?>
@@ -4443,7 +4456,7 @@
           <a:p>
             <a:fld id="{FE5B4EDC-59C0-49C7-8ADA-5A781B329E02}" type="datetimeFigureOut">
               <a:rPr lang="en-US"/>
-              <a:t>2017-06-25</a:t>
+              <a:t>2017-06-28</a:t>
             </a:fld>
             <a:endParaRPr/>
           </a:p>
@@ -4608,7 +4621,7 @@
           <a:p>
             <a:fld id="{F2D8D46A-B586-417D-BFBD-8C8FE0AAF762}" type="datetimeFigureOut">
               <a:rPr lang="en-US"/>
-              <a:t>2017-06-25</a:t>
+              <a:t>2017-06-28</a:t>
             </a:fld>
             <a:endParaRPr/>
           </a:p>
@@ -4914,6 +4927,52 @@
           <a:bodyPr/>
           <a:lstStyle/>
           <a:p>
+            <a:pPr marL="0" indent="0">
+              <a:buNone/>
+            </a:pPr>
+            <a:r>
+              <a:rPr lang="ro-RO" dirty="0"/>
+              <a:t>In dreapta puteti observa modulele principale ale aplicatiei, construite conform cerintelor.</a:t>
+            </a:r>
+          </a:p>
+          <a:p>
+            <a:pPr marL="342900" indent="-342900">
+              <a:buAutoNum type="arabicPeriod"/>
+            </a:pPr>
+            <a:r>
+              <a:rPr lang="it-IT" dirty="0"/>
+              <a:t>Dubla validare – </a:t>
+            </a:r>
+            <a:r>
+              <a:rPr lang="ro-RO" dirty="0"/>
+              <a:t>1 - in browser-ul clientului </a:t>
+            </a:r>
+            <a:r>
+              <a:rPr lang="it-IT" dirty="0"/>
+              <a:t>pentru </a:t>
+            </a:r>
+            <a:r>
+              <a:rPr lang="ro-RO" dirty="0"/>
+              <a:t>validare in timp real a datelor introduse 2 – pe server pentru a asigura structura bazei de date.</a:t>
+            </a:r>
+          </a:p>
+          <a:p>
+            <a:pPr marL="342900" indent="-342900">
+              <a:buAutoNum type="arabicPeriod"/>
+            </a:pPr>
+            <a:r>
+              <a:rPr lang="ro-RO" dirty="0"/>
+              <a:t>Importul datelor furnizate – fisiere tip Excel – de catre Altex / Media Galaxy se efectueaza folosind modulul de import, ce compara numele coloanelor cu siruri de caractere prestabilite.</a:t>
+            </a:r>
+          </a:p>
+          <a:p>
+            <a:pPr marL="342900" indent="-342900">
+              <a:buAutoNum type="arabicPeriod"/>
+            </a:pPr>
+            <a:r>
+              <a:rPr lang="ro-RO" dirty="0"/>
+              <a:t>Exista flexibilitate in algoritmul de construire a deciziilor, automat: pe baza cererilor de despagubire si a asigurarii din modulul de import prin intermediul numarului facturii sau manual.</a:t>
+            </a:r>
             <a:endParaRPr lang="en-US" dirty="0"/>
           </a:p>
         </p:txBody>
@@ -4945,6 +5004,264 @@
     <p:extLst>
       <p:ext uri="{BB962C8B-B14F-4D97-AF65-F5344CB8AC3E}">
         <p14:creationId xmlns:p14="http://schemas.microsoft.com/office/powerpoint/2010/main" val="4117229062"/>
+      </p:ext>
+    </p:extLst>
+  </p:cSld>
+  <p:clrMapOvr>
+    <a:masterClrMapping/>
+  </p:clrMapOvr>
+</p:notes>
+</file>
+
+<file path=ppt/notesSlides/notesSlide2.xml><?xml version="1.0" encoding="utf-8"?>
+<p:notes xmlns:a="http://schemas.openxmlformats.org/drawingml/2006/main" xmlns:r="http://schemas.openxmlformats.org/officeDocument/2006/relationships" xmlns:p="http://schemas.openxmlformats.org/presentationml/2006/main">
+  <p:cSld>
+    <p:spTree>
+      <p:nvGrpSpPr>
+        <p:cNvPr id="1" name=""/>
+        <p:cNvGrpSpPr/>
+        <p:nvPr/>
+      </p:nvGrpSpPr>
+      <p:grpSpPr>
+        <a:xfrm>
+          <a:off x="0" y="0"/>
+          <a:ext cx="0" cy="0"/>
+          <a:chOff x="0" y="0"/>
+          <a:chExt cx="0" cy="0"/>
+        </a:xfrm>
+      </p:grpSpPr>
+      <p:sp>
+        <p:nvSpPr>
+          <p:cNvPr id="2" name="Slide Image Placeholder 1"/>
+          <p:cNvSpPr>
+            <a:spLocks noGrp="1" noRot="1" noChangeAspect="1"/>
+          </p:cNvSpPr>
+          <p:nvPr>
+            <p:ph type="sldImg"/>
+          </p:nvPr>
+        </p:nvSpPr>
+        <p:spPr/>
+      </p:sp>
+      <p:sp>
+        <p:nvSpPr>
+          <p:cNvPr id="3" name="Notes Placeholder 2"/>
+          <p:cNvSpPr>
+            <a:spLocks noGrp="1"/>
+          </p:cNvSpPr>
+          <p:nvPr>
+            <p:ph type="body" idx="1"/>
+          </p:nvPr>
+        </p:nvSpPr>
+        <p:spPr/>
+        <p:txBody>
+          <a:bodyPr/>
+          <a:lstStyle/>
+          <a:p>
+            <a:pPr marL="342900" indent="-342900">
+              <a:buAutoNum type="arabicPeriod"/>
+            </a:pPr>
+            <a:r>
+              <a:rPr lang="ro-RO" dirty="0"/>
+              <a:t>Algoritmul initial transforma datele din fisierul Excel intr-un vector.</a:t>
+            </a:r>
+          </a:p>
+          <a:p>
+            <a:pPr marL="342900" indent="-342900">
+              <a:buAutoNum type="arabicPeriod"/>
+            </a:pPr>
+            <a:endParaRPr lang="ro-RO" dirty="0"/>
+          </a:p>
+          <a:p>
+            <a:pPr marL="342900" indent="-342900">
+              <a:buAutoNum type="arabicPeriod"/>
+            </a:pPr>
+            <a:endParaRPr lang="ro-RO" dirty="0"/>
+          </a:p>
+          <a:p>
+            <a:endParaRPr lang="ro-RO" dirty="0"/>
+          </a:p>
+        </p:txBody>
+      </p:sp>
+      <p:sp>
+        <p:nvSpPr>
+          <p:cNvPr id="4" name="Slide Number Placeholder 3"/>
+          <p:cNvSpPr>
+            <a:spLocks noGrp="1"/>
+          </p:cNvSpPr>
+          <p:nvPr>
+            <p:ph type="sldNum" sz="quarter" idx="10"/>
+          </p:nvPr>
+        </p:nvSpPr>
+        <p:spPr/>
+        <p:txBody>
+          <a:bodyPr/>
+          <a:lstStyle/>
+          <a:p>
+            <a:fld id="{3EBA5BD7-F043-4D1B-AA17-CD412FC534DE}" type="slidenum">
+              <a:rPr lang="en-US" smtClean="0"/>
+              <a:t>12</a:t>
+            </a:fld>
+            <a:endParaRPr lang="en-US"/>
+          </a:p>
+        </p:txBody>
+      </p:sp>
+    </p:spTree>
+    <p:extLst>
+      <p:ext uri="{BB962C8B-B14F-4D97-AF65-F5344CB8AC3E}">
+        <p14:creationId xmlns:p14="http://schemas.microsoft.com/office/powerpoint/2010/main" val="2287940818"/>
+      </p:ext>
+    </p:extLst>
+  </p:cSld>
+  <p:clrMapOvr>
+    <a:masterClrMapping/>
+  </p:clrMapOvr>
+</p:notes>
+</file>
+
+<file path=ppt/notesSlides/notesSlide3.xml><?xml version="1.0" encoding="utf-8"?>
+<p:notes xmlns:a="http://schemas.openxmlformats.org/drawingml/2006/main" xmlns:r="http://schemas.openxmlformats.org/officeDocument/2006/relationships" xmlns:p="http://schemas.openxmlformats.org/presentationml/2006/main">
+  <p:cSld>
+    <p:spTree>
+      <p:nvGrpSpPr>
+        <p:cNvPr id="1" name=""/>
+        <p:cNvGrpSpPr/>
+        <p:nvPr/>
+      </p:nvGrpSpPr>
+      <p:grpSpPr>
+        <a:xfrm>
+          <a:off x="0" y="0"/>
+          <a:ext cx="0" cy="0"/>
+          <a:chOff x="0" y="0"/>
+          <a:chExt cx="0" cy="0"/>
+        </a:xfrm>
+      </p:grpSpPr>
+      <p:sp>
+        <p:nvSpPr>
+          <p:cNvPr id="2" name="Slide Image Placeholder 1"/>
+          <p:cNvSpPr>
+            <a:spLocks noGrp="1" noRot="1" noChangeAspect="1"/>
+          </p:cNvSpPr>
+          <p:nvPr>
+            <p:ph type="sldImg"/>
+          </p:nvPr>
+        </p:nvSpPr>
+        <p:spPr/>
+      </p:sp>
+      <p:sp>
+        <p:nvSpPr>
+          <p:cNvPr id="3" name="Notes Placeholder 2"/>
+          <p:cNvSpPr>
+            <a:spLocks noGrp="1"/>
+          </p:cNvSpPr>
+          <p:nvPr>
+            <p:ph type="body" idx="1"/>
+          </p:nvPr>
+        </p:nvSpPr>
+        <p:spPr/>
+        <p:txBody>
+          <a:bodyPr/>
+          <a:lstStyle/>
+          <a:p>
+            <a:r>
+              <a:rPr lang="ro-RO" dirty="0"/>
+              <a:t>1. Teste automate - se testeaza calitatea datelor, prin intermediul testelor unitare (module decuplate de sistem) si de integrare (la nivel de aplicatie), inainte de a se incarca pe serverul de testare.</a:t>
+            </a:r>
+          </a:p>
+          <a:p>
+            <a:pPr marL="0" marR="0" lvl="0" indent="0" algn="l" defTabSz="1218987" rtl="0" eaLnBrk="1" fontAlgn="auto" latinLnBrk="0" hangingPunct="1">
+              <a:lnSpc>
+                <a:spcPct val="100000"/>
+              </a:lnSpc>
+              <a:spcBef>
+                <a:spcPts val="0"/>
+              </a:spcBef>
+              <a:spcAft>
+                <a:spcPts val="0"/>
+              </a:spcAft>
+              <a:buClrTx/>
+              <a:buSzTx/>
+              <a:buFontTx/>
+              <a:buNone/>
+              <a:tabLst/>
+              <a:defRPr/>
+            </a:pPr>
+            <a:r>
+              <a:rPr lang="ro-RO" dirty="0"/>
+              <a:t>2. Salvarea automata a bazei de date – sistem de operare Linux – CRON Linux. Va trimite automat in AWS S3 backup (glaciar storage – tier-uri de storage).</a:t>
+            </a:r>
+          </a:p>
+          <a:p>
+            <a:pPr marL="0" marR="0" lvl="0" indent="0" algn="l" defTabSz="1218987" rtl="0" eaLnBrk="1" fontAlgn="auto" latinLnBrk="0" hangingPunct="1">
+              <a:lnSpc>
+                <a:spcPct val="100000"/>
+              </a:lnSpc>
+              <a:spcBef>
+                <a:spcPts val="0"/>
+              </a:spcBef>
+              <a:spcAft>
+                <a:spcPts val="0"/>
+              </a:spcAft>
+              <a:buClrTx/>
+              <a:buSzTx/>
+              <a:buFontTx/>
+              <a:buNone/>
+              <a:tabLst/>
+              <a:defRPr/>
+            </a:pPr>
+            <a:endParaRPr lang="ro-RO" dirty="0"/>
+          </a:p>
+          <a:p>
+            <a:pPr marL="0" marR="0" lvl="0" indent="0" algn="l" defTabSz="1218987" rtl="0" eaLnBrk="1" fontAlgn="auto" latinLnBrk="0" hangingPunct="1">
+              <a:lnSpc>
+                <a:spcPct val="100000"/>
+              </a:lnSpc>
+              <a:spcBef>
+                <a:spcPts val="0"/>
+              </a:spcBef>
+              <a:spcAft>
+                <a:spcPts val="0"/>
+              </a:spcAft>
+              <a:buClrTx/>
+              <a:buSzTx/>
+              <a:buFontTx/>
+              <a:buNone/>
+              <a:tabLst/>
+              <a:defRPr/>
+            </a:pPr>
+            <a:r>
+              <a:rPr lang="ro-RO" dirty="0"/>
+              <a:t>Introducerea câmpului de factură în decizie?</a:t>
+            </a:r>
+          </a:p>
+        </p:txBody>
+      </p:sp>
+      <p:sp>
+        <p:nvSpPr>
+          <p:cNvPr id="4" name="Slide Number Placeholder 3"/>
+          <p:cNvSpPr>
+            <a:spLocks noGrp="1"/>
+          </p:cNvSpPr>
+          <p:nvPr>
+            <p:ph type="sldNum" sz="quarter" idx="10"/>
+          </p:nvPr>
+        </p:nvSpPr>
+        <p:spPr/>
+        <p:txBody>
+          <a:bodyPr/>
+          <a:lstStyle/>
+          <a:p>
+            <a:fld id="{3EBA5BD7-F043-4D1B-AA17-CD412FC534DE}" type="slidenum">
+              <a:rPr lang="en-US" smtClean="0"/>
+              <a:t>13</a:t>
+            </a:fld>
+            <a:endParaRPr lang="en-US"/>
+          </a:p>
+        </p:txBody>
+      </p:sp>
+    </p:spTree>
+    <p:extLst>
+      <p:ext uri="{BB962C8B-B14F-4D97-AF65-F5344CB8AC3E}">
+        <p14:creationId xmlns:p14="http://schemas.microsoft.com/office/powerpoint/2010/main" val="3534323679"/>
       </p:ext>
     </p:extLst>
   </p:cSld>
@@ -5710,7 +6027,7 @@
           <a:p>
             <a:fld id="{F0DFD029-FB74-4578-B929-F66AA97659CA}" type="datetimeFigureOut">
               <a:rPr lang="en-US"/>
-              <a:t>2017-06-25</a:t>
+              <a:t>2017-06-28</a:t>
             </a:fld>
             <a:endParaRPr/>
           </a:p>
@@ -5899,7 +6216,7 @@
           <a:p>
             <a:fld id="{F0DFD029-FB74-4578-B929-F66AA97659CA}" type="datetimeFigureOut">
               <a:rPr lang="en-US"/>
-              <a:t>2017-06-25</a:t>
+              <a:t>2017-06-28</a:t>
             </a:fld>
             <a:endParaRPr/>
           </a:p>
@@ -6098,7 +6415,7 @@
           <a:p>
             <a:fld id="{F0DFD029-FB74-4578-B929-F66AA97659CA}" type="datetimeFigureOut">
               <a:rPr lang="en-US"/>
-              <a:t>2017-06-25</a:t>
+              <a:t>2017-06-28</a:t>
             </a:fld>
             <a:endParaRPr/>
           </a:p>
@@ -6287,7 +6604,7 @@
           <a:p>
             <a:fld id="{F0DFD029-FB74-4578-B929-F66AA97659CA}" type="datetimeFigureOut">
               <a:rPr lang="en-US"/>
-              <a:t>2017-06-25</a:t>
+              <a:t>2017-06-28</a:t>
             </a:fld>
             <a:endParaRPr/>
           </a:p>
@@ -6710,7 +7027,7 @@
           <a:p>
             <a:fld id="{F0DFD029-FB74-4578-B929-F66AA97659CA}" type="datetimeFigureOut">
               <a:rPr lang="en-US"/>
-              <a:t>2017-06-25</a:t>
+              <a:t>2017-06-28</a:t>
             </a:fld>
             <a:endParaRPr/>
           </a:p>
@@ -7005,7 +7322,7 @@
           <a:p>
             <a:fld id="{F0DFD029-FB74-4578-B929-F66AA97659CA}" type="datetimeFigureOut">
               <a:rPr lang="en-US"/>
-              <a:t>2017-06-25</a:t>
+              <a:t>2017-06-28</a:t>
             </a:fld>
             <a:endParaRPr/>
           </a:p>
@@ -7452,7 +7769,7 @@
           <a:p>
             <a:fld id="{F0DFD029-FB74-4578-B929-F66AA97659CA}" type="datetimeFigureOut">
               <a:rPr lang="en-US"/>
-              <a:t>2017-06-25</a:t>
+              <a:t>2017-06-28</a:t>
             </a:fld>
             <a:endParaRPr/>
           </a:p>
@@ -7573,7 +7890,7 @@
           <a:p>
             <a:fld id="{F0DFD029-FB74-4578-B929-F66AA97659CA}" type="datetimeFigureOut">
               <a:rPr lang="en-US"/>
-              <a:t>2017-06-25</a:t>
+              <a:t>2017-06-28</a:t>
             </a:fld>
             <a:endParaRPr/>
           </a:p>
@@ -7671,7 +7988,7 @@
           <a:p>
             <a:fld id="{F0DFD029-FB74-4578-B929-F66AA97659CA}" type="datetimeFigureOut">
               <a:rPr lang="en-US"/>
-              <a:t>2017-06-25</a:t>
+              <a:t>2017-06-28</a:t>
             </a:fld>
             <a:endParaRPr/>
           </a:p>
@@ -7961,7 +8278,7 @@
           <a:p>
             <a:fld id="{F0DFD029-FB74-4578-B929-F66AA97659CA}" type="datetimeFigureOut">
               <a:rPr lang="en-US"/>
-              <a:t>2017-06-25</a:t>
+              <a:t>2017-06-28</a:t>
             </a:fld>
             <a:endParaRPr/>
           </a:p>
@@ -8240,7 +8557,7 @@
           <a:p>
             <a:fld id="{F0DFD029-FB74-4578-B929-F66AA97659CA}" type="datetimeFigureOut">
               <a:rPr lang="en-US"/>
-              <a:t>2017-06-25</a:t>
+              <a:t>2017-06-28</a:t>
             </a:fld>
             <a:endParaRPr/>
           </a:p>
@@ -8854,7 +9171,7 @@
             <a:fld id="{F0DFD029-FB74-4578-B929-F66AA97659CA}" type="datetimeFigureOut">
               <a:rPr lang="en-US"/>
               <a:pPr/>
-              <a:t>2017-06-25</a:t>
+              <a:t>2017-06-28</a:t>
             </a:fld>
             <a:endParaRPr/>
           </a:p>
@@ -9381,13 +9698,13 @@
   <p:clrMapOvr>
     <a:masterClrMapping/>
   </p:clrMapOvr>
-  <mc:AlternateContent xmlns:mc="http://schemas.openxmlformats.org/markup-compatibility/2006">
-    <mc:Choice xmlns:p14="http://schemas.microsoft.com/office/powerpoint/2010/main" Requires="p14">
+  <mc:AlternateContent xmlns:mc="http://schemas.openxmlformats.org/markup-compatibility/2006" xmlns:p14="http://schemas.microsoft.com/office/powerpoint/2010/main">
+    <mc:Choice Requires="p14">
       <p:transition spd="slow" p14:dur="3000">
         <p:fade/>
       </p:transition>
     </mc:Choice>
-    <mc:Fallback>
+    <mc:Fallback xmlns="">
       <p:transition spd="slow">
         <p:fade/>
       </p:transition>
@@ -9430,9 +9747,8 @@
           <a:p>
             <a:r>
               <a:rPr lang="ro-RO" dirty="0"/>
-              <a:t>Algoritmul de construire a raportului de vânzări</a:t>
+              <a:t>Soluții adoptate</a:t>
             </a:r>
-            <a:endParaRPr lang="en-US" dirty="0"/>
           </a:p>
         </p:txBody>
       </p:sp>
@@ -9453,7 +9769,7 @@
           <a:p>
             <a:r>
               <a:rPr lang="ro-RO" dirty="0"/>
-              <a:t>Abordare eficientă spațiu-timp</a:t>
+              <a:t>SOLUȚII EFICIENTE spațiu-timp</a:t>
             </a:r>
             <a:endParaRPr lang="en-US" dirty="0"/>
           </a:p>
@@ -9469,13 +9785,13 @@
   <p:clrMapOvr>
     <a:masterClrMapping/>
   </p:clrMapOvr>
-  <mc:AlternateContent xmlns:mc="http://schemas.openxmlformats.org/markup-compatibility/2006">
-    <mc:Choice xmlns:p14="http://schemas.microsoft.com/office/powerpoint/2010/main" Requires="p14">
+  <mc:AlternateContent xmlns:mc="http://schemas.openxmlformats.org/markup-compatibility/2006" xmlns:p14="http://schemas.microsoft.com/office/powerpoint/2010/main">
+    <mc:Choice Requires="p14">
       <p:transition spd="slow" p14:dur="3000">
         <p:push dir="u"/>
       </p:transition>
     </mc:Choice>
-    <mc:Fallback>
+    <mc:Fallback xmlns="">
       <p:transition spd="slow">
         <p:push dir="u"/>
       </p:transition>
@@ -9681,13 +9997,13 @@
   <p:clrMapOvr>
     <a:masterClrMapping/>
   </p:clrMapOvr>
-  <mc:AlternateContent xmlns:mc="http://schemas.openxmlformats.org/markup-compatibility/2006">
-    <mc:Choice xmlns:p159="http://schemas.microsoft.com/office/powerpoint/2015/09/main" Requires="p159">
+  <mc:AlternateContent xmlns:mc="http://schemas.openxmlformats.org/markup-compatibility/2006" xmlns:p159="http://schemas.microsoft.com/office/powerpoint/2015/09/main">
+    <mc:Choice Requires="p159">
       <p:transition xmlns:p14="http://schemas.microsoft.com/office/powerpoint/2010/main" spd="slow" p14:dur="3000">
         <p159:morph option="byObject"/>
       </p:transition>
     </mc:Choice>
-    <mc:Fallback>
+    <mc:Fallback xmlns="">
       <p:transition spd="slow">
         <p:fade/>
       </p:transition>
@@ -10527,6 +10843,394 @@
       </p:grpSpPr>
       <p:sp>
         <p:nvSpPr>
+          <p:cNvPr id="2" name="Title 1"/>
+          <p:cNvSpPr>
+            <a:spLocks noGrp="1"/>
+          </p:cNvSpPr>
+          <p:nvPr>
+            <p:ph type="title"/>
+          </p:nvPr>
+        </p:nvSpPr>
+        <p:spPr/>
+        <p:txBody>
+          <a:bodyPr/>
+          <a:lstStyle/>
+          <a:p>
+            <a:r>
+              <a:rPr lang="ro-RO" dirty="0"/>
+              <a:t>Importul săptămânal de date</a:t>
+            </a:r>
+            <a:endParaRPr lang="en-US" dirty="0"/>
+          </a:p>
+        </p:txBody>
+      </p:sp>
+      <p:sp>
+        <p:nvSpPr>
+          <p:cNvPr id="12" name="Content Placeholder 11">
+            <a:extLst>
+              <a:ext uri="{FF2B5EF4-FFF2-40B4-BE49-F238E27FC236}">
+                <a16:creationId xmlns:a16="http://schemas.microsoft.com/office/drawing/2014/main" id="{4567A79E-26E1-4944-BE8A-CD7874A2465B}"/>
+              </a:ext>
+            </a:extLst>
+          </p:cNvPr>
+          <p:cNvSpPr>
+            <a:spLocks noGrp="1"/>
+          </p:cNvSpPr>
+          <p:nvPr>
+            <p:ph idx="1"/>
+          </p:nvPr>
+        </p:nvSpPr>
+        <p:spPr/>
+        <p:txBody>
+          <a:bodyPr/>
+          <a:lstStyle/>
+          <a:p>
+            <a:r>
+              <a:rPr lang="ro-RO" dirty="0"/>
+              <a:t>Algoritmul inițial de căutare a datelor în fișierul Excel - după numărul coloanei.</a:t>
+            </a:r>
+          </a:p>
+          <a:p>
+            <a:r>
+              <a:rPr lang="ro-RO" dirty="0"/>
+              <a:t>Algoritmul final de căutare a datelor în fișierul Excel – după capul de tabel.</a:t>
+            </a:r>
+          </a:p>
+          <a:p>
+            <a:r>
+              <a:rPr lang="ro-RO" dirty="0"/>
+              <a:t>Se construiesc modelele aferente structurii bazei de date.</a:t>
+            </a:r>
+          </a:p>
+          <a:p>
+            <a:r>
+              <a:rPr lang="ro-RO" dirty="0"/>
+              <a:t>Modelele sunt încărcate în baza de date.</a:t>
+            </a:r>
+          </a:p>
+        </p:txBody>
+      </p:sp>
+    </p:spTree>
+    <p:extLst>
+      <p:ext uri="{BB962C8B-B14F-4D97-AF65-F5344CB8AC3E}">
+        <p14:creationId xmlns:p14="http://schemas.microsoft.com/office/powerpoint/2010/main" val="3821879888"/>
+      </p:ext>
+    </p:extLst>
+  </p:cSld>
+  <p:clrMapOvr>
+    <a:masterClrMapping/>
+  </p:clrMapOvr>
+  <mc:AlternateContent xmlns:mc="http://schemas.openxmlformats.org/markup-compatibility/2006" xmlns:p159="http://schemas.microsoft.com/office/powerpoint/2015/09/main">
+    <mc:Choice Requires="p159">
+      <p:transition xmlns:p14="http://schemas.microsoft.com/office/powerpoint/2010/main" spd="slow" p14:dur="3000">
+        <p159:morph option="byObject"/>
+      </p:transition>
+    </mc:Choice>
+    <mc:Fallback xmlns="">
+      <p:transition spd="slow">
+        <p:fade/>
+      </p:transition>
+    </mc:Fallback>
+  </mc:AlternateContent>
+  <p:timing>
+    <p:tnLst>
+      <p:par>
+        <p:cTn id="1" dur="indefinite" restart="never" nodeType="tmRoot">
+          <p:childTnLst>
+            <p:seq concurrent="1" nextAc="seek">
+              <p:cTn id="2" dur="indefinite" nodeType="mainSeq">
+                <p:childTnLst>
+                  <p:par>
+                    <p:cTn id="3" fill="hold">
+                      <p:stCondLst>
+                        <p:cond delay="indefinite"/>
+                      </p:stCondLst>
+                      <p:childTnLst>
+                        <p:par>
+                          <p:cTn id="4" fill="hold">
+                            <p:stCondLst>
+                              <p:cond delay="0"/>
+                            </p:stCondLst>
+                            <p:childTnLst>
+                              <p:par>
+                                <p:cTn id="5" presetID="10" presetClass="entr" presetSubtype="0" fill="hold" grpId="0" nodeType="clickEffect">
+                                  <p:stCondLst>
+                                    <p:cond delay="0"/>
+                                  </p:stCondLst>
+                                  <p:childTnLst>
+                                    <p:set>
+                                      <p:cBhvr>
+                                        <p:cTn id="6" dur="1" fill="hold">
+                                          <p:stCondLst>
+                                            <p:cond delay="0"/>
+                                          </p:stCondLst>
+                                        </p:cTn>
+                                        <p:tgtEl>
+                                          <p:spTgt spid="12">
+                                            <p:txEl>
+                                              <p:pRg st="0" end="0"/>
+                                            </p:txEl>
+                                          </p:spTgt>
+                                        </p:tgtEl>
+                                        <p:attrNameLst>
+                                          <p:attrName>style.visibility</p:attrName>
+                                        </p:attrNameLst>
+                                      </p:cBhvr>
+                                      <p:to>
+                                        <p:strVal val="visible"/>
+                                      </p:to>
+                                    </p:set>
+                                    <p:animEffect transition="in" filter="fade">
+                                      <p:cBhvr>
+                                        <p:cTn id="7" dur="500"/>
+                                        <p:tgtEl>
+                                          <p:spTgt spid="12">
+                                            <p:txEl>
+                                              <p:pRg st="0" end="0"/>
+                                            </p:txEl>
+                                          </p:spTgt>
+                                        </p:tgtEl>
+                                      </p:cBhvr>
+                                    </p:animEffect>
+                                  </p:childTnLst>
+                                </p:cTn>
+                              </p:par>
+                            </p:childTnLst>
+                          </p:cTn>
+                        </p:par>
+                      </p:childTnLst>
+                    </p:cTn>
+                  </p:par>
+                  <p:par>
+                    <p:cTn id="8" fill="hold">
+                      <p:stCondLst>
+                        <p:cond delay="indefinite"/>
+                      </p:stCondLst>
+                      <p:childTnLst>
+                        <p:par>
+                          <p:cTn id="9" fill="hold">
+                            <p:stCondLst>
+                              <p:cond delay="0"/>
+                            </p:stCondLst>
+                            <p:childTnLst>
+                              <p:par>
+                                <p:cTn id="10" presetID="10" presetClass="entr" presetSubtype="0" fill="hold" grpId="0" nodeType="clickEffect">
+                                  <p:stCondLst>
+                                    <p:cond delay="0"/>
+                                  </p:stCondLst>
+                                  <p:childTnLst>
+                                    <p:set>
+                                      <p:cBhvr>
+                                        <p:cTn id="11" dur="1" fill="hold">
+                                          <p:stCondLst>
+                                            <p:cond delay="0"/>
+                                          </p:stCondLst>
+                                        </p:cTn>
+                                        <p:tgtEl>
+                                          <p:spTgt spid="12">
+                                            <p:txEl>
+                                              <p:pRg st="1" end="1"/>
+                                            </p:txEl>
+                                          </p:spTgt>
+                                        </p:tgtEl>
+                                        <p:attrNameLst>
+                                          <p:attrName>style.visibility</p:attrName>
+                                        </p:attrNameLst>
+                                      </p:cBhvr>
+                                      <p:to>
+                                        <p:strVal val="visible"/>
+                                      </p:to>
+                                    </p:set>
+                                    <p:animEffect transition="in" filter="fade">
+                                      <p:cBhvr>
+                                        <p:cTn id="12" dur="500"/>
+                                        <p:tgtEl>
+                                          <p:spTgt spid="12">
+                                            <p:txEl>
+                                              <p:pRg st="1" end="1"/>
+                                            </p:txEl>
+                                          </p:spTgt>
+                                        </p:tgtEl>
+                                      </p:cBhvr>
+                                    </p:animEffect>
+                                  </p:childTnLst>
+                                </p:cTn>
+                              </p:par>
+                            </p:childTnLst>
+                          </p:cTn>
+                        </p:par>
+                      </p:childTnLst>
+                    </p:cTn>
+                  </p:par>
+                  <p:par>
+                    <p:cTn id="13" fill="hold">
+                      <p:stCondLst>
+                        <p:cond delay="indefinite"/>
+                      </p:stCondLst>
+                      <p:childTnLst>
+                        <p:par>
+                          <p:cTn id="14" fill="hold">
+                            <p:stCondLst>
+                              <p:cond delay="0"/>
+                            </p:stCondLst>
+                            <p:childTnLst>
+                              <p:par>
+                                <p:cTn id="15" presetID="10" presetClass="entr" presetSubtype="0" fill="hold" grpId="0" nodeType="clickEffect">
+                                  <p:stCondLst>
+                                    <p:cond delay="0"/>
+                                  </p:stCondLst>
+                                  <p:childTnLst>
+                                    <p:set>
+                                      <p:cBhvr>
+                                        <p:cTn id="16" dur="1" fill="hold">
+                                          <p:stCondLst>
+                                            <p:cond delay="0"/>
+                                          </p:stCondLst>
+                                        </p:cTn>
+                                        <p:tgtEl>
+                                          <p:spTgt spid="12">
+                                            <p:txEl>
+                                              <p:pRg st="2" end="2"/>
+                                            </p:txEl>
+                                          </p:spTgt>
+                                        </p:tgtEl>
+                                        <p:attrNameLst>
+                                          <p:attrName>style.visibility</p:attrName>
+                                        </p:attrNameLst>
+                                      </p:cBhvr>
+                                      <p:to>
+                                        <p:strVal val="visible"/>
+                                      </p:to>
+                                    </p:set>
+                                    <p:animEffect transition="in" filter="fade">
+                                      <p:cBhvr>
+                                        <p:cTn id="17" dur="500"/>
+                                        <p:tgtEl>
+                                          <p:spTgt spid="12">
+                                            <p:txEl>
+                                              <p:pRg st="2" end="2"/>
+                                            </p:txEl>
+                                          </p:spTgt>
+                                        </p:tgtEl>
+                                      </p:cBhvr>
+                                    </p:animEffect>
+                                  </p:childTnLst>
+                                </p:cTn>
+                              </p:par>
+                            </p:childTnLst>
+                          </p:cTn>
+                        </p:par>
+                      </p:childTnLst>
+                    </p:cTn>
+                  </p:par>
+                  <p:par>
+                    <p:cTn id="18" fill="hold">
+                      <p:stCondLst>
+                        <p:cond delay="indefinite"/>
+                      </p:stCondLst>
+                      <p:childTnLst>
+                        <p:par>
+                          <p:cTn id="19" fill="hold">
+                            <p:stCondLst>
+                              <p:cond delay="0"/>
+                            </p:stCondLst>
+                            <p:childTnLst>
+                              <p:par>
+                                <p:cTn id="20" presetID="10" presetClass="entr" presetSubtype="0" fill="hold" grpId="0" nodeType="clickEffect">
+                                  <p:stCondLst>
+                                    <p:cond delay="0"/>
+                                  </p:stCondLst>
+                                  <p:childTnLst>
+                                    <p:set>
+                                      <p:cBhvr>
+                                        <p:cTn id="21" dur="1" fill="hold">
+                                          <p:stCondLst>
+                                            <p:cond delay="0"/>
+                                          </p:stCondLst>
+                                        </p:cTn>
+                                        <p:tgtEl>
+                                          <p:spTgt spid="12">
+                                            <p:txEl>
+                                              <p:pRg st="3" end="3"/>
+                                            </p:txEl>
+                                          </p:spTgt>
+                                        </p:tgtEl>
+                                        <p:attrNameLst>
+                                          <p:attrName>style.visibility</p:attrName>
+                                        </p:attrNameLst>
+                                      </p:cBhvr>
+                                      <p:to>
+                                        <p:strVal val="visible"/>
+                                      </p:to>
+                                    </p:set>
+                                    <p:animEffect transition="in" filter="fade">
+                                      <p:cBhvr>
+                                        <p:cTn id="22" dur="500"/>
+                                        <p:tgtEl>
+                                          <p:spTgt spid="12">
+                                            <p:txEl>
+                                              <p:pRg st="3" end="3"/>
+                                            </p:txEl>
+                                          </p:spTgt>
+                                        </p:tgtEl>
+                                      </p:cBhvr>
+                                    </p:animEffect>
+                                  </p:childTnLst>
+                                </p:cTn>
+                              </p:par>
+                            </p:childTnLst>
+                          </p:cTn>
+                        </p:par>
+                      </p:childTnLst>
+                    </p:cTn>
+                  </p:par>
+                </p:childTnLst>
+              </p:cTn>
+              <p:prevCondLst>
+                <p:cond evt="onPrev" delay="0">
+                  <p:tgtEl>
+                    <p:sldTgt/>
+                  </p:tgtEl>
+                </p:cond>
+              </p:prevCondLst>
+              <p:nextCondLst>
+                <p:cond evt="onNext" delay="0">
+                  <p:tgtEl>
+                    <p:sldTgt/>
+                  </p:tgtEl>
+                </p:cond>
+              </p:nextCondLst>
+            </p:seq>
+          </p:childTnLst>
+        </p:cTn>
+      </p:par>
+    </p:tnLst>
+    <p:bldLst>
+      <p:bldP spid="12" grpId="0" uiExpand="1" build="p"/>
+    </p:bldLst>
+  </p:timing>
+</p:sld>
+</file>
+
+<file path=ppt/slides/slide13.xml><?xml version="1.0" encoding="utf-8"?>
+<p:sld xmlns:a="http://schemas.openxmlformats.org/drawingml/2006/main" xmlns:r="http://schemas.openxmlformats.org/officeDocument/2006/relationships" xmlns:p="http://schemas.openxmlformats.org/presentationml/2006/main">
+  <p:cSld>
+    <p:spTree>
+      <p:nvGrpSpPr>
+        <p:cNvPr id="1" name=""/>
+        <p:cNvGrpSpPr/>
+        <p:nvPr/>
+      </p:nvGrpSpPr>
+      <p:grpSpPr>
+        <a:xfrm>
+          <a:off x="0" y="0"/>
+          <a:ext cx="0" cy="0"/>
+          <a:chOff x="0" y="0"/>
+          <a:chExt cx="0" cy="0"/>
+        </a:xfrm>
+      </p:grpSpPr>
+      <p:sp>
+        <p:nvSpPr>
           <p:cNvPr id="3" name="Title 2"/>
           <p:cNvSpPr>
             <a:spLocks noGrp="1"/>
@@ -10554,30 +11258,7 @@
             </a:r>
             <a:r>
               <a:rPr lang="ro-RO" dirty="0"/>
-              <a:t> viitoare</a:t>
-            </a:r>
-            <a:endParaRPr lang="en-US" dirty="0"/>
-          </a:p>
-        </p:txBody>
-      </p:sp>
-      <p:sp>
-        <p:nvSpPr>
-          <p:cNvPr id="5" name="Text Placeholder 4"/>
-          <p:cNvSpPr>
-            <a:spLocks noGrp="1"/>
-          </p:cNvSpPr>
-          <p:nvPr>
-            <p:ph type="body" sz="half" idx="2"/>
-          </p:nvPr>
-        </p:nvSpPr>
-        <p:spPr/>
-        <p:txBody>
-          <a:bodyPr/>
-          <a:lstStyle/>
-          <a:p>
-            <a:r>
-              <a:rPr lang="ro-RO" dirty="0"/>
-              <a:t>Din partea companiei și nu numai.</a:t>
+              <a:t> viitoare de dezvoltare</a:t>
             </a:r>
             <a:endParaRPr lang="en-US" dirty="0"/>
           </a:p>
@@ -10609,34 +11290,83 @@
           <a:bodyPr/>
           <a:lstStyle/>
           <a:p>
+            <a:pPr marL="298652" indent="-298652" defTabSz="1194607">
+              <a:spcBef>
+                <a:spcPts val="1500"/>
+              </a:spcBef>
+              <a:buFont typeface="Arial"/>
+              <a:buChar char="•"/>
+              <a:defRPr sz="2744">
+                <a:solidFill>
+                  <a:srgbClr val="FFFFFF"/>
+                </a:solidFill>
+              </a:defRPr>
+            </a:pPr>
             <a:r>
               <a:rPr lang="ro-RO" dirty="0"/>
-              <a:t>Sistem modular de rapoarte</a:t>
+              <a:t>Sistem modular de rapoarte.</a:t>
             </a:r>
           </a:p>
           <a:p>
+            <a:pPr marL="298652" indent="-298652" defTabSz="1194607">
+              <a:spcBef>
+                <a:spcPts val="1500"/>
+              </a:spcBef>
+              <a:buFont typeface="Arial"/>
+              <a:buChar char="•"/>
+              <a:defRPr sz="2744">
+                <a:solidFill>
+                  <a:srgbClr val="FFFFFF"/>
+                </a:solidFill>
+              </a:defRPr>
+            </a:pPr>
             <a:r>
               <a:rPr lang="ro-RO" dirty="0"/>
-              <a:t>Teste automate</a:t>
+              <a:t>Teste automate – integrare continuă.</a:t>
             </a:r>
           </a:p>
           <a:p>
+            <a:pPr marL="298652" indent="-298652" defTabSz="1194607">
+              <a:spcBef>
+                <a:spcPts val="1500"/>
+              </a:spcBef>
+              <a:buFont typeface="Arial"/>
+              <a:buChar char="•"/>
+              <a:defRPr sz="2744">
+                <a:solidFill>
+                  <a:srgbClr val="FFFFFF"/>
+                </a:solidFill>
+              </a:defRPr>
+            </a:pPr>
             <a:r>
               <a:rPr lang="ro-RO" dirty="0"/>
-              <a:t>Salvarea automată a backup-ului.</a:t>
+              <a:t>Salvarea automată a bazei de date.</a:t>
             </a:r>
           </a:p>
-          <a:p>
-            <a:r>
-              <a:rPr lang="ro-RO" dirty="0"/>
-              <a:t>Introducerea câmpului de factură în decizie</a:t>
-            </a:r>
-          </a:p>
-          <a:p>
-            <a:endParaRPr lang="ro-RO" dirty="0"/>
-          </a:p>
-          <a:p>
-            <a:endParaRPr lang="ro-RO" dirty="0"/>
+        </p:txBody>
+      </p:sp>
+      <p:sp>
+        <p:nvSpPr>
+          <p:cNvPr id="6" name="Text Placeholder 5">
+            <a:extLst>
+              <a:ext uri="{FF2B5EF4-FFF2-40B4-BE49-F238E27FC236}">
+                <a16:creationId xmlns:a16="http://schemas.microsoft.com/office/drawing/2014/main" id="{8A43F976-A9F7-463D-9976-29F7609C1E22}"/>
+              </a:ext>
+            </a:extLst>
+          </p:cNvPr>
+          <p:cNvSpPr>
+            <a:spLocks noGrp="1"/>
+          </p:cNvSpPr>
+          <p:nvPr>
+            <p:ph type="body" sz="half" idx="2"/>
+          </p:nvPr>
+        </p:nvSpPr>
+        <p:spPr/>
+        <p:txBody>
+          <a:bodyPr/>
+          <a:lstStyle/>
+          <a:p>
+            <a:endParaRPr lang="ro-RO"/>
           </a:p>
         </p:txBody>
       </p:sp>
@@ -10650,13 +11380,13 @@
   <p:clrMapOvr>
     <a:masterClrMapping/>
   </p:clrMapOvr>
-  <mc:AlternateContent xmlns:mc="http://schemas.openxmlformats.org/markup-compatibility/2006">
-    <mc:Choice xmlns:p14="http://schemas.microsoft.com/office/powerpoint/2010/main" Requires="p14">
+  <mc:AlternateContent xmlns:mc="http://schemas.openxmlformats.org/markup-compatibility/2006" xmlns:p14="http://schemas.microsoft.com/office/powerpoint/2010/main">
+    <mc:Choice Requires="p14">
       <p:transition spd="slow" p14:dur="3000">
         <p14:reveal/>
       </p:transition>
     </mc:Choice>
-    <mc:Fallback>
+    <mc:Fallback xmlns="">
       <p:transition spd="slow">
         <p:fade/>
       </p:transition>
@@ -10722,21 +11452,20 @@
           <a:p>
             <a:r>
               <a:rPr lang="ro-RO" dirty="0"/>
-              <a:t>Aplicație web, accesibilă de pe mobil sau calculator.</a:t>
+              <a:t>Aplicație de gestiune și management a cererilor de despăgubire.</a:t>
             </a:r>
           </a:p>
           <a:p>
             <a:r>
               <a:rPr lang="ro-RO" dirty="0"/>
-              <a:t>Interfață de administrare.</a:t>
+              <a:t>Aplicație web, accesibilă de pe mobil sau calculator – responsive design.</a:t>
             </a:r>
           </a:p>
           <a:p>
             <a:r>
               <a:rPr lang="ro-RO" dirty="0"/>
-              <a:t>Transparență utilizator-client.</a:t>
+              <a:t>Transparență utilizator program - client.</a:t>
             </a:r>
-            <a:endParaRPr lang="en-US" dirty="0"/>
           </a:p>
         </p:txBody>
       </p:sp>
@@ -10750,13 +11479,13 @@
   <p:clrMapOvr>
     <a:masterClrMapping/>
   </p:clrMapOvr>
-  <mc:AlternateContent xmlns:mc="http://schemas.openxmlformats.org/markup-compatibility/2006">
-    <mc:Choice xmlns:p14="http://schemas.microsoft.com/office/powerpoint/2010/main" Requires="p14">
+  <mc:AlternateContent xmlns:mc="http://schemas.openxmlformats.org/markup-compatibility/2006" xmlns:p14="http://schemas.microsoft.com/office/powerpoint/2010/main">
+    <mc:Choice Requires="p14">
       <p:transition spd="slow" p14:dur="3000">
         <p14:reveal/>
       </p:transition>
     </mc:Choice>
-    <mc:Fallback>
+    <mc:Fallback xmlns="">
       <p:transition spd="slow">
         <p:fade/>
       </p:transition>
@@ -10822,28 +11551,32 @@
           <a:p>
             <a:r>
               <a:rPr lang="ro-RO" dirty="0"/>
-              <a:t>Sistem anterior bazat pe Excel – prea flexibil.</a:t>
+              <a:t>Sistem anterior cu breșe de securitate.</a:t>
             </a:r>
           </a:p>
           <a:p>
             <a:r>
               <a:rPr lang="ro-RO" dirty="0"/>
-              <a:t>Posibilitatea automatizării.</a:t>
+              <a:t>Informații existente neomogene.</a:t>
             </a:r>
           </a:p>
           <a:p>
             <a:r>
               <a:rPr lang="ro-RO" dirty="0"/>
-              <a:t>Impunerea unei structuri rigide.</a:t>
+              <a:t>Raportări manuale.</a:t>
             </a:r>
           </a:p>
           <a:p>
             <a:r>
               <a:rPr lang="ro-RO" dirty="0"/>
-              <a:t>Soluție cloud de salvare a datelor.</a:t>
+              <a:t>Necesitatea structurării datelor conform fluxului informațional.</a:t>
             </a:r>
           </a:p>
           <a:p>
+            <a:r>
+              <a:rPr lang="ro-RO" dirty="0"/>
+              <a:t>Asigurarea continuității afacerii.</a:t>
+            </a:r>
             <a:endParaRPr lang="en-US" dirty="0"/>
           </a:p>
         </p:txBody>
@@ -10858,13 +11591,13 @@
   <p:clrMapOvr>
     <a:masterClrMapping/>
   </p:clrMapOvr>
-  <mc:AlternateContent xmlns:mc="http://schemas.openxmlformats.org/markup-compatibility/2006">
-    <mc:Choice xmlns:p14="http://schemas.microsoft.com/office/powerpoint/2010/main" Requires="p14">
+  <mc:AlternateContent xmlns:mc="http://schemas.openxmlformats.org/markup-compatibility/2006" xmlns:p14="http://schemas.microsoft.com/office/powerpoint/2010/main">
+    <mc:Choice Requires="p14">
       <p:transition spd="slow" p14:dur="3000">
         <p:push dir="u"/>
       </p:transition>
     </mc:Choice>
-    <mc:Fallback>
+    <mc:Fallback xmlns="">
       <p:transition spd="slow">
         <p:push dir="u"/>
       </p:transition>
@@ -10929,27 +11662,26 @@
           <a:lstStyle/>
           <a:p>
             <a:r>
-              <a:rPr lang="ro-RO" dirty="0"/>
-              <a:t>Gestionarea clienților.</a:t>
+              <a:rPr lang="pt-BR" dirty="0"/>
+              <a:t>Gestionarea cererilor de despăgubire.</a:t>
             </a:r>
           </a:p>
           <a:p>
             <a:r>
-              <a:rPr lang="ro-RO" dirty="0"/>
-              <a:t>Gestionarea asigurărilor.</a:t>
+              <a:rPr lang="pt-BR" dirty="0"/>
+              <a:t>Gestionarea asigurărilor încheiate de vânzător.</a:t>
             </a:r>
-            <a:endParaRPr lang="en-US" dirty="0"/>
           </a:p>
           <a:p>
             <a:r>
-              <a:rPr lang="ro-RO" dirty="0"/>
-              <a:t>Centralizare informațiilor.</a:t>
+              <a:rPr lang="pt-BR" dirty="0"/>
+              <a:t>Centralizarea informațiilor.</a:t>
             </a:r>
           </a:p>
           <a:p>
             <a:r>
-              <a:rPr lang="ro-RO" dirty="0"/>
-              <a:t>Rapoarte unitare pe orice perioada de timp.</a:t>
+              <a:rPr lang="pt-BR" dirty="0"/>
+              <a:t>Rapoarte unitare pe orice perioadă de timp.</a:t>
             </a:r>
           </a:p>
         </p:txBody>
@@ -10989,13 +11721,13 @@
   <p:clrMapOvr>
     <a:masterClrMapping/>
   </p:clrMapOvr>
-  <mc:AlternateContent xmlns:mc="http://schemas.openxmlformats.org/markup-compatibility/2006">
-    <mc:Choice xmlns:p15="http://schemas.microsoft.com/office/powerpoint/2012/main" Requires="p15">
+  <mc:AlternateContent xmlns:mc="http://schemas.openxmlformats.org/markup-compatibility/2006" xmlns:p15="http://schemas.microsoft.com/office/powerpoint/2012/main">
+    <mc:Choice Requires="p15">
       <p:transition xmlns:p14="http://schemas.microsoft.com/office/powerpoint/2010/main" spd="slow" p14:dur="3000">
         <p15:prstTrans prst="fallOver"/>
       </p:transition>
     </mc:Choice>
-    <mc:Fallback>
+    <mc:Fallback xmlns="">
       <p:transition spd="slow">
         <p:fade/>
       </p:transition>
@@ -11073,13 +11805,13 @@
   <p:clrMapOvr>
     <a:masterClrMapping/>
   </p:clrMapOvr>
-  <mc:AlternateContent xmlns:mc="http://schemas.openxmlformats.org/markup-compatibility/2006">
-    <mc:Choice xmlns:p14="http://schemas.microsoft.com/office/powerpoint/2010/main" Requires="p14">
+  <mc:AlternateContent xmlns:mc="http://schemas.openxmlformats.org/markup-compatibility/2006" xmlns:p14="http://schemas.microsoft.com/office/powerpoint/2010/main">
+    <mc:Choice Requires="p14">
       <p:transition spd="slow" p14:dur="3000">
         <p14:reveal/>
       </p:transition>
     </mc:Choice>
-    <mc:Fallback>
+    <mc:Fallback xmlns="">
       <p:transition spd="slow">
         <p:fade/>
       </p:transition>
@@ -11244,13 +11976,13 @@
   <p:clrMapOvr>
     <a:masterClrMapping/>
   </p:clrMapOvr>
-  <mc:AlternateContent xmlns:mc="http://schemas.openxmlformats.org/markup-compatibility/2006">
-    <mc:Choice xmlns:p159="http://schemas.microsoft.com/office/powerpoint/2015/09/main" Requires="p159">
+  <mc:AlternateContent xmlns:mc="http://schemas.openxmlformats.org/markup-compatibility/2006" xmlns:p159="http://schemas.microsoft.com/office/powerpoint/2015/09/main">
+    <mc:Choice Requires="p159">
       <p:transition xmlns:p14="http://schemas.microsoft.com/office/powerpoint/2010/main" spd="slow" p14:dur="3000">
         <p159:morph option="byObject"/>
       </p:transition>
     </mc:Choice>
-    <mc:Fallback>
+    <mc:Fallback xmlns="">
       <p:transition spd="slow">
         <p:fade/>
       </p:transition>
@@ -11316,7 +12048,7 @@
           <a:p>
             <a:r>
               <a:rPr lang="ro-RO" dirty="0"/>
-              <a:t>AWS S3</a:t>
+              <a:t>ARTISAN</a:t>
             </a:r>
             <a:endParaRPr lang="en-US" dirty="0"/>
           </a:p>
@@ -11337,15 +12069,48 @@
           <a:bodyPr/>
           <a:lstStyle/>
           <a:p>
+            <a:pPr marL="304746" indent="-304746">
+              <a:buFont typeface="Arial"/>
+              <a:buChar char="•"/>
+              <a:defRPr sz="2800">
+                <a:solidFill>
+                  <a:srgbClr val="FFFFFF"/>
+                </a:solidFill>
+              </a:defRPr>
+            </a:pPr>
             <a:r>
               <a:rPr lang="ro-RO" dirty="0"/>
-              <a:t>Stocare în cloud a datelor clientului.</a:t>
+              <a:t>Generează cod șablon pentru dezvoltator.</a:t>
             </a:r>
           </a:p>
           <a:p>
+            <a:pPr marL="304746" indent="-304746">
+              <a:buFont typeface="Arial"/>
+              <a:buChar char="•"/>
+              <a:defRPr sz="2800">
+                <a:solidFill>
+                  <a:srgbClr val="FFFFFF"/>
+                </a:solidFill>
+              </a:defRPr>
+            </a:pPr>
             <a:r>
               <a:rPr lang="ro-RO" dirty="0"/>
-              <a:t>Securitatea datelor prin atribuirea unei chei unice.</a:t>
+              <a:t>Se ocupă de migrările bazei de date.</a:t>
+            </a:r>
+          </a:p>
+          <a:p>
+            <a:pPr marL="609492" lvl="1">
+              <a:buFont typeface="Arial"/>
+              <a:buChar char="•"/>
+              <a:defRPr>
+                <a:solidFill>
+                  <a:srgbClr val="FFFFFF"/>
+                </a:solidFill>
+              </a:defRPr>
+            </a:pPr>
+            <a:r>
+              <a:rPr lang="ro-RO" dirty="0"/>
+              <a:t>Problema și soluția găzduirii partajate.</a:t>
             </a:r>
           </a:p>
         </p:txBody>
@@ -11367,7 +12132,7 @@
           <a:p>
             <a:r>
               <a:rPr lang="ro-RO" dirty="0"/>
-              <a:t>ARTISAN</a:t>
+              <a:t>AWS S3</a:t>
             </a:r>
             <a:endParaRPr lang="en-US" dirty="0"/>
           </a:p>
@@ -11388,22 +12153,48 @@
           <a:bodyPr/>
           <a:lstStyle/>
           <a:p>
+            <a:pPr marL="304746" indent="-304746">
+              <a:buFont typeface="Arial"/>
+              <a:buChar char="•"/>
+              <a:defRPr sz="2800">
+                <a:solidFill>
+                  <a:srgbClr val="FFFFFF"/>
+                </a:solidFill>
+              </a:defRPr>
+            </a:pPr>
             <a:r>
               <a:rPr lang="ro-RO" dirty="0"/>
-              <a:t>Generează cod șablon pentru dezvoltator.</a:t>
+              <a:t>Stocare în cloud a datelor clientului.</a:t>
             </a:r>
           </a:p>
           <a:p>
+            <a:pPr marL="304746" indent="-304746">
+              <a:buFont typeface="Arial"/>
+              <a:buChar char="•"/>
+              <a:defRPr sz="2800">
+                <a:solidFill>
+                  <a:srgbClr val="FFFFFF"/>
+                </a:solidFill>
+              </a:defRPr>
+            </a:pPr>
             <a:r>
               <a:rPr lang="ro-RO" dirty="0"/>
-              <a:t>Se ocupă de migrările bazei de date.</a:t>
+              <a:t>Securitatea datelor prin atribuirea unei chei unice.</a:t>
             </a:r>
           </a:p>
           <a:p>
-            <a:pPr lvl="1"/>
+            <a:pPr marL="304746" indent="-304746">
+              <a:buFont typeface="Arial"/>
+              <a:buChar char="•"/>
+              <a:defRPr sz="2800">
+                <a:solidFill>
+                  <a:srgbClr val="FFFFFF"/>
+                </a:solidFill>
+              </a:defRPr>
+            </a:pPr>
             <a:r>
               <a:rPr lang="ro-RO" dirty="0"/>
-              <a:t>Problema și soluția găzduirii partajate.</a:t>
+              <a:t>Asigurarea securității și confidențialității clienților.</a:t>
             </a:r>
           </a:p>
         </p:txBody>
@@ -11418,13 +12209,13 @@
   <p:clrMapOvr>
     <a:masterClrMapping/>
   </p:clrMapOvr>
-  <mc:AlternateContent xmlns:mc="http://schemas.openxmlformats.org/markup-compatibility/2006">
-    <mc:Choice xmlns:p159="http://schemas.microsoft.com/office/powerpoint/2015/09/main" Requires="p159">
+  <mc:AlternateContent xmlns:mc="http://schemas.openxmlformats.org/markup-compatibility/2006" xmlns:p159="http://schemas.microsoft.com/office/powerpoint/2015/09/main">
+    <mc:Choice Requires="p159">
       <p:transition xmlns:p14="http://schemas.microsoft.com/office/powerpoint/2010/main" spd="slow" p14:dur="3000">
         <p159:morph option="byObject"/>
       </p:transition>
     </mc:Choice>
-    <mc:Fallback>
+    <mc:Fallback xmlns="">
       <p:transition spd="slow">
         <p:fade/>
       </p:transition>
@@ -11633,109 +12424,24 @@
                                   </p:childTnLst>
                                 </p:cTn>
                               </p:par>
+                            </p:childTnLst>
+                          </p:cTn>
+                        </p:par>
+                        <p:par>
+                          <p:cTn id="16" fill="hold">
+                            <p:stCondLst>
+                              <p:cond delay="1000"/>
+                            </p:stCondLst>
+                            <p:childTnLst>
                               <p:par>
-                                <p:cTn id="16" presetID="2" presetClass="entr" presetSubtype="4" fill="hold" grpId="0" nodeType="withEffect">
+                                <p:cTn id="17" presetID="2" presetClass="entr" presetSubtype="4" fill="hold" grpId="0" nodeType="afterEffect">
                                   <p:stCondLst>
                                     <p:cond delay="0"/>
                                   </p:stCondLst>
                                   <p:childTnLst>
                                     <p:set>
                                       <p:cBhvr>
-                                        <p:cTn id="17" dur="1" fill="hold">
-                                          <p:stCondLst>
-                                            <p:cond delay="0"/>
-                                          </p:stCondLst>
-                                        </p:cTn>
-                                        <p:tgtEl>
-                                          <p:spTgt spid="11">
-                                            <p:txEl>
-                                              <p:pRg st="0" end="0"/>
-                                            </p:txEl>
-                                          </p:spTgt>
-                                        </p:tgtEl>
-                                        <p:attrNameLst>
-                                          <p:attrName>style.visibility</p:attrName>
-                                        </p:attrNameLst>
-                                      </p:cBhvr>
-                                      <p:to>
-                                        <p:strVal val="visible"/>
-                                      </p:to>
-                                    </p:set>
-                                    <p:anim calcmode="lin" valueType="num">
-                                      <p:cBhvr additive="base">
-                                        <p:cTn id="18" dur="500" fill="hold"/>
-                                        <p:tgtEl>
-                                          <p:spTgt spid="11">
-                                            <p:txEl>
-                                              <p:pRg st="0" end="0"/>
-                                            </p:txEl>
-                                          </p:spTgt>
-                                        </p:tgtEl>
-                                        <p:attrNameLst>
-                                          <p:attrName>ppt_x</p:attrName>
-                                        </p:attrNameLst>
-                                      </p:cBhvr>
-                                      <p:tavLst>
-                                        <p:tav tm="0">
-                                          <p:val>
-                                            <p:strVal val="#ppt_x"/>
-                                          </p:val>
-                                        </p:tav>
-                                        <p:tav tm="100000">
-                                          <p:val>
-                                            <p:strVal val="#ppt_x"/>
-                                          </p:val>
-                                        </p:tav>
-                                      </p:tavLst>
-                                    </p:anim>
-                                    <p:anim calcmode="lin" valueType="num">
-                                      <p:cBhvr additive="base">
-                                        <p:cTn id="19" dur="500" fill="hold"/>
-                                        <p:tgtEl>
-                                          <p:spTgt spid="11">
-                                            <p:txEl>
-                                              <p:pRg st="0" end="0"/>
-                                            </p:txEl>
-                                          </p:spTgt>
-                                        </p:tgtEl>
-                                        <p:attrNameLst>
-                                          <p:attrName>ppt_y</p:attrName>
-                                        </p:attrNameLst>
-                                      </p:cBhvr>
-                                      <p:tavLst>
-                                        <p:tav tm="0">
-                                          <p:val>
-                                            <p:strVal val="1+#ppt_h/2"/>
-                                          </p:val>
-                                        </p:tav>
-                                        <p:tav tm="100000">
-                                          <p:val>
-                                            <p:strVal val="#ppt_y"/>
-                                          </p:val>
-                                        </p:tav>
-                                      </p:tavLst>
-                                    </p:anim>
-                                  </p:childTnLst>
-                                </p:cTn>
-                              </p:par>
-                            </p:childTnLst>
-                          </p:cTn>
-                        </p:par>
-                        <p:par>
-                          <p:cTn id="20" fill="hold">
-                            <p:stCondLst>
-                              <p:cond delay="1000"/>
-                            </p:stCondLst>
-                            <p:childTnLst>
-                              <p:par>
-                                <p:cTn id="21" presetID="2" presetClass="entr" presetSubtype="4" fill="hold" grpId="0" nodeType="afterEffect">
-                                  <p:stCondLst>
-                                    <p:cond delay="0"/>
-                                  </p:stCondLst>
-                                  <p:childTnLst>
-                                    <p:set>
-                                      <p:cBhvr>
-                                        <p:cTn id="22" dur="1" fill="hold">
+                                        <p:cTn id="18" dur="1" fill="hold">
                                           <p:stCondLst>
                                             <p:cond delay="0"/>
                                           </p:stCondLst>
@@ -11757,7 +12463,7 @@
                                     </p:set>
                                     <p:anim calcmode="lin" valueType="num">
                                       <p:cBhvr additive="base">
-                                        <p:cTn id="23" dur="500" fill="hold"/>
+                                        <p:cTn id="19" dur="500" fill="hold"/>
                                         <p:tgtEl>
                                           <p:spTgt spid="10">
                                             <p:txEl>
@@ -11784,11 +12490,96 @@
                                     </p:anim>
                                     <p:anim calcmode="lin" valueType="num">
                                       <p:cBhvr additive="base">
+                                        <p:cTn id="20" dur="500" fill="hold"/>
+                                        <p:tgtEl>
+                                          <p:spTgt spid="10">
+                                            <p:txEl>
+                                              <p:pRg st="1" end="1"/>
+                                            </p:txEl>
+                                          </p:spTgt>
+                                        </p:tgtEl>
+                                        <p:attrNameLst>
+                                          <p:attrName>ppt_y</p:attrName>
+                                        </p:attrNameLst>
+                                      </p:cBhvr>
+                                      <p:tavLst>
+                                        <p:tav tm="0">
+                                          <p:val>
+                                            <p:strVal val="1+#ppt_h/2"/>
+                                          </p:val>
+                                        </p:tav>
+                                        <p:tav tm="100000">
+                                          <p:val>
+                                            <p:strVal val="#ppt_y"/>
+                                          </p:val>
+                                        </p:tav>
+                                      </p:tavLst>
+                                    </p:anim>
+                                  </p:childTnLst>
+                                </p:cTn>
+                              </p:par>
+                              <p:par>
+                                <p:cTn id="21" presetID="2" presetClass="entr" presetSubtype="4" fill="hold" grpId="0" nodeType="withEffect">
+                                  <p:stCondLst>
+                                    <p:cond delay="0"/>
+                                  </p:stCondLst>
+                                  <p:childTnLst>
+                                    <p:set>
+                                      <p:cBhvr>
+                                        <p:cTn id="22" dur="1" fill="hold">
+                                          <p:stCondLst>
+                                            <p:cond delay="0"/>
+                                          </p:stCondLst>
+                                        </p:cTn>
+                                        <p:tgtEl>
+                                          <p:spTgt spid="10">
+                                            <p:txEl>
+                                              <p:pRg st="2" end="2"/>
+                                            </p:txEl>
+                                          </p:spTgt>
+                                        </p:tgtEl>
+                                        <p:attrNameLst>
+                                          <p:attrName>style.visibility</p:attrName>
+                                        </p:attrNameLst>
+                                      </p:cBhvr>
+                                      <p:to>
+                                        <p:strVal val="visible"/>
+                                      </p:to>
+                                    </p:set>
+                                    <p:anim calcmode="lin" valueType="num">
+                                      <p:cBhvr additive="base">
+                                        <p:cTn id="23" dur="500" fill="hold"/>
+                                        <p:tgtEl>
+                                          <p:spTgt spid="10">
+                                            <p:txEl>
+                                              <p:pRg st="2" end="2"/>
+                                            </p:txEl>
+                                          </p:spTgt>
+                                        </p:tgtEl>
+                                        <p:attrNameLst>
+                                          <p:attrName>ppt_x</p:attrName>
+                                        </p:attrNameLst>
+                                      </p:cBhvr>
+                                      <p:tavLst>
+                                        <p:tav tm="0">
+                                          <p:val>
+                                            <p:strVal val="#ppt_x"/>
+                                          </p:val>
+                                        </p:tav>
+                                        <p:tav tm="100000">
+                                          <p:val>
+                                            <p:strVal val="#ppt_x"/>
+                                          </p:val>
+                                        </p:tav>
+                                      </p:tavLst>
+                                    </p:anim>
+                                    <p:anim calcmode="lin" valueType="num">
+                                      <p:cBhvr additive="base">
                                         <p:cTn id="24" dur="500" fill="hold"/>
                                         <p:tgtEl>
                                           <p:spTgt spid="10">
                                             <p:txEl>
-                                              <p:pRg st="1" end="1"/>
+                                              <p:pRg st="2" end="2"/>
                                             </p:txEl>
                                           </p:spTgt>
                                         </p:tgtEl>
@@ -11828,6 +12619,91 @@
                                         <p:tgtEl>
                                           <p:spTgt spid="11">
                                             <p:txEl>
+                                              <p:pRg st="0" end="0"/>
+                                            </p:txEl>
+                                          </p:spTgt>
+                                        </p:tgtEl>
+                                        <p:attrNameLst>
+                                          <p:attrName>style.visibility</p:attrName>
+                                        </p:attrNameLst>
+                                      </p:cBhvr>
+                                      <p:to>
+                                        <p:strVal val="visible"/>
+                                      </p:to>
+                                    </p:set>
+                                    <p:anim calcmode="lin" valueType="num">
+                                      <p:cBhvr additive="base">
+                                        <p:cTn id="27" dur="500" fill="hold"/>
+                                        <p:tgtEl>
+                                          <p:spTgt spid="11">
+                                            <p:txEl>
+                                              <p:pRg st="0" end="0"/>
+                                            </p:txEl>
+                                          </p:spTgt>
+                                        </p:tgtEl>
+                                        <p:attrNameLst>
+                                          <p:attrName>ppt_x</p:attrName>
+                                        </p:attrNameLst>
+                                      </p:cBhvr>
+                                      <p:tavLst>
+                                        <p:tav tm="0">
+                                          <p:val>
+                                            <p:strVal val="#ppt_x"/>
+                                          </p:val>
+                                        </p:tav>
+                                        <p:tav tm="100000">
+                                          <p:val>
+                                            <p:strVal val="#ppt_x"/>
+                                          </p:val>
+                                        </p:tav>
+                                      </p:tavLst>
+                                    </p:anim>
+                                    <p:anim calcmode="lin" valueType="num">
+                                      <p:cBhvr additive="base">
+                                        <p:cTn id="28" dur="500" fill="hold"/>
+                                        <p:tgtEl>
+                                          <p:spTgt spid="11">
+                                            <p:txEl>
+                                              <p:pRg st="0" end="0"/>
+                                            </p:txEl>
+                                          </p:spTgt>
+                                        </p:tgtEl>
+                                        <p:attrNameLst>
+                                          <p:attrName>ppt_y</p:attrName>
+                                        </p:attrNameLst>
+                                      </p:cBhvr>
+                                      <p:tavLst>
+                                        <p:tav tm="0">
+                                          <p:val>
+                                            <p:strVal val="1+#ppt_h/2"/>
+                                          </p:val>
+                                        </p:tav>
+                                        <p:tav tm="100000">
+                                          <p:val>
+                                            <p:strVal val="#ppt_y"/>
+                                          </p:val>
+                                        </p:tav>
+                                      </p:tavLst>
+                                    </p:anim>
+                                  </p:childTnLst>
+                                </p:cTn>
+                              </p:par>
+                              <p:par>
+                                <p:cTn id="29" presetID="2" presetClass="entr" presetSubtype="4" fill="hold" grpId="0" nodeType="withEffect">
+                                  <p:stCondLst>
+                                    <p:cond delay="0"/>
+                                  </p:stCondLst>
+                                  <p:childTnLst>
+                                    <p:set>
+                                      <p:cBhvr>
+                                        <p:cTn id="30" dur="1" fill="hold">
+                                          <p:stCondLst>
+                                            <p:cond delay="0"/>
+                                          </p:stCondLst>
+                                        </p:cTn>
+                                        <p:tgtEl>
+                                          <p:spTgt spid="11">
+                                            <p:txEl>
                                               <p:pRg st="1" end="1"/>
                                             </p:txEl>
                                           </p:spTgt>
@@ -11842,7 +12718,7 @@
                                     </p:set>
                                     <p:anim calcmode="lin" valueType="num">
                                       <p:cBhvr additive="base">
-                                        <p:cTn id="27" dur="500" fill="hold"/>
+                                        <p:cTn id="31" dur="500" fill="hold"/>
                                         <p:tgtEl>
                                           <p:spTgt spid="11">
                                             <p:txEl>
@@ -11869,7 +12745,7 @@
                                     </p:anim>
                                     <p:anim calcmode="lin" valueType="num">
                                       <p:cBhvr additive="base">
-                                        <p:cTn id="28" dur="500" fill="hold"/>
+                                        <p:cTn id="32" dur="500" fill="hold"/>
                                         <p:tgtEl>
                                           <p:spTgt spid="11">
                                             <p:txEl>
@@ -11897,24 +12773,15 @@
                                   </p:childTnLst>
                                 </p:cTn>
                               </p:par>
-                            </p:childTnLst>
-                          </p:cTn>
-                        </p:par>
-                        <p:par>
-                          <p:cTn id="29" fill="hold">
-                            <p:stCondLst>
-                              <p:cond delay="1500"/>
-                            </p:stCondLst>
-                            <p:childTnLst>
                               <p:par>
-                                <p:cTn id="30" presetID="10" presetClass="entr" presetSubtype="0" fill="hold" grpId="0" nodeType="afterEffect">
+                                <p:cTn id="33" presetID="2" presetClass="entr" presetSubtype="4" fill="hold" grpId="0" nodeType="withEffect">
                                   <p:stCondLst>
                                     <p:cond delay="0"/>
                                   </p:stCondLst>
                                   <p:childTnLst>
                                     <p:set>
                                       <p:cBhvr>
-                                        <p:cTn id="31" dur="1" fill="hold">
+                                        <p:cTn id="34" dur="1" fill="hold">
                                           <p:stCondLst>
                                             <p:cond delay="0"/>
                                           </p:stCondLst>
@@ -11934,9 +12801,9 @@
                                         <p:strVal val="visible"/>
                                       </p:to>
                                     </p:set>
-                                    <p:animEffect transition="in" filter="fade">
-                                      <p:cBhvr>
-                                        <p:cTn id="32" dur="500"/>
+                                    <p:anim calcmode="lin" valueType="num">
+                                      <p:cBhvr additive="base">
+                                        <p:cTn id="35" dur="500" fill="hold"/>
                                         <p:tgtEl>
                                           <p:spTgt spid="11">
                                             <p:txEl>
@@ -11944,8 +12811,50 @@
                                             </p:txEl>
                                           </p:spTgt>
                                         </p:tgtEl>
+                                        <p:attrNameLst>
+                                          <p:attrName>ppt_x</p:attrName>
+                                        </p:attrNameLst>
                                       </p:cBhvr>
-                                    </p:animEffect>
+                                      <p:tavLst>
+                                        <p:tav tm="0">
+                                          <p:val>
+                                            <p:strVal val="#ppt_x"/>
+                                          </p:val>
+                                        </p:tav>
+                                        <p:tav tm="100000">
+                                          <p:val>
+                                            <p:strVal val="#ppt_x"/>
+                                          </p:val>
+                                        </p:tav>
+                                      </p:tavLst>
+                                    </p:anim>
+                                    <p:anim calcmode="lin" valueType="num">
+                                      <p:cBhvr additive="base">
+                                        <p:cTn id="36" dur="500" fill="hold"/>
+                                        <p:tgtEl>
+                                          <p:spTgt spid="11">
+                                            <p:txEl>
+                                              <p:pRg st="2" end="2"/>
+                                            </p:txEl>
+                                          </p:spTgt>
+                                        </p:tgtEl>
+                                        <p:attrNameLst>
+                                          <p:attrName>ppt_y</p:attrName>
+                                        </p:attrNameLst>
+                                      </p:cBhvr>
+                                      <p:tavLst>
+                                        <p:tav tm="0">
+                                          <p:val>
+                                            <p:strVal val="1+#ppt_h/2"/>
+                                          </p:val>
+                                        </p:tav>
+                                        <p:tav tm="100000">
+                                          <p:val>
+                                            <p:strVal val="#ppt_y"/>
+                                          </p:val>
+                                        </p:tav>
+                                      </p:tavLst>
+                                    </p:anim>
                                   </p:childTnLst>
                                 </p:cTn>
                               </p:par>
@@ -12144,13 +13053,13 @@
   <p:clrMapOvr>
     <a:masterClrMapping/>
   </p:clrMapOvr>
-  <mc:AlternateContent xmlns:mc="http://schemas.openxmlformats.org/markup-compatibility/2006">
-    <mc:Choice xmlns:p159="http://schemas.microsoft.com/office/powerpoint/2015/09/main" Requires="p159">
+  <mc:AlternateContent xmlns:mc="http://schemas.openxmlformats.org/markup-compatibility/2006" xmlns:p159="http://schemas.microsoft.com/office/powerpoint/2015/09/main">
+    <mc:Choice Requires="p159">
       <p:transition xmlns:p14="http://schemas.microsoft.com/office/powerpoint/2010/main" spd="slow" p14:dur="3000">
         <p159:morph option="byObject"/>
       </p:transition>
     </mc:Choice>
-    <mc:Fallback>
+    <mc:Fallback xmlns="">
       <p:transition spd="slow">
         <p:fade/>
       </p:transition>
@@ -12316,13 +13225,13 @@
   <p:clrMapOvr>
     <a:masterClrMapping/>
   </p:clrMapOvr>
-  <mc:AlternateContent xmlns:mc="http://schemas.openxmlformats.org/markup-compatibility/2006">
-    <mc:Choice xmlns:p159="http://schemas.microsoft.com/office/powerpoint/2015/09/main" Requires="p159">
+  <mc:AlternateContent xmlns:mc="http://schemas.openxmlformats.org/markup-compatibility/2006" xmlns:p159="http://schemas.microsoft.com/office/powerpoint/2015/09/main">
+    <mc:Choice Requires="p159">
       <p:transition xmlns:p14="http://schemas.microsoft.com/office/powerpoint/2010/main" spd="slow" p14:dur="3000">
         <p159:morph option="byObject"/>
       </p:transition>
     </mc:Choice>
-    <mc:Fallback>
+    <mc:Fallback xmlns="">
       <p:transition spd="slow">
         <p:fade/>
       </p:transition>
@@ -13418,15 +14327,6 @@
 </file>
 
 <file path=customXml/item2.xml><?xml version="1.0" encoding="utf-8"?>
-<?mso-contentType ?>
-<FormTemplates xmlns="http://schemas.microsoft.com/sharepoint/v3/contenttype/forms">
-  <Display>DocumentLibraryForm</Display>
-  <Edit>AssetEditForm</Edit>
-  <New>DocumentLibraryForm</New>
-</FormTemplates>
-</file>
-
-<file path=customXml/item3.xml><?xml version="1.0" encoding="utf-8"?>
 <ct:contentTypeSchema xmlns:ct="http://schemas.microsoft.com/office/2006/metadata/contentType" xmlns:ma="http://schemas.microsoft.com/office/2006/metadata/properties/metaAttributes" ct:_="" ma:_="" ma:contentTypeName="TemplateFile" ma:contentTypeID="0x0101006EDDDB5EE6D98C44930B742096920B300400F5B6D36B3EF94B4E9A635CDF2A18F5B8" ma:contentTypeVersion="72" ma:contentTypeDescription="Create a new document." ma:contentTypeScope="" ma:versionID="a23e56308344d904b51738559c3d67c9">
   <xsd:schema xmlns:xsd="http://www.w3.org/2001/XMLSchema" xmlns:xs="http://www.w3.org/2001/XMLSchema" xmlns:p="http://schemas.microsoft.com/office/2006/metadata/properties" xmlns:ns2="4873beb7-5857-4685-be1f-d57550cc96cc" targetNamespace="http://schemas.microsoft.com/office/2006/metadata/properties" ma:root="true" ma:fieldsID="cd0908cc4600e77bf5da051303e00c8d" ns2:_="">
     <xsd:import namespace="4873beb7-5857-4685-be1f-d57550cc96cc"/>
@@ -14466,6 +15366,15 @@
 </ct:contentTypeSchema>
 </file>
 
+<file path=customXml/item3.xml><?xml version="1.0" encoding="utf-8"?>
+<?mso-contentType ?>
+<FormTemplates xmlns="http://schemas.microsoft.com/sharepoint/v3/contenttype/forms">
+  <Display>DocumentLibraryForm</Display>
+  <Edit>AssetEditForm</Edit>
+  <New>DocumentLibraryForm</New>
+</FormTemplates>
+</file>
+
 <file path=customXml/itemProps1.xml><?xml version="1.0" encoding="utf-8"?>
 <ds:datastoreItem xmlns:ds="http://schemas.openxmlformats.org/officeDocument/2006/customXml" ds:itemID="{60C67BEE-D13F-4BD2-98A5-34D8A0977F68}">
   <ds:schemaRefs>
@@ -14483,14 +15392,6 @@
 </file>
 
 <file path=customXml/itemProps2.xml><?xml version="1.0" encoding="utf-8"?>
-<ds:datastoreItem xmlns:ds="http://schemas.openxmlformats.org/officeDocument/2006/customXml" ds:itemID="{3836F65B-1B07-41EE-A0E8-BC6EF3855225}">
-  <ds:schemaRefs>
-    <ds:schemaRef ds:uri="http://schemas.microsoft.com/sharepoint/v3/contenttype/forms"/>
-  </ds:schemaRefs>
-</ds:datastoreItem>
-</file>
-
-<file path=customXml/itemProps3.xml><?xml version="1.0" encoding="utf-8"?>
 <ds:datastoreItem xmlns:ds="http://schemas.openxmlformats.org/officeDocument/2006/customXml" ds:itemID="{A09BF4D4-EF60-4196-BFC3-9462D607978C}">
   <ds:schemaRefs>
     <ds:schemaRef ds:uri="http://schemas.microsoft.com/office/2006/metadata/contentType"/>
@@ -14506,4 +15407,12 @@
     <ds:schemaRef ds:uri="http://schemas.microsoft.com/internal/obd"/>
   </ds:schemaRefs>
 </ds:datastoreItem>
+</file>
+
+<file path=customXml/itemProps3.xml><?xml version="1.0" encoding="utf-8"?>
+<ds:datastoreItem xmlns:ds="http://schemas.openxmlformats.org/officeDocument/2006/customXml" ds:itemID="{3836F65B-1B07-41EE-A0E8-BC6EF3855225}">
+  <ds:schemaRefs>
+    <ds:schemaRef ds:uri="http://schemas.microsoft.com/sharepoint/v3/contenttype/forms"/>
+  </ds:schemaRefs>
+</ds:datastoreItem>
 </file>